--- a/CSDLNangCao/final/5. File Thuyet Trinh/N14_R_HBase_20210311.pptx
+++ b/CSDLNangCao/final/5. File Thuyet Trinh/N14_R_HBase_20210311.pptx
@@ -32,6 +32,7 @@
     <p:sldId id="276" r:id="rId25"/>
     <p:sldId id="277" r:id="rId26"/>
     <p:sldId id="278" r:id="rId27"/>
+    <p:sldId id="279" r:id="rId28"/>
   </p:sldIdLst>
   <p:sldSz cx="12192000" cy="6858000"/>
   <p:notesSz cx="6858000" cy="9144000"/>
@@ -130,19 +131,7 @@
               <a:rPr b="0" lang="en-US" sz="2000" spc="-1" strike="noStrike">
                 <a:latin typeface="Arial"/>
               </a:rPr>
-              <a:t>Click to edit </a:t>
-            </a:r>
-            <a:r>
-              <a:rPr b="0" lang="en-US" sz="2000" spc="-1" strike="noStrike">
-                <a:latin typeface="Arial"/>
-              </a:rPr>
-              <a:t>the notes </a:t>
-            </a:r>
-            <a:r>
-              <a:rPr b="0" lang="en-US" sz="2000" spc="-1" strike="noStrike">
-                <a:latin typeface="Arial"/>
-              </a:rPr>
-              <a:t>format</a:t>
+              <a:t>Click to edit the notes format</a:t>
             </a:r>
             <a:endParaRPr b="0" lang="en-US" sz="2000" spc="-1" strike="noStrike">
               <a:latin typeface="Arial"/>
@@ -276,7 +265,7 @@
           <a:bodyPr lIns="0" rIns="0" tIns="0" bIns="0" anchor="b"/>
           <a:p>
             <a:pPr algn="r"/>
-            <a:fld id="{7E0F7E55-93E1-4966-8D38-2F9B411F7B7E}" type="slidenum">
+            <a:fld id="{60454E57-C587-4EFF-AB02-EB552749603C}" type="slidenum">
               <a:rPr b="0" lang="en-US" sz="1400" spc="-1" strike="noStrike">
                 <a:latin typeface="Times New Roman"/>
               </a:rPr>
@@ -313,7 +302,7 @@
       </p:grpSpPr>
       <p:sp>
         <p:nvSpPr>
-          <p:cNvPr id="243" name="PlaceHolder 1"/>
+          <p:cNvPr id="248" name="PlaceHolder 1"/>
           <p:cNvSpPr>
             <a:spLocks noGrp="1"/>
           </p:cNvSpPr>
@@ -333,7 +322,7 @@
       </p:sp>
       <p:sp>
         <p:nvSpPr>
-          <p:cNvPr id="244" name="PlaceHolder 2"/>
+          <p:cNvPr id="249" name="PlaceHolder 2"/>
           <p:cNvSpPr>
             <a:spLocks noGrp="1"/>
           </p:cNvSpPr>
@@ -361,7 +350,7 @@
       </p:sp>
       <p:sp>
         <p:nvSpPr>
-          <p:cNvPr id="245" name="TextShape 3"/>
+          <p:cNvPr id="250" name="TextShape 3"/>
           <p:cNvSpPr txBox="1"/>
           <p:nvPr/>
         </p:nvSpPr>
@@ -386,7 +375,7 @@
                 <a:spcPct val="100000"/>
               </a:lnSpc>
             </a:pPr>
-            <a:fld id="{CAEEF67F-135D-47E4-9F5D-F40465BF9193}" type="slidenum">
+            <a:fld id="{590F1A18-3E62-47D8-9B88-CA0A0B6AE81A}" type="slidenum">
               <a:rPr b="0" lang="en-US" sz="1200" spc="-1" strike="noStrike">
                 <a:solidFill>
                   <a:srgbClr val="000000"/>
@@ -426,7 +415,7 @@
       </p:grpSpPr>
       <p:sp>
         <p:nvSpPr>
-          <p:cNvPr id="246" name="PlaceHolder 1"/>
+          <p:cNvPr id="251" name="PlaceHolder 1"/>
           <p:cNvSpPr>
             <a:spLocks noGrp="1"/>
           </p:cNvSpPr>
@@ -446,7 +435,7 @@
       </p:sp>
       <p:sp>
         <p:nvSpPr>
-          <p:cNvPr id="247" name="PlaceHolder 2"/>
+          <p:cNvPr id="252" name="PlaceHolder 2"/>
           <p:cNvSpPr>
             <a:spLocks noGrp="1"/>
           </p:cNvSpPr>
@@ -466,453 +455,7 @@
         <p:txBody>
           <a:bodyPr/>
           <a:p>
-            <a:pPr marL="216000" indent="-216000">
-              <a:lnSpc>
-                <a:spcPct val="100000"/>
-              </a:lnSpc>
-            </a:pPr>
-            <a:r>
-              <a:rPr b="1" lang="en-US" sz="1200" spc="-1" strike="noStrike">
-                <a:solidFill>
-                  <a:srgbClr val="000000"/>
-                </a:solidFill>
-                <a:latin typeface="+mn-lt"/>
-                <a:ea typeface="+mn-ea"/>
-              </a:rPr>
-              <a:t>Lưu trữ:</a:t>
-            </a:r>
-            <a:endParaRPr b="0" lang="en-US" sz="1200" spc="-1" strike="noStrike">
-              <a:latin typeface="Arial"/>
-            </a:endParaRPr>
-          </a:p>
-          <a:p>
-            <a:pPr marL="216000" indent="-216000">
-              <a:lnSpc>
-                <a:spcPct val="100000"/>
-              </a:lnSpc>
-            </a:pPr>
-            <a:r>
-              <a:rPr b="0" lang="en-US" sz="1200" spc="-1" strike="noStrike">
-                <a:solidFill>
-                  <a:srgbClr val="000000"/>
-                </a:solidFill>
-                <a:latin typeface="+mn-lt"/>
-                <a:ea typeface="+mn-ea"/>
-              </a:rPr>
-              <a:t>HBase sử dụng 2 định </a:t>
-            </a:r>
-            <a:r>
-              <a:rPr b="0" lang="en-US" sz="1200" spc="-1" strike="noStrike">
-                <a:solidFill>
-                  <a:srgbClr val="000000"/>
-                </a:solidFill>
-                <a:latin typeface="+mn-lt"/>
-                <a:ea typeface="+mn-ea"/>
-              </a:rPr>
-              <a:t>dạng file chính là </a:t>
-            </a:r>
-            <a:r>
-              <a:rPr b="0" lang="en-US" sz="1200" spc="-1" strike="noStrike">
-                <a:solidFill>
-                  <a:srgbClr val="000000"/>
-                </a:solidFill>
-                <a:latin typeface="+mn-lt"/>
-                <a:ea typeface="+mn-ea"/>
-              </a:rPr>
-              <a:t>HLog và HFile, </a:t>
-            </a:r>
-            <a:r>
-              <a:rPr b="0" lang="en-US" sz="1200" spc="-1" strike="noStrike">
-                <a:solidFill>
-                  <a:srgbClr val="000000"/>
-                </a:solidFill>
-                <a:latin typeface="+mn-lt"/>
-                <a:ea typeface="+mn-ea"/>
-              </a:rPr>
-              <a:t>được vào các HDFS </a:t>
-            </a:r>
-            <a:r>
-              <a:rPr b="0" lang="en-US" sz="1200" spc="-1" strike="noStrike">
-                <a:solidFill>
-                  <a:srgbClr val="000000"/>
-                </a:solidFill>
-                <a:latin typeface="+mn-lt"/>
-                <a:ea typeface="+mn-ea"/>
-              </a:rPr>
-              <a:t>Datanode thông </a:t>
-            </a:r>
-            <a:r>
-              <a:rPr b="0" lang="en-US" sz="1200" spc="-1" strike="noStrike">
-                <a:solidFill>
-                  <a:srgbClr val="000000"/>
-                </a:solidFill>
-                <a:latin typeface="+mn-lt"/>
-                <a:ea typeface="+mn-ea"/>
-              </a:rPr>
-              <a:t>qua DFSClient. </a:t>
-            </a:r>
-            <a:r>
-              <a:rPr b="0" lang="en-US" sz="1200" spc="-1" strike="noStrike">
-                <a:solidFill>
-                  <a:srgbClr val="000000"/>
-                </a:solidFill>
-                <a:latin typeface="+mn-lt"/>
-                <a:ea typeface="+mn-ea"/>
-              </a:rPr>
-              <a:t>Điều này giúp cho </a:t>
-            </a:r>
-            <a:r>
-              <a:rPr b="0" lang="en-US" sz="1200" spc="-1" strike="noStrike">
-                <a:solidFill>
-                  <a:srgbClr val="000000"/>
-                </a:solidFill>
-                <a:latin typeface="+mn-lt"/>
-                <a:ea typeface="+mn-ea"/>
-              </a:rPr>
-              <a:t>HBase có thể tập </a:t>
-            </a:r>
-            <a:r>
-              <a:rPr b="0" lang="en-US" sz="1200" spc="-1" strike="noStrike">
-                <a:solidFill>
-                  <a:srgbClr val="000000"/>
-                </a:solidFill>
-                <a:latin typeface="+mn-lt"/>
-                <a:ea typeface="+mn-ea"/>
-              </a:rPr>
-              <a:t>trung vào việc tối </a:t>
-            </a:r>
-            <a:r>
-              <a:rPr b="0" lang="en-US" sz="1200" spc="-1" strike="noStrike">
-                <a:solidFill>
-                  <a:srgbClr val="000000"/>
-                </a:solidFill>
-                <a:latin typeface="+mn-lt"/>
-                <a:ea typeface="+mn-ea"/>
-              </a:rPr>
-              <a:t>ưu truy vấn và cập </a:t>
-            </a:r>
-            <a:r>
-              <a:rPr b="0" lang="en-US" sz="1200" spc="-1" strike="noStrike">
-                <a:solidFill>
-                  <a:srgbClr val="000000"/>
-                </a:solidFill>
-                <a:latin typeface="+mn-lt"/>
-                <a:ea typeface="+mn-ea"/>
-              </a:rPr>
-              <a:t>nhật dữ liệu, vốn </a:t>
-            </a:r>
-            <a:r>
-              <a:rPr b="0" lang="en-US" sz="1200" spc="-1" strike="noStrike">
-                <a:solidFill>
-                  <a:srgbClr val="000000"/>
-                </a:solidFill>
-                <a:latin typeface="+mn-lt"/>
-                <a:ea typeface="+mn-ea"/>
-              </a:rPr>
-              <a:t>không phải thế </a:t>
-            </a:r>
-            <a:r>
-              <a:rPr b="0" lang="en-US" sz="1200" spc="-1" strike="noStrike">
-                <a:solidFill>
-                  <a:srgbClr val="000000"/>
-                </a:solidFill>
-                <a:latin typeface="+mn-lt"/>
-                <a:ea typeface="+mn-ea"/>
-              </a:rPr>
-              <a:t>mạnh của HDFS </a:t>
-            </a:r>
-            <a:r>
-              <a:rPr b="0" lang="en-US" sz="1200" spc="-1" strike="noStrike">
-                <a:solidFill>
-                  <a:srgbClr val="000000"/>
-                </a:solidFill>
-                <a:latin typeface="+mn-lt"/>
-                <a:ea typeface="+mn-ea"/>
-              </a:rPr>
-              <a:t>nguyên thủy.</a:t>
-            </a:r>
-            <a:br/>
-            <a:r>
-              <a:rPr b="0" lang="en-US" sz="1200" spc="-1" strike="noStrike">
-                <a:solidFill>
-                  <a:srgbClr val="000000"/>
-                </a:solidFill>
-                <a:latin typeface="+mn-lt"/>
-                <a:ea typeface="+mn-ea"/>
-              </a:rPr>
-              <a:t>Tập hợp một số </a:t>
-            </a:r>
-            <a:r>
-              <a:rPr b="0" lang="en-US" sz="1200" spc="-1" strike="noStrike">
-                <a:solidFill>
-                  <a:srgbClr val="000000"/>
-                </a:solidFill>
-                <a:latin typeface="+mn-lt"/>
-                <a:ea typeface="+mn-ea"/>
-              </a:rPr>
-              <a:t>file như trên được </a:t>
-            </a:r>
-            <a:r>
-              <a:rPr b="0" lang="en-US" sz="1200" spc="-1" strike="noStrike">
-                <a:solidFill>
-                  <a:srgbClr val="000000"/>
-                </a:solidFill>
-                <a:latin typeface="+mn-lt"/>
-                <a:ea typeface="+mn-ea"/>
-              </a:rPr>
-              <a:t>quản lý bởi một </a:t>
-            </a:r>
-            <a:r>
-              <a:rPr b="0" lang="en-US" sz="1200" spc="-1" strike="noStrike">
-                <a:solidFill>
-                  <a:srgbClr val="000000"/>
-                </a:solidFill>
-                <a:latin typeface="+mn-lt"/>
-                <a:ea typeface="+mn-ea"/>
-              </a:rPr>
-              <a:t>Region (trình bày ở </a:t>
-            </a:r>
-            <a:r>
-              <a:rPr b="0" lang="en-US" sz="1200" spc="-1" strike="noStrike">
-                <a:solidFill>
-                  <a:srgbClr val="000000"/>
-                </a:solidFill>
-                <a:latin typeface="+mn-lt"/>
-                <a:ea typeface="+mn-ea"/>
-              </a:rPr>
-              <a:t>phần sau), thường </a:t>
-            </a:r>
-            <a:r>
-              <a:rPr b="0" lang="en-US" sz="1200" spc="-1" strike="noStrike">
-                <a:solidFill>
-                  <a:srgbClr val="000000"/>
-                </a:solidFill>
-                <a:latin typeface="+mn-lt"/>
-                <a:ea typeface="+mn-ea"/>
-              </a:rPr>
-              <a:t>được sao lưu thành </a:t>
-            </a:r>
-            <a:r>
-              <a:rPr b="0" lang="en-US" sz="1200" spc="-1" strike="noStrike">
-                <a:solidFill>
-                  <a:srgbClr val="000000"/>
-                </a:solidFill>
-                <a:latin typeface="+mn-lt"/>
-                <a:ea typeface="+mn-ea"/>
-              </a:rPr>
-              <a:t>3 bản lưu ở 3 </a:t>
-            </a:r>
-            <a:r>
-              <a:rPr b="0" lang="en-US" sz="1200" spc="-1" strike="noStrike">
-                <a:solidFill>
-                  <a:srgbClr val="000000"/>
-                </a:solidFill>
-                <a:latin typeface="+mn-lt"/>
-                <a:ea typeface="+mn-ea"/>
-              </a:rPr>
-              <a:t>datanode khác </a:t>
-            </a:r>
-            <a:r>
-              <a:rPr b="0" lang="en-US" sz="1200" spc="-1" strike="noStrike">
-                <a:solidFill>
-                  <a:srgbClr val="000000"/>
-                </a:solidFill>
-                <a:latin typeface="+mn-lt"/>
-                <a:ea typeface="+mn-ea"/>
-              </a:rPr>
-              <a:t>nhau.</a:t>
-            </a:r>
-            <a:endParaRPr b="0" lang="en-US" sz="1200" spc="-1" strike="noStrike">
-              <a:latin typeface="Arial"/>
-            </a:endParaRPr>
-          </a:p>
-          <a:p>
-            <a:pPr marL="216000" indent="-216000">
-              <a:lnSpc>
-                <a:spcPct val="100000"/>
-              </a:lnSpc>
-            </a:pPr>
-            <a:r>
-              <a:rPr b="0" lang="en-US" sz="1200" spc="-1" strike="noStrike">
-                <a:solidFill>
-                  <a:srgbClr val="000000"/>
-                </a:solidFill>
-                <a:latin typeface="+mn-lt"/>
-                <a:ea typeface="+mn-ea"/>
-              </a:rPr>
-              <a:t> </a:t>
-            </a:r>
-            <a:r>
-              <a:rPr b="0" lang="en-US" sz="1200" spc="-1" strike="noStrike">
-                <a:solidFill>
-                  <a:srgbClr val="000000"/>
-                </a:solidFill>
-                <a:latin typeface="+mn-lt"/>
-                <a:ea typeface="+mn-ea"/>
-              </a:rPr>
-              <a:t>* Column family &amp; </a:t>
-            </a:r>
-            <a:r>
-              <a:rPr b="0" lang="en-US" sz="1200" spc="-1" strike="noStrike">
-                <a:solidFill>
-                  <a:srgbClr val="000000"/>
-                </a:solidFill>
-                <a:latin typeface="+mn-lt"/>
-                <a:ea typeface="+mn-ea"/>
-              </a:rPr>
-              <a:t>Column Qualifier:</a:t>
-            </a:r>
-            <a:endParaRPr b="0" lang="en-US" sz="1200" spc="-1" strike="noStrike">
-              <a:latin typeface="Arial"/>
-            </a:endParaRPr>
-          </a:p>
-          <a:p>
-            <a:pPr marL="216000" indent="-216000">
-              <a:lnSpc>
-                <a:spcPct val="100000"/>
-              </a:lnSpc>
-            </a:pPr>
-            <a:r>
-              <a:rPr b="0" lang="en-US" sz="1200" spc="-1" strike="noStrike">
-                <a:solidFill>
-                  <a:srgbClr val="000000"/>
-                </a:solidFill>
-                <a:latin typeface="+mn-lt"/>
-                <a:ea typeface="+mn-ea"/>
-              </a:rPr>
-              <a:t>* Region: Một region </a:t>
-            </a:r>
-            <a:r>
-              <a:rPr b="0" lang="en-US" sz="1200" spc="-1" strike="noStrike">
-                <a:solidFill>
-                  <a:srgbClr val="000000"/>
-                </a:solidFill>
-                <a:latin typeface="+mn-lt"/>
-                <a:ea typeface="+mn-ea"/>
-              </a:rPr>
-              <a:t>là một mảnh của </a:t>
-            </a:r>
-            <a:r>
-              <a:rPr b="0" lang="en-US" sz="1200" spc="-1" strike="noStrike">
-                <a:solidFill>
-                  <a:srgbClr val="000000"/>
-                </a:solidFill>
-                <a:latin typeface="+mn-lt"/>
-                <a:ea typeface="+mn-ea"/>
-              </a:rPr>
-              <a:t>một bảng hoàn </a:t>
-            </a:r>
-            <a:r>
-              <a:rPr b="0" lang="en-US" sz="1200" spc="-1" strike="noStrike">
-                <a:solidFill>
-                  <a:srgbClr val="000000"/>
-                </a:solidFill>
-                <a:latin typeface="+mn-lt"/>
-                <a:ea typeface="+mn-ea"/>
-              </a:rPr>
-              <a:t>chỉnh. Tập hợp </a:t>
-            </a:r>
-            <a:r>
-              <a:rPr b="0" lang="en-US" sz="1200" spc="-1" strike="noStrike">
-                <a:solidFill>
-                  <a:srgbClr val="000000"/>
-                </a:solidFill>
-                <a:latin typeface="+mn-lt"/>
-                <a:ea typeface="+mn-ea"/>
-              </a:rPr>
-              <a:t>một số region sẽ </a:t>
-            </a:r>
-            <a:r>
-              <a:rPr b="0" lang="en-US" sz="1200" spc="-1" strike="noStrike">
-                <a:solidFill>
-                  <a:srgbClr val="000000"/>
-                </a:solidFill>
-                <a:latin typeface="+mn-lt"/>
-                <a:ea typeface="+mn-ea"/>
-              </a:rPr>
-              <a:t>được quản lý bởi </a:t>
-            </a:r>
-            <a:r>
-              <a:rPr b="0" lang="en-US" sz="1200" spc="-1" strike="noStrike">
-                <a:solidFill>
-                  <a:srgbClr val="000000"/>
-                </a:solidFill>
-                <a:latin typeface="+mn-lt"/>
-                <a:ea typeface="+mn-ea"/>
-              </a:rPr>
-              <a:t>một </a:t>
-            </a:r>
-            <a:r>
-              <a:rPr b="0" lang="en-US" sz="1200" spc="-1" strike="noStrike">
-                <a:solidFill>
-                  <a:srgbClr val="000000"/>
-                </a:solidFill>
-                <a:latin typeface="+mn-lt"/>
-                <a:ea typeface="+mn-ea"/>
-              </a:rPr>
-              <a:t>HRegionServer.</a:t>
-            </a:r>
-            <a:endParaRPr b="0" lang="en-US" sz="1200" spc="-1" strike="noStrike">
-              <a:latin typeface="Arial"/>
-            </a:endParaRPr>
-          </a:p>
-          <a:p>
-            <a:pPr marL="216000" indent="-216000">
-              <a:lnSpc>
-                <a:spcPct val="100000"/>
-              </a:lnSpc>
-            </a:pPr>
-            <a:r>
-              <a:rPr b="0" lang="en-US" sz="1200" spc="-1" strike="noStrike">
-                <a:solidFill>
-                  <a:srgbClr val="000000"/>
-                </a:solidFill>
-                <a:latin typeface="+mn-lt"/>
-                <a:ea typeface="+mn-ea"/>
-              </a:rPr>
-              <a:t>* Row-version</a:t>
-            </a:r>
-            <a:endParaRPr b="0" lang="en-US" sz="1200" spc="-1" strike="noStrike">
-              <a:latin typeface="Arial"/>
-            </a:endParaRPr>
-          </a:p>
-          <a:p>
-            <a:pPr marL="216000" indent="-216000">
-              <a:lnSpc>
-                <a:spcPct val="100000"/>
-              </a:lnSpc>
-            </a:pPr>
-            <a:r>
-              <a:rPr b="0" lang="en-US" sz="1200" spc="-1" strike="noStrike">
-                <a:solidFill>
-                  <a:srgbClr val="000000"/>
-                </a:solidFill>
-                <a:latin typeface="+mn-lt"/>
-                <a:ea typeface="+mn-ea"/>
-              </a:rPr>
-              <a:t>* Block vs Block </a:t>
-            </a:r>
-            <a:r>
-              <a:rPr b="0" lang="en-US" sz="1200" spc="-1" strike="noStrike">
-                <a:solidFill>
-                  <a:srgbClr val="000000"/>
-                </a:solidFill>
-                <a:latin typeface="+mn-lt"/>
-                <a:ea typeface="+mn-ea"/>
-              </a:rPr>
-              <a:t>cache</a:t>
-            </a:r>
-            <a:endParaRPr b="0" lang="en-US" sz="1200" spc="-1" strike="noStrike">
-              <a:latin typeface="Arial"/>
-            </a:endParaRPr>
-          </a:p>
-          <a:p>
-            <a:pPr marL="216000" indent="-216000">
-              <a:lnSpc>
-                <a:spcPct val="100000"/>
-              </a:lnSpc>
-            </a:pPr>
-            <a:endParaRPr b="0" lang="en-US" sz="1200" spc="-1" strike="noStrike">
+            <a:endParaRPr b="0" lang="en-US" sz="2000" spc="-1" strike="noStrike">
               <a:latin typeface="Arial"/>
             </a:endParaRPr>
           </a:p>
@@ -920,7 +463,7 @@
       </p:sp>
       <p:sp>
         <p:nvSpPr>
-          <p:cNvPr id="248" name="TextShape 3"/>
+          <p:cNvPr id="253" name="TextShape 3"/>
           <p:cNvSpPr txBox="1"/>
           <p:nvPr/>
         </p:nvSpPr>
@@ -945,7 +488,7 @@
                 <a:spcPct val="100000"/>
               </a:lnSpc>
             </a:pPr>
-            <a:fld id="{F966AFAB-1D0E-4DF2-A326-21A67F2792B1}" type="slidenum">
+            <a:fld id="{FA4F46BD-9088-4A40-89DC-98B50F9DA838}" type="slidenum">
               <a:rPr b="0" lang="en-US" sz="1200" spc="-1" strike="noStrike">
                 <a:solidFill>
                   <a:srgbClr val="000000"/>
@@ -985,7 +528,7 @@
       </p:grpSpPr>
       <p:sp>
         <p:nvSpPr>
-          <p:cNvPr id="249" name="PlaceHolder 1"/>
+          <p:cNvPr id="254" name="PlaceHolder 1"/>
           <p:cNvSpPr>
             <a:spLocks noGrp="1"/>
           </p:cNvSpPr>
@@ -1005,7 +548,7 @@
       </p:sp>
       <p:sp>
         <p:nvSpPr>
-          <p:cNvPr id="250" name="PlaceHolder 2"/>
+          <p:cNvPr id="255" name="PlaceHolder 2"/>
           <p:cNvSpPr>
             <a:spLocks noGrp="1"/>
           </p:cNvSpPr>
@@ -1031,41 +574,435 @@
               </a:lnSpc>
             </a:pPr>
             <a:r>
-              <a:rPr b="1" lang="en-US" sz="1200" spc="-1" strike="noStrike" u="sng">
-                <a:solidFill>
-                  <a:srgbClr val="000000"/>
-                </a:solidFill>
-                <a:uFillTx/>
-                <a:latin typeface="Times New Roman"/>
-              </a:rPr>
-              <a:t>Read</a:t>
-            </a:r>
+              <a:rPr b="1" lang="en-US" sz="1200" spc="-1" strike="noStrike">
+                <a:solidFill>
+                  <a:srgbClr val="000000"/>
+                </a:solidFill>
+                <a:latin typeface="+mn-lt"/>
+                <a:ea typeface="+mn-ea"/>
+              </a:rPr>
+              <a:t>Lưu trữ:</a:t>
+            </a:r>
+            <a:endParaRPr b="0" lang="en-US" sz="1200" spc="-1" strike="noStrike">
+              <a:latin typeface="Arial"/>
+            </a:endParaRPr>
+          </a:p>
+          <a:p>
+            <a:pPr marL="216000" indent="-216000">
+              <a:lnSpc>
+                <a:spcPct val="100000"/>
+              </a:lnSpc>
+            </a:pPr>
             <a:r>
               <a:rPr b="0" lang="en-US" sz="1200" spc="-1" strike="noStrike">
                 <a:solidFill>
                   <a:srgbClr val="000000"/>
                 </a:solidFill>
-                <a:latin typeface="Times New Roman"/>
-              </a:rPr>
-              <a:t>: Client read data từ </a:t>
+                <a:latin typeface="+mn-lt"/>
+                <a:ea typeface="+mn-ea"/>
+              </a:rPr>
+              <a:t>HBase sử dụng 2 định </a:t>
             </a:r>
             <a:r>
               <a:rPr b="0" lang="en-US" sz="1200" spc="-1" strike="noStrike">
                 <a:solidFill>
                   <a:srgbClr val="000000"/>
                 </a:solidFill>
-                <a:latin typeface="Times New Roman"/>
-              </a:rPr>
-              <a:t>HBase &lt;- HBase lấy </a:t>
+                <a:latin typeface="+mn-lt"/>
+                <a:ea typeface="+mn-ea"/>
+              </a:rPr>
+              <a:t>dạng file chính là </a:t>
             </a:r>
             <a:r>
               <a:rPr b="0" lang="en-US" sz="1200" spc="-1" strike="noStrike">
                 <a:solidFill>
                   <a:srgbClr val="000000"/>
                 </a:solidFill>
-                <a:latin typeface="Times New Roman"/>
-              </a:rPr>
-              <a:t>data từ HDFS</a:t>
+                <a:latin typeface="+mn-lt"/>
+                <a:ea typeface="+mn-ea"/>
+              </a:rPr>
+              <a:t>HLog và HFile, </a:t>
+            </a:r>
+            <a:r>
+              <a:rPr b="0" lang="en-US" sz="1200" spc="-1" strike="noStrike">
+                <a:solidFill>
+                  <a:srgbClr val="000000"/>
+                </a:solidFill>
+                <a:latin typeface="+mn-lt"/>
+                <a:ea typeface="+mn-ea"/>
+              </a:rPr>
+              <a:t>được vào các HDFS </a:t>
+            </a:r>
+            <a:r>
+              <a:rPr b="0" lang="en-US" sz="1200" spc="-1" strike="noStrike">
+                <a:solidFill>
+                  <a:srgbClr val="000000"/>
+                </a:solidFill>
+                <a:latin typeface="+mn-lt"/>
+                <a:ea typeface="+mn-ea"/>
+              </a:rPr>
+              <a:t>Datanode thông </a:t>
+            </a:r>
+            <a:r>
+              <a:rPr b="0" lang="en-US" sz="1200" spc="-1" strike="noStrike">
+                <a:solidFill>
+                  <a:srgbClr val="000000"/>
+                </a:solidFill>
+                <a:latin typeface="+mn-lt"/>
+                <a:ea typeface="+mn-ea"/>
+              </a:rPr>
+              <a:t>qua DFSClient. </a:t>
+            </a:r>
+            <a:r>
+              <a:rPr b="0" lang="en-US" sz="1200" spc="-1" strike="noStrike">
+                <a:solidFill>
+                  <a:srgbClr val="000000"/>
+                </a:solidFill>
+                <a:latin typeface="+mn-lt"/>
+                <a:ea typeface="+mn-ea"/>
+              </a:rPr>
+              <a:t>Điều này giúp cho </a:t>
+            </a:r>
+            <a:r>
+              <a:rPr b="0" lang="en-US" sz="1200" spc="-1" strike="noStrike">
+                <a:solidFill>
+                  <a:srgbClr val="000000"/>
+                </a:solidFill>
+                <a:latin typeface="+mn-lt"/>
+                <a:ea typeface="+mn-ea"/>
+              </a:rPr>
+              <a:t>HBase có thể tập </a:t>
+            </a:r>
+            <a:r>
+              <a:rPr b="0" lang="en-US" sz="1200" spc="-1" strike="noStrike">
+                <a:solidFill>
+                  <a:srgbClr val="000000"/>
+                </a:solidFill>
+                <a:latin typeface="+mn-lt"/>
+                <a:ea typeface="+mn-ea"/>
+              </a:rPr>
+              <a:t>trung vào việc tối </a:t>
+            </a:r>
+            <a:r>
+              <a:rPr b="0" lang="en-US" sz="1200" spc="-1" strike="noStrike">
+                <a:solidFill>
+                  <a:srgbClr val="000000"/>
+                </a:solidFill>
+                <a:latin typeface="+mn-lt"/>
+                <a:ea typeface="+mn-ea"/>
+              </a:rPr>
+              <a:t>ưu truy vấn và cập </a:t>
+            </a:r>
+            <a:r>
+              <a:rPr b="0" lang="en-US" sz="1200" spc="-1" strike="noStrike">
+                <a:solidFill>
+                  <a:srgbClr val="000000"/>
+                </a:solidFill>
+                <a:latin typeface="+mn-lt"/>
+                <a:ea typeface="+mn-ea"/>
+              </a:rPr>
+              <a:t>nhật dữ liệu, vốn </a:t>
+            </a:r>
+            <a:r>
+              <a:rPr b="0" lang="en-US" sz="1200" spc="-1" strike="noStrike">
+                <a:solidFill>
+                  <a:srgbClr val="000000"/>
+                </a:solidFill>
+                <a:latin typeface="+mn-lt"/>
+                <a:ea typeface="+mn-ea"/>
+              </a:rPr>
+              <a:t>không phải thế </a:t>
+            </a:r>
+            <a:r>
+              <a:rPr b="0" lang="en-US" sz="1200" spc="-1" strike="noStrike">
+                <a:solidFill>
+                  <a:srgbClr val="000000"/>
+                </a:solidFill>
+                <a:latin typeface="+mn-lt"/>
+                <a:ea typeface="+mn-ea"/>
+              </a:rPr>
+              <a:t>mạnh của HDFS </a:t>
+            </a:r>
+            <a:r>
+              <a:rPr b="0" lang="en-US" sz="1200" spc="-1" strike="noStrike">
+                <a:solidFill>
+                  <a:srgbClr val="000000"/>
+                </a:solidFill>
+                <a:latin typeface="+mn-lt"/>
+                <a:ea typeface="+mn-ea"/>
+              </a:rPr>
+              <a:t>nguyên thủy.</a:t>
+            </a:r>
+            <a:br/>
+            <a:r>
+              <a:rPr b="0" lang="en-US" sz="1200" spc="-1" strike="noStrike">
+                <a:solidFill>
+                  <a:srgbClr val="000000"/>
+                </a:solidFill>
+                <a:latin typeface="+mn-lt"/>
+                <a:ea typeface="+mn-ea"/>
+              </a:rPr>
+              <a:t>Tập hợp một số </a:t>
+            </a:r>
+            <a:r>
+              <a:rPr b="0" lang="en-US" sz="1200" spc="-1" strike="noStrike">
+                <a:solidFill>
+                  <a:srgbClr val="000000"/>
+                </a:solidFill>
+                <a:latin typeface="+mn-lt"/>
+                <a:ea typeface="+mn-ea"/>
+              </a:rPr>
+              <a:t>file như trên được </a:t>
+            </a:r>
+            <a:r>
+              <a:rPr b="0" lang="en-US" sz="1200" spc="-1" strike="noStrike">
+                <a:solidFill>
+                  <a:srgbClr val="000000"/>
+                </a:solidFill>
+                <a:latin typeface="+mn-lt"/>
+                <a:ea typeface="+mn-ea"/>
+              </a:rPr>
+              <a:t>quản lý bởi một </a:t>
+            </a:r>
+            <a:r>
+              <a:rPr b="0" lang="en-US" sz="1200" spc="-1" strike="noStrike">
+                <a:solidFill>
+                  <a:srgbClr val="000000"/>
+                </a:solidFill>
+                <a:latin typeface="+mn-lt"/>
+                <a:ea typeface="+mn-ea"/>
+              </a:rPr>
+              <a:t>Region (trình bày ở </a:t>
+            </a:r>
+            <a:r>
+              <a:rPr b="0" lang="en-US" sz="1200" spc="-1" strike="noStrike">
+                <a:solidFill>
+                  <a:srgbClr val="000000"/>
+                </a:solidFill>
+                <a:latin typeface="+mn-lt"/>
+                <a:ea typeface="+mn-ea"/>
+              </a:rPr>
+              <a:t>phần sau), thường </a:t>
+            </a:r>
+            <a:r>
+              <a:rPr b="0" lang="en-US" sz="1200" spc="-1" strike="noStrike">
+                <a:solidFill>
+                  <a:srgbClr val="000000"/>
+                </a:solidFill>
+                <a:latin typeface="+mn-lt"/>
+                <a:ea typeface="+mn-ea"/>
+              </a:rPr>
+              <a:t>được sao lưu thành </a:t>
+            </a:r>
+            <a:r>
+              <a:rPr b="0" lang="en-US" sz="1200" spc="-1" strike="noStrike">
+                <a:solidFill>
+                  <a:srgbClr val="000000"/>
+                </a:solidFill>
+                <a:latin typeface="+mn-lt"/>
+                <a:ea typeface="+mn-ea"/>
+              </a:rPr>
+              <a:t>3 bản lưu ở 3 </a:t>
+            </a:r>
+            <a:r>
+              <a:rPr b="0" lang="en-US" sz="1200" spc="-1" strike="noStrike">
+                <a:solidFill>
+                  <a:srgbClr val="000000"/>
+                </a:solidFill>
+                <a:latin typeface="+mn-lt"/>
+                <a:ea typeface="+mn-ea"/>
+              </a:rPr>
+              <a:t>datanode khác </a:t>
+            </a:r>
+            <a:r>
+              <a:rPr b="0" lang="en-US" sz="1200" spc="-1" strike="noStrike">
+                <a:solidFill>
+                  <a:srgbClr val="000000"/>
+                </a:solidFill>
+                <a:latin typeface="+mn-lt"/>
+                <a:ea typeface="+mn-ea"/>
+              </a:rPr>
+              <a:t>nhau.</a:t>
+            </a:r>
+            <a:endParaRPr b="0" lang="en-US" sz="1200" spc="-1" strike="noStrike">
+              <a:latin typeface="Arial"/>
+            </a:endParaRPr>
+          </a:p>
+          <a:p>
+            <a:pPr marL="216000" indent="-216000">
+              <a:lnSpc>
+                <a:spcPct val="100000"/>
+              </a:lnSpc>
+            </a:pPr>
+            <a:r>
+              <a:rPr b="0" lang="en-US" sz="1200" spc="-1" strike="noStrike">
+                <a:solidFill>
+                  <a:srgbClr val="000000"/>
+                </a:solidFill>
+                <a:latin typeface="+mn-lt"/>
+                <a:ea typeface="+mn-ea"/>
+              </a:rPr>
+              <a:t> </a:t>
+            </a:r>
+            <a:r>
+              <a:rPr b="0" lang="en-US" sz="1200" spc="-1" strike="noStrike">
+                <a:solidFill>
+                  <a:srgbClr val="000000"/>
+                </a:solidFill>
+                <a:latin typeface="+mn-lt"/>
+                <a:ea typeface="+mn-ea"/>
+              </a:rPr>
+              <a:t>* Column family &amp; </a:t>
+            </a:r>
+            <a:r>
+              <a:rPr b="0" lang="en-US" sz="1200" spc="-1" strike="noStrike">
+                <a:solidFill>
+                  <a:srgbClr val="000000"/>
+                </a:solidFill>
+                <a:latin typeface="+mn-lt"/>
+                <a:ea typeface="+mn-ea"/>
+              </a:rPr>
+              <a:t>Column Qualifier:</a:t>
+            </a:r>
+            <a:endParaRPr b="0" lang="en-US" sz="1200" spc="-1" strike="noStrike">
+              <a:latin typeface="Arial"/>
+            </a:endParaRPr>
+          </a:p>
+          <a:p>
+            <a:pPr marL="216000" indent="-216000">
+              <a:lnSpc>
+                <a:spcPct val="100000"/>
+              </a:lnSpc>
+            </a:pPr>
+            <a:r>
+              <a:rPr b="0" lang="en-US" sz="1200" spc="-1" strike="noStrike">
+                <a:solidFill>
+                  <a:srgbClr val="000000"/>
+                </a:solidFill>
+                <a:latin typeface="+mn-lt"/>
+                <a:ea typeface="+mn-ea"/>
+              </a:rPr>
+              <a:t>* Region: Một region </a:t>
+            </a:r>
+            <a:r>
+              <a:rPr b="0" lang="en-US" sz="1200" spc="-1" strike="noStrike">
+                <a:solidFill>
+                  <a:srgbClr val="000000"/>
+                </a:solidFill>
+                <a:latin typeface="+mn-lt"/>
+                <a:ea typeface="+mn-ea"/>
+              </a:rPr>
+              <a:t>là một mảnh của </a:t>
+            </a:r>
+            <a:r>
+              <a:rPr b="0" lang="en-US" sz="1200" spc="-1" strike="noStrike">
+                <a:solidFill>
+                  <a:srgbClr val="000000"/>
+                </a:solidFill>
+                <a:latin typeface="+mn-lt"/>
+                <a:ea typeface="+mn-ea"/>
+              </a:rPr>
+              <a:t>một bảng hoàn </a:t>
+            </a:r>
+            <a:r>
+              <a:rPr b="0" lang="en-US" sz="1200" spc="-1" strike="noStrike">
+                <a:solidFill>
+                  <a:srgbClr val="000000"/>
+                </a:solidFill>
+                <a:latin typeface="+mn-lt"/>
+                <a:ea typeface="+mn-ea"/>
+              </a:rPr>
+              <a:t>chỉnh. Tập hợp </a:t>
+            </a:r>
+            <a:r>
+              <a:rPr b="0" lang="en-US" sz="1200" spc="-1" strike="noStrike">
+                <a:solidFill>
+                  <a:srgbClr val="000000"/>
+                </a:solidFill>
+                <a:latin typeface="+mn-lt"/>
+                <a:ea typeface="+mn-ea"/>
+              </a:rPr>
+              <a:t>một số region sẽ </a:t>
+            </a:r>
+            <a:r>
+              <a:rPr b="0" lang="en-US" sz="1200" spc="-1" strike="noStrike">
+                <a:solidFill>
+                  <a:srgbClr val="000000"/>
+                </a:solidFill>
+                <a:latin typeface="+mn-lt"/>
+                <a:ea typeface="+mn-ea"/>
+              </a:rPr>
+              <a:t>được quản lý bởi </a:t>
+            </a:r>
+            <a:r>
+              <a:rPr b="0" lang="en-US" sz="1200" spc="-1" strike="noStrike">
+                <a:solidFill>
+                  <a:srgbClr val="000000"/>
+                </a:solidFill>
+                <a:latin typeface="+mn-lt"/>
+                <a:ea typeface="+mn-ea"/>
+              </a:rPr>
+              <a:t>một </a:t>
+            </a:r>
+            <a:r>
+              <a:rPr b="0" lang="en-US" sz="1200" spc="-1" strike="noStrike">
+                <a:solidFill>
+                  <a:srgbClr val="000000"/>
+                </a:solidFill>
+                <a:latin typeface="+mn-lt"/>
+                <a:ea typeface="+mn-ea"/>
+              </a:rPr>
+              <a:t>HRegionServer.</a:t>
+            </a:r>
+            <a:endParaRPr b="0" lang="en-US" sz="1200" spc="-1" strike="noStrike">
+              <a:latin typeface="Arial"/>
+            </a:endParaRPr>
+          </a:p>
+          <a:p>
+            <a:pPr marL="216000" indent="-216000">
+              <a:lnSpc>
+                <a:spcPct val="100000"/>
+              </a:lnSpc>
+            </a:pPr>
+            <a:r>
+              <a:rPr b="0" lang="en-US" sz="1200" spc="-1" strike="noStrike">
+                <a:solidFill>
+                  <a:srgbClr val="000000"/>
+                </a:solidFill>
+                <a:latin typeface="+mn-lt"/>
+                <a:ea typeface="+mn-ea"/>
+              </a:rPr>
+              <a:t>* Row-version</a:t>
+            </a:r>
+            <a:endParaRPr b="0" lang="en-US" sz="1200" spc="-1" strike="noStrike">
+              <a:latin typeface="Arial"/>
+            </a:endParaRPr>
+          </a:p>
+          <a:p>
+            <a:pPr marL="216000" indent="-216000">
+              <a:lnSpc>
+                <a:spcPct val="100000"/>
+              </a:lnSpc>
+            </a:pPr>
+            <a:r>
+              <a:rPr b="0" lang="en-US" sz="1200" spc="-1" strike="noStrike">
+                <a:solidFill>
+                  <a:srgbClr val="000000"/>
+                </a:solidFill>
+                <a:latin typeface="+mn-lt"/>
+                <a:ea typeface="+mn-ea"/>
+              </a:rPr>
+              <a:t>* Block vs Block </a:t>
+            </a:r>
+            <a:r>
+              <a:rPr b="0" lang="en-US" sz="1200" spc="-1" strike="noStrike">
+                <a:solidFill>
+                  <a:srgbClr val="000000"/>
+                </a:solidFill>
+                <a:latin typeface="+mn-lt"/>
+                <a:ea typeface="+mn-ea"/>
+              </a:rPr>
+              <a:t>cache</a:t>
             </a:r>
             <a:endParaRPr b="0" lang="en-US" sz="1200" spc="-1" strike="noStrike">
               <a:latin typeface="Arial"/>
@@ -1081,188 +1018,11 @@
               <a:latin typeface="Arial"/>
             </a:endParaRPr>
           </a:p>
-          <a:p>
-            <a:pPr marL="216000" indent="-216000">
-              <a:lnSpc>
-                <a:spcPct val="100000"/>
-              </a:lnSpc>
-            </a:pPr>
-            <a:r>
-              <a:rPr b="1" lang="en-US" sz="1200" spc="-1" strike="noStrike" u="sng">
-                <a:solidFill>
-                  <a:srgbClr val="000000"/>
-                </a:solidFill>
-                <a:uFillTx/>
-                <a:latin typeface="Times New Roman"/>
-              </a:rPr>
-              <a:t>Write</a:t>
-            </a:r>
-            <a:r>
-              <a:rPr b="0" lang="en-US" sz="1200" spc="-1" strike="noStrike">
-                <a:solidFill>
-                  <a:srgbClr val="000000"/>
-                </a:solidFill>
-                <a:latin typeface="Times New Roman"/>
-              </a:rPr>
-              <a:t>: Client white data </a:t>
-            </a:r>
-            <a:r>
-              <a:rPr b="0" lang="en-US" sz="1200" spc="-1" strike="noStrike">
-                <a:solidFill>
-                  <a:srgbClr val="000000"/>
-                </a:solidFill>
-                <a:latin typeface="Times New Roman"/>
-              </a:rPr>
-              <a:t>vào HBase -&gt; HBase </a:t>
-            </a:r>
-            <a:r>
-              <a:rPr b="0" lang="en-US" sz="1200" spc="-1" strike="noStrike">
-                <a:solidFill>
-                  <a:srgbClr val="000000"/>
-                </a:solidFill>
-                <a:latin typeface="Times New Roman"/>
-              </a:rPr>
-              <a:t>write data vào HDFS. </a:t>
-            </a:r>
-            <a:r>
-              <a:rPr b="0" lang="en-US" sz="1200" spc="-1" strike="noStrike">
-                <a:solidFill>
-                  <a:srgbClr val="000000"/>
-                </a:solidFill>
-                <a:latin typeface="Times New Roman"/>
-              </a:rPr>
-              <a:t>Bên cạnh đó, client </a:t>
-            </a:r>
-            <a:r>
-              <a:rPr b="0" lang="en-US" sz="1200" spc="-1" strike="noStrike">
-                <a:solidFill>
-                  <a:srgbClr val="000000"/>
-                </a:solidFill>
-                <a:latin typeface="Times New Roman"/>
-              </a:rPr>
-              <a:t>cũng có option white </a:t>
-            </a:r>
-            <a:r>
-              <a:rPr b="0" lang="en-US" sz="1200" spc="-1" strike="noStrike">
-                <a:solidFill>
-                  <a:srgbClr val="000000"/>
-                </a:solidFill>
-                <a:latin typeface="Times New Roman"/>
-              </a:rPr>
-              <a:t>data trực tiếp vào </a:t>
-            </a:r>
-            <a:r>
-              <a:rPr b="0" lang="en-US" sz="1200" spc="-1" strike="noStrike">
-                <a:solidFill>
-                  <a:srgbClr val="000000"/>
-                </a:solidFill>
-                <a:latin typeface="Times New Roman"/>
-              </a:rPr>
-              <a:t>HDFS</a:t>
-            </a:r>
-            <a:endParaRPr b="0" lang="en-US" sz="1200" spc="-1" strike="noStrike">
-              <a:latin typeface="Arial"/>
-            </a:endParaRPr>
-          </a:p>
-          <a:p>
-            <a:pPr marL="216000" indent="-216000">
-              <a:lnSpc>
-                <a:spcPct val="100000"/>
-              </a:lnSpc>
-            </a:pPr>
-            <a:endParaRPr b="0" lang="en-US" sz="1200" spc="-1" strike="noStrike">
-              <a:latin typeface="Arial"/>
-            </a:endParaRPr>
-          </a:p>
-          <a:p>
-            <a:pPr>
-              <a:lnSpc>
-                <a:spcPct val="100000"/>
-              </a:lnSpc>
-            </a:pPr>
-            <a:r>
-              <a:rPr b="0" lang="en-US" sz="1200" spc="-1" strike="noStrike">
-                <a:solidFill>
-                  <a:srgbClr val="000000"/>
-                </a:solidFill>
-                <a:latin typeface="Wingdings"/>
-              </a:rPr>
-              <a:t></a:t>
-            </a:r>
-            <a:r>
-              <a:rPr b="0" lang="en-US" sz="1200" spc="-1" strike="noStrike">
-                <a:solidFill>
-                  <a:srgbClr val="000000"/>
-                </a:solidFill>
-                <a:latin typeface="Times New Roman"/>
-              </a:rPr>
-              <a:t> </a:t>
-            </a:r>
-            <a:r>
-              <a:rPr b="0" lang="en-US" sz="1200" spc="-1" strike="noStrike">
-                <a:solidFill>
-                  <a:srgbClr val="000000"/>
-                </a:solidFill>
-                <a:latin typeface="Times New Roman"/>
-              </a:rPr>
-              <a:t>Quá trình giao tiếp giữa </a:t>
-            </a:r>
-            <a:r>
-              <a:rPr b="0" lang="en-US" sz="1200" spc="-1" strike="noStrike">
-                <a:solidFill>
-                  <a:srgbClr val="000000"/>
-                </a:solidFill>
-                <a:latin typeface="Times New Roman"/>
-              </a:rPr>
-              <a:t>HBase với HDFS được </a:t>
-            </a:r>
-            <a:r>
-              <a:rPr b="0" lang="en-US" sz="1200" spc="-1" strike="noStrike">
-                <a:solidFill>
-                  <a:srgbClr val="000000"/>
-                </a:solidFill>
-                <a:latin typeface="Times New Roman"/>
-              </a:rPr>
-              <a:t>thông qua các đối tượng </a:t>
-            </a:r>
-            <a:r>
-              <a:rPr b="0" lang="en-US" sz="1200" spc="-1" strike="noStrike">
-                <a:solidFill>
-                  <a:srgbClr val="000000"/>
-                </a:solidFill>
-                <a:latin typeface="Times New Roman"/>
-              </a:rPr>
-              <a:t>HDFS Client</a:t>
-            </a:r>
-            <a:endParaRPr b="0" lang="en-US" sz="1200" spc="-1" strike="noStrike">
-              <a:latin typeface="Arial"/>
-            </a:endParaRPr>
-          </a:p>
-          <a:p>
-            <a:pPr>
-              <a:lnSpc>
-                <a:spcPct val="100000"/>
-              </a:lnSpc>
-            </a:pPr>
-            <a:endParaRPr b="0" lang="en-US" sz="1200" spc="-1" strike="noStrike">
-              <a:latin typeface="Arial"/>
-            </a:endParaRPr>
-          </a:p>
-          <a:p>
-            <a:pPr>
-              <a:lnSpc>
-                <a:spcPct val="100000"/>
-              </a:lnSpc>
-            </a:pPr>
-            <a:endParaRPr b="0" lang="en-US" sz="1200" spc="-1" strike="noStrike">
-              <a:latin typeface="Arial"/>
-            </a:endParaRPr>
-          </a:p>
         </p:txBody>
       </p:sp>
       <p:sp>
         <p:nvSpPr>
-          <p:cNvPr id="251" name="TextShape 3"/>
+          <p:cNvPr id="256" name="TextShape 3"/>
           <p:cNvSpPr txBox="1"/>
           <p:nvPr/>
         </p:nvSpPr>
@@ -1287,7 +1047,7 @@
                 <a:spcPct val="100000"/>
               </a:lnSpc>
             </a:pPr>
-            <a:fld id="{36F03A6A-047E-4E96-B544-2F807AB32BE9}" type="slidenum">
+            <a:fld id="{C5420EB9-5F9B-4DA0-AA74-952ECA3EC890}" type="slidenum">
               <a:rPr b="0" lang="en-US" sz="1200" spc="-1" strike="noStrike">
                 <a:solidFill>
                   <a:srgbClr val="000000"/>
@@ -1327,7 +1087,7 @@
       </p:grpSpPr>
       <p:sp>
         <p:nvSpPr>
-          <p:cNvPr id="252" name="PlaceHolder 1"/>
+          <p:cNvPr id="257" name="PlaceHolder 1"/>
           <p:cNvSpPr>
             <a:spLocks noGrp="1"/>
           </p:cNvSpPr>
@@ -1347,7 +1107,7 @@
       </p:sp>
       <p:sp>
         <p:nvSpPr>
-          <p:cNvPr id="253" name="PlaceHolder 2"/>
+          <p:cNvPr id="258" name="PlaceHolder 2"/>
           <p:cNvSpPr>
             <a:spLocks noGrp="1"/>
           </p:cNvSpPr>
@@ -1367,7 +1127,236 @@
         <p:txBody>
           <a:bodyPr/>
           <a:p>
-            <a:endParaRPr b="0" lang="en-US" sz="2000" spc="-1" strike="noStrike">
+            <a:pPr marL="216000" indent="-216000">
+              <a:lnSpc>
+                <a:spcPct val="100000"/>
+              </a:lnSpc>
+            </a:pPr>
+            <a:r>
+              <a:rPr b="1" lang="en-US" sz="1200" spc="-1" strike="noStrike" u="sng">
+                <a:solidFill>
+                  <a:srgbClr val="000000"/>
+                </a:solidFill>
+                <a:uFillTx/>
+                <a:latin typeface="Times New Roman"/>
+              </a:rPr>
+              <a:t>Read</a:t>
+            </a:r>
+            <a:r>
+              <a:rPr b="0" lang="en-US" sz="1200" spc="-1" strike="noStrike">
+                <a:solidFill>
+                  <a:srgbClr val="000000"/>
+                </a:solidFill>
+                <a:latin typeface="Times New Roman"/>
+              </a:rPr>
+              <a:t>: Client read data từ </a:t>
+            </a:r>
+            <a:r>
+              <a:rPr b="0" lang="en-US" sz="1200" spc="-1" strike="noStrike">
+                <a:solidFill>
+                  <a:srgbClr val="000000"/>
+                </a:solidFill>
+                <a:latin typeface="Times New Roman"/>
+              </a:rPr>
+              <a:t>HBase &lt;- HBase lấy </a:t>
+            </a:r>
+            <a:r>
+              <a:rPr b="0" lang="en-US" sz="1200" spc="-1" strike="noStrike">
+                <a:solidFill>
+                  <a:srgbClr val="000000"/>
+                </a:solidFill>
+                <a:latin typeface="Times New Roman"/>
+              </a:rPr>
+              <a:t>data từ HDFS</a:t>
+            </a:r>
+            <a:endParaRPr b="0" lang="en-US" sz="1200" spc="-1" strike="noStrike">
+              <a:latin typeface="Arial"/>
+            </a:endParaRPr>
+          </a:p>
+          <a:p>
+            <a:pPr marL="216000" indent="-216000">
+              <a:lnSpc>
+                <a:spcPct val="100000"/>
+              </a:lnSpc>
+            </a:pPr>
+            <a:endParaRPr b="0" lang="en-US" sz="1200" spc="-1" strike="noStrike">
+              <a:latin typeface="Arial"/>
+            </a:endParaRPr>
+          </a:p>
+          <a:p>
+            <a:pPr marL="216000" indent="-216000">
+              <a:lnSpc>
+                <a:spcPct val="100000"/>
+              </a:lnSpc>
+            </a:pPr>
+            <a:r>
+              <a:rPr b="1" lang="en-US" sz="1200" spc="-1" strike="noStrike" u="sng">
+                <a:solidFill>
+                  <a:srgbClr val="000000"/>
+                </a:solidFill>
+                <a:uFillTx/>
+                <a:latin typeface="Times New Roman"/>
+              </a:rPr>
+              <a:t>Write</a:t>
+            </a:r>
+            <a:r>
+              <a:rPr b="0" lang="en-US" sz="1200" spc="-1" strike="noStrike">
+                <a:solidFill>
+                  <a:srgbClr val="000000"/>
+                </a:solidFill>
+                <a:latin typeface="Times New Roman"/>
+              </a:rPr>
+              <a:t>: Client white data </a:t>
+            </a:r>
+            <a:r>
+              <a:rPr b="0" lang="en-US" sz="1200" spc="-1" strike="noStrike">
+                <a:solidFill>
+                  <a:srgbClr val="000000"/>
+                </a:solidFill>
+                <a:latin typeface="Times New Roman"/>
+              </a:rPr>
+              <a:t>vào HBase -&gt; HBase </a:t>
+            </a:r>
+            <a:r>
+              <a:rPr b="0" lang="en-US" sz="1200" spc="-1" strike="noStrike">
+                <a:solidFill>
+                  <a:srgbClr val="000000"/>
+                </a:solidFill>
+                <a:latin typeface="Times New Roman"/>
+              </a:rPr>
+              <a:t>write data vào HDFS. </a:t>
+            </a:r>
+            <a:r>
+              <a:rPr b="0" lang="en-US" sz="1200" spc="-1" strike="noStrike">
+                <a:solidFill>
+                  <a:srgbClr val="000000"/>
+                </a:solidFill>
+                <a:latin typeface="Times New Roman"/>
+              </a:rPr>
+              <a:t>Bên cạnh đó, client </a:t>
+            </a:r>
+            <a:r>
+              <a:rPr b="0" lang="en-US" sz="1200" spc="-1" strike="noStrike">
+                <a:solidFill>
+                  <a:srgbClr val="000000"/>
+                </a:solidFill>
+                <a:latin typeface="Times New Roman"/>
+              </a:rPr>
+              <a:t>cũng có option white </a:t>
+            </a:r>
+            <a:r>
+              <a:rPr b="0" lang="en-US" sz="1200" spc="-1" strike="noStrike">
+                <a:solidFill>
+                  <a:srgbClr val="000000"/>
+                </a:solidFill>
+                <a:latin typeface="Times New Roman"/>
+              </a:rPr>
+              <a:t>data trực tiếp vào </a:t>
+            </a:r>
+            <a:r>
+              <a:rPr b="0" lang="en-US" sz="1200" spc="-1" strike="noStrike">
+                <a:solidFill>
+                  <a:srgbClr val="000000"/>
+                </a:solidFill>
+                <a:latin typeface="Times New Roman"/>
+              </a:rPr>
+              <a:t>HDFS</a:t>
+            </a:r>
+            <a:endParaRPr b="0" lang="en-US" sz="1200" spc="-1" strike="noStrike">
+              <a:latin typeface="Arial"/>
+            </a:endParaRPr>
+          </a:p>
+          <a:p>
+            <a:pPr marL="216000" indent="-216000">
+              <a:lnSpc>
+                <a:spcPct val="100000"/>
+              </a:lnSpc>
+            </a:pPr>
+            <a:endParaRPr b="0" lang="en-US" sz="1200" spc="-1" strike="noStrike">
+              <a:latin typeface="Arial"/>
+            </a:endParaRPr>
+          </a:p>
+          <a:p>
+            <a:pPr>
+              <a:lnSpc>
+                <a:spcPct val="100000"/>
+              </a:lnSpc>
+            </a:pPr>
+            <a:r>
+              <a:rPr b="0" lang="en-US" sz="1200" spc="-1" strike="noStrike">
+                <a:solidFill>
+                  <a:srgbClr val="000000"/>
+                </a:solidFill>
+                <a:latin typeface="Wingdings"/>
+              </a:rPr>
+              <a:t></a:t>
+            </a:r>
+            <a:r>
+              <a:rPr b="0" lang="en-US" sz="1200" spc="-1" strike="noStrike">
+                <a:solidFill>
+                  <a:srgbClr val="000000"/>
+                </a:solidFill>
+                <a:latin typeface="Times New Roman"/>
+              </a:rPr>
+              <a:t> </a:t>
+            </a:r>
+            <a:r>
+              <a:rPr b="0" lang="en-US" sz="1200" spc="-1" strike="noStrike">
+                <a:solidFill>
+                  <a:srgbClr val="000000"/>
+                </a:solidFill>
+                <a:latin typeface="Times New Roman"/>
+              </a:rPr>
+              <a:t>Quá trình giao tiếp giữa </a:t>
+            </a:r>
+            <a:r>
+              <a:rPr b="0" lang="en-US" sz="1200" spc="-1" strike="noStrike">
+                <a:solidFill>
+                  <a:srgbClr val="000000"/>
+                </a:solidFill>
+                <a:latin typeface="Times New Roman"/>
+              </a:rPr>
+              <a:t>HBase với HDFS được </a:t>
+            </a:r>
+            <a:r>
+              <a:rPr b="0" lang="en-US" sz="1200" spc="-1" strike="noStrike">
+                <a:solidFill>
+                  <a:srgbClr val="000000"/>
+                </a:solidFill>
+                <a:latin typeface="Times New Roman"/>
+              </a:rPr>
+              <a:t>thông qua các đối tượng </a:t>
+            </a:r>
+            <a:r>
+              <a:rPr b="0" lang="en-US" sz="1200" spc="-1" strike="noStrike">
+                <a:solidFill>
+                  <a:srgbClr val="000000"/>
+                </a:solidFill>
+                <a:latin typeface="Times New Roman"/>
+              </a:rPr>
+              <a:t>HDFS Client</a:t>
+            </a:r>
+            <a:endParaRPr b="0" lang="en-US" sz="1200" spc="-1" strike="noStrike">
+              <a:latin typeface="Arial"/>
+            </a:endParaRPr>
+          </a:p>
+          <a:p>
+            <a:pPr>
+              <a:lnSpc>
+                <a:spcPct val="100000"/>
+              </a:lnSpc>
+            </a:pPr>
+            <a:endParaRPr b="0" lang="en-US" sz="1200" spc="-1" strike="noStrike">
+              <a:latin typeface="Arial"/>
+            </a:endParaRPr>
+          </a:p>
+          <a:p>
+            <a:pPr>
+              <a:lnSpc>
+                <a:spcPct val="100000"/>
+              </a:lnSpc>
+            </a:pPr>
+            <a:endParaRPr b="0" lang="en-US" sz="1200" spc="-1" strike="noStrike">
               <a:latin typeface="Arial"/>
             </a:endParaRPr>
           </a:p>
@@ -1375,7 +1364,7 @@
       </p:sp>
       <p:sp>
         <p:nvSpPr>
-          <p:cNvPr id="254" name="TextShape 3"/>
+          <p:cNvPr id="259" name="TextShape 3"/>
           <p:cNvSpPr txBox="1"/>
           <p:nvPr/>
         </p:nvSpPr>
@@ -1400,7 +1389,7 @@
                 <a:spcPct val="100000"/>
               </a:lnSpc>
             </a:pPr>
-            <a:fld id="{94232349-0928-4A48-A397-5D0C768E9F83}" type="slidenum">
+            <a:fld id="{4F1FF9F1-4B28-4045-8D8A-9E3CAB284AAA}" type="slidenum">
               <a:rPr b="0" lang="en-US" sz="1200" spc="-1" strike="noStrike">
                 <a:solidFill>
                   <a:srgbClr val="000000"/>
@@ -1440,7 +1429,7 @@
       </p:grpSpPr>
       <p:sp>
         <p:nvSpPr>
-          <p:cNvPr id="255" name="PlaceHolder 1"/>
+          <p:cNvPr id="260" name="PlaceHolder 1"/>
           <p:cNvSpPr>
             <a:spLocks noGrp="1"/>
           </p:cNvSpPr>
@@ -1460,7 +1449,7 @@
       </p:sp>
       <p:sp>
         <p:nvSpPr>
-          <p:cNvPr id="256" name="PlaceHolder 2"/>
+          <p:cNvPr id="261" name="PlaceHolder 2"/>
           <p:cNvSpPr>
             <a:spLocks noGrp="1"/>
           </p:cNvSpPr>
@@ -1480,1092 +1469,7 @@
         <p:txBody>
           <a:bodyPr/>
           <a:p>
-            <a:pPr marL="343080" indent="-342720">
-              <a:lnSpc>
-                <a:spcPct val="100000"/>
-              </a:lnSpc>
-              <a:buClr>
-                <a:srgbClr val="000000"/>
-              </a:buClr>
-              <a:buFont typeface="Arial"/>
-              <a:buChar char="•"/>
-            </a:pPr>
-            <a:r>
-              <a:rPr b="0" lang="en-US" sz="2400" spc="-1" strike="noStrike">
-                <a:solidFill>
-                  <a:srgbClr val="000000"/>
-                </a:solidFill>
-                <a:latin typeface="+mn-lt"/>
-                <a:ea typeface="+mn-ea"/>
-              </a:rPr>
-              <a:t>Cơ sở </a:t>
-            </a:r>
-            <a:r>
-              <a:rPr b="0" lang="en-US" sz="2400" spc="-1" strike="noStrike">
-                <a:solidFill>
-                  <a:srgbClr val="000000"/>
-                </a:solidFill>
-                <a:latin typeface="+mn-lt"/>
-                <a:ea typeface="+mn-ea"/>
-              </a:rPr>
-              <a:t>dữ </a:t>
-            </a:r>
-            <a:r>
-              <a:rPr b="0" lang="en-US" sz="2400" spc="-1" strike="noStrike">
-                <a:solidFill>
-                  <a:srgbClr val="000000"/>
-                </a:solidFill>
-                <a:latin typeface="+mn-lt"/>
-                <a:ea typeface="+mn-ea"/>
-              </a:rPr>
-              <a:t>liệu(Dat</a:t>
-            </a:r>
-            <a:r>
-              <a:rPr b="0" lang="en-US" sz="2400" spc="-1" strike="noStrike">
-                <a:solidFill>
-                  <a:srgbClr val="000000"/>
-                </a:solidFill>
-                <a:latin typeface="+mn-lt"/>
-                <a:ea typeface="+mn-ea"/>
-              </a:rPr>
-              <a:t>abase):</a:t>
-            </a:r>
-            <a:endParaRPr b="0" lang="en-US" sz="2400" spc="-1" strike="noStrike">
-              <a:latin typeface="Arial"/>
-            </a:endParaRPr>
-          </a:p>
-          <a:p>
-            <a:pPr lvl="1" marL="800280" indent="-342720">
-              <a:lnSpc>
-                <a:spcPct val="100000"/>
-              </a:lnSpc>
-              <a:buClr>
-                <a:srgbClr val="000000"/>
-              </a:buClr>
-              <a:buFont typeface="Wingdings" charset="2"/>
-              <a:buChar char=""/>
-            </a:pPr>
-            <a:r>
-              <a:rPr b="0" lang="en-US" sz="2400" spc="-1" strike="noStrike">
-                <a:solidFill>
-                  <a:srgbClr val="000000"/>
-                </a:solidFill>
-                <a:latin typeface="+mn-lt"/>
-                <a:ea typeface="+mn-ea"/>
-              </a:rPr>
-              <a:t>Cả </a:t>
-            </a:r>
-            <a:r>
-              <a:rPr b="0" lang="en-US" sz="2400" spc="-1" strike="noStrike">
-                <a:solidFill>
-                  <a:srgbClr val="000000"/>
-                </a:solidFill>
-                <a:latin typeface="+mn-lt"/>
-                <a:ea typeface="+mn-ea"/>
-              </a:rPr>
-              <a:t>hai </a:t>
-            </a:r>
-            <a:r>
-              <a:rPr b="0" lang="en-US" sz="2400" spc="-1" strike="noStrike">
-                <a:solidFill>
-                  <a:srgbClr val="000000"/>
-                </a:solidFill>
-                <a:latin typeface="+mn-lt"/>
-                <a:ea typeface="+mn-ea"/>
-              </a:rPr>
-              <a:t>đều </a:t>
-            </a:r>
-            <a:r>
-              <a:rPr b="0" lang="en-US" sz="2400" spc="-1" strike="noStrike">
-                <a:solidFill>
-                  <a:srgbClr val="000000"/>
-                </a:solidFill>
-                <a:latin typeface="+mn-lt"/>
-                <a:ea typeface="+mn-ea"/>
-              </a:rPr>
-              <a:t>là cơ </a:t>
-            </a:r>
-            <a:r>
-              <a:rPr b="0" lang="en-US" sz="2400" spc="-1" strike="noStrike">
-                <a:solidFill>
-                  <a:srgbClr val="000000"/>
-                </a:solidFill>
-                <a:latin typeface="+mn-lt"/>
-                <a:ea typeface="+mn-ea"/>
-              </a:rPr>
-              <a:t>sơ dữ </a:t>
-            </a:r>
-            <a:r>
-              <a:rPr b="0" lang="en-US" sz="2400" spc="-1" strike="noStrike">
-                <a:solidFill>
-                  <a:srgbClr val="000000"/>
-                </a:solidFill>
-                <a:latin typeface="+mn-lt"/>
-                <a:ea typeface="+mn-ea"/>
-              </a:rPr>
-              <a:t>liệu </a:t>
-            </a:r>
-            <a:r>
-              <a:rPr b="0" lang="en-US" sz="2400" spc="-1" strike="noStrike">
-                <a:solidFill>
-                  <a:srgbClr val="000000"/>
-                </a:solidFill>
-                <a:latin typeface="+mn-lt"/>
-                <a:ea typeface="+mn-ea"/>
-              </a:rPr>
-              <a:t>mã </a:t>
-            </a:r>
-            <a:r>
-              <a:rPr b="0" lang="en-US" sz="2400" spc="-1" strike="noStrike">
-                <a:solidFill>
-                  <a:srgbClr val="000000"/>
-                </a:solidFill>
-                <a:latin typeface="+mn-lt"/>
-                <a:ea typeface="+mn-ea"/>
-              </a:rPr>
-              <a:t>nguồ</a:t>
-            </a:r>
-            <a:r>
-              <a:rPr b="0" lang="en-US" sz="2400" spc="-1" strike="noStrike">
-                <a:solidFill>
-                  <a:srgbClr val="000000"/>
-                </a:solidFill>
-                <a:latin typeface="+mn-lt"/>
-                <a:ea typeface="+mn-ea"/>
-              </a:rPr>
-              <a:t>n </a:t>
-            </a:r>
-            <a:r>
-              <a:rPr b="0" lang="en-US" sz="2400" spc="-1" strike="noStrike">
-                <a:solidFill>
-                  <a:srgbClr val="000000"/>
-                </a:solidFill>
-                <a:latin typeface="+mn-lt"/>
-                <a:ea typeface="+mn-ea"/>
-              </a:rPr>
-              <a:t>mở.</a:t>
-            </a:r>
-            <a:endParaRPr b="0" lang="en-US" sz="2400" spc="-1" strike="noStrike">
-              <a:latin typeface="Arial"/>
-            </a:endParaRPr>
-          </a:p>
-          <a:p>
-            <a:pPr lvl="1" marL="800280" indent="-342720">
-              <a:lnSpc>
-                <a:spcPct val="100000"/>
-              </a:lnSpc>
-              <a:buClr>
-                <a:srgbClr val="000000"/>
-              </a:buClr>
-              <a:buFont typeface="Wingdings" charset="2"/>
-              <a:buChar char=""/>
-            </a:pPr>
-            <a:r>
-              <a:rPr b="0" lang="en-US" sz="2400" spc="-1" strike="noStrike">
-                <a:solidFill>
-                  <a:srgbClr val="000000"/>
-                </a:solidFill>
-                <a:latin typeface="+mn-lt"/>
-                <a:ea typeface="+mn-ea"/>
-              </a:rPr>
-              <a:t>Có </a:t>
-            </a:r>
-            <a:r>
-              <a:rPr b="0" lang="en-US" sz="2400" spc="-1" strike="noStrike">
-                <a:solidFill>
-                  <a:srgbClr val="000000"/>
-                </a:solidFill>
-                <a:latin typeface="+mn-lt"/>
-                <a:ea typeface="+mn-ea"/>
-              </a:rPr>
-              <a:t>thể </a:t>
-            </a:r>
-            <a:r>
-              <a:rPr b="0" lang="en-US" sz="2400" spc="-1" strike="noStrike">
-                <a:solidFill>
-                  <a:srgbClr val="000000"/>
-                </a:solidFill>
-                <a:latin typeface="+mn-lt"/>
-                <a:ea typeface="+mn-ea"/>
-              </a:rPr>
-              <a:t>xử lí </a:t>
-            </a:r>
-            <a:r>
-              <a:rPr b="0" lang="en-US" sz="2400" spc="-1" strike="noStrike">
-                <a:solidFill>
-                  <a:srgbClr val="000000"/>
-                </a:solidFill>
-                <a:latin typeface="+mn-lt"/>
-                <a:ea typeface="+mn-ea"/>
-              </a:rPr>
-              <a:t>được </a:t>
-            </a:r>
-            <a:r>
-              <a:rPr b="0" lang="en-US" sz="2400" spc="-1" strike="noStrike">
-                <a:solidFill>
-                  <a:srgbClr val="000000"/>
-                </a:solidFill>
-                <a:latin typeface="+mn-lt"/>
-                <a:ea typeface="+mn-ea"/>
-              </a:rPr>
-              <a:t>dữ </a:t>
-            </a:r>
-            <a:r>
-              <a:rPr b="0" lang="en-US" sz="2400" spc="-1" strike="noStrike">
-                <a:solidFill>
-                  <a:srgbClr val="000000"/>
-                </a:solidFill>
-                <a:latin typeface="+mn-lt"/>
-                <a:ea typeface="+mn-ea"/>
-              </a:rPr>
-              <a:t>liệu </a:t>
-            </a:r>
-            <a:r>
-              <a:rPr b="0" lang="en-US" sz="2400" spc="-1" strike="noStrike">
-                <a:solidFill>
-                  <a:srgbClr val="000000"/>
-                </a:solidFill>
-                <a:latin typeface="+mn-lt"/>
-                <a:ea typeface="+mn-ea"/>
-              </a:rPr>
-              <a:t>lớn, </a:t>
-            </a:r>
-            <a:r>
-              <a:rPr b="0" lang="en-US" sz="2400" spc="-1" strike="noStrike">
-                <a:solidFill>
-                  <a:srgbClr val="000000"/>
-                </a:solidFill>
-                <a:latin typeface="+mn-lt"/>
-                <a:ea typeface="+mn-ea"/>
-              </a:rPr>
-              <a:t>dữ </a:t>
-            </a:r>
-            <a:r>
-              <a:rPr b="0" lang="en-US" sz="2400" spc="-1" strike="noStrike">
-                <a:solidFill>
-                  <a:srgbClr val="000000"/>
-                </a:solidFill>
-                <a:latin typeface="+mn-lt"/>
-                <a:ea typeface="+mn-ea"/>
-              </a:rPr>
-              <a:t>liệu </a:t>
-            </a:r>
-            <a:r>
-              <a:rPr b="0" lang="en-US" sz="2400" spc="-1" strike="noStrike">
-                <a:solidFill>
-                  <a:srgbClr val="000000"/>
-                </a:solidFill>
-                <a:latin typeface="+mn-lt"/>
-                <a:ea typeface="+mn-ea"/>
-              </a:rPr>
-              <a:t>khôn</a:t>
-            </a:r>
-            <a:r>
-              <a:rPr b="0" lang="en-US" sz="2400" spc="-1" strike="noStrike">
-                <a:solidFill>
-                  <a:srgbClr val="000000"/>
-                </a:solidFill>
-                <a:latin typeface="+mn-lt"/>
-                <a:ea typeface="+mn-ea"/>
-              </a:rPr>
-              <a:t>g </a:t>
-            </a:r>
-            <a:r>
-              <a:rPr b="0" lang="en-US" sz="2400" spc="-1" strike="noStrike">
-                <a:solidFill>
-                  <a:srgbClr val="000000"/>
-                </a:solidFill>
-                <a:latin typeface="+mn-lt"/>
-                <a:ea typeface="+mn-ea"/>
-              </a:rPr>
-              <a:t>quan </a:t>
-            </a:r>
-            <a:r>
-              <a:rPr b="0" lang="en-US" sz="2400" spc="-1" strike="noStrike">
-                <a:solidFill>
-                  <a:srgbClr val="000000"/>
-                </a:solidFill>
-                <a:latin typeface="+mn-lt"/>
-                <a:ea typeface="+mn-ea"/>
-              </a:rPr>
-              <a:t>hệ(b</a:t>
-            </a:r>
-            <a:r>
-              <a:rPr b="0" lang="en-US" sz="2400" spc="-1" strike="noStrike">
-                <a:solidFill>
-                  <a:srgbClr val="000000"/>
-                </a:solidFill>
-                <a:latin typeface="+mn-lt"/>
-                <a:ea typeface="+mn-ea"/>
-              </a:rPr>
-              <a:t>ao </a:t>
-            </a:r>
-            <a:r>
-              <a:rPr b="0" lang="en-US" sz="2400" spc="-1" strike="noStrike">
-                <a:solidFill>
-                  <a:srgbClr val="000000"/>
-                </a:solidFill>
-                <a:latin typeface="+mn-lt"/>
-                <a:ea typeface="+mn-ea"/>
-              </a:rPr>
-              <a:t>gòm </a:t>
-            </a:r>
-            <a:r>
-              <a:rPr b="0" lang="en-US" sz="2400" spc="-1" strike="noStrike">
-                <a:solidFill>
-                  <a:srgbClr val="000000"/>
-                </a:solidFill>
-                <a:latin typeface="+mn-lt"/>
-                <a:ea typeface="+mn-ea"/>
-              </a:rPr>
-              <a:t>imag</a:t>
-            </a:r>
-            <a:r>
-              <a:rPr b="0" lang="en-US" sz="2400" spc="-1" strike="noStrike">
-                <a:solidFill>
-                  <a:srgbClr val="000000"/>
-                </a:solidFill>
-                <a:latin typeface="+mn-lt"/>
-                <a:ea typeface="+mn-ea"/>
-              </a:rPr>
-              <a:t>e, </a:t>
-            </a:r>
-            <a:r>
-              <a:rPr b="0" lang="en-US" sz="2400" spc="-1" strike="noStrike">
-                <a:solidFill>
-                  <a:srgbClr val="000000"/>
-                </a:solidFill>
-                <a:latin typeface="+mn-lt"/>
-                <a:ea typeface="+mn-ea"/>
-              </a:rPr>
-              <a:t>audio</a:t>
-            </a:r>
-            <a:r>
-              <a:rPr b="0" lang="en-US" sz="2400" spc="-1" strike="noStrike">
-                <a:solidFill>
-                  <a:srgbClr val="000000"/>
-                </a:solidFill>
-                <a:latin typeface="+mn-lt"/>
-                <a:ea typeface="+mn-ea"/>
-              </a:rPr>
-              <a:t>, </a:t>
-            </a:r>
-            <a:r>
-              <a:rPr b="0" lang="en-US" sz="2400" spc="-1" strike="noStrike">
-                <a:solidFill>
-                  <a:srgbClr val="000000"/>
-                </a:solidFill>
-                <a:latin typeface="+mn-lt"/>
-                <a:ea typeface="+mn-ea"/>
-              </a:rPr>
-              <a:t>video</a:t>
-            </a:r>
-            <a:r>
-              <a:rPr b="0" lang="en-US" sz="2400" spc="-1" strike="noStrike">
-                <a:solidFill>
-                  <a:srgbClr val="000000"/>
-                </a:solidFill>
-                <a:latin typeface="+mn-lt"/>
-                <a:ea typeface="+mn-ea"/>
-              </a:rPr>
-              <a:t>..)</a:t>
-            </a:r>
-            <a:endParaRPr b="0" lang="en-US" sz="2400" spc="-1" strike="noStrike">
-              <a:latin typeface="Arial"/>
-            </a:endParaRPr>
-          </a:p>
-          <a:p>
-            <a:pPr marL="343080" indent="-342720">
-              <a:lnSpc>
-                <a:spcPct val="100000"/>
-              </a:lnSpc>
-              <a:buClr>
-                <a:srgbClr val="000000"/>
-              </a:buClr>
-              <a:buFont typeface="Arial"/>
-              <a:buChar char="•"/>
-            </a:pPr>
-            <a:r>
-              <a:rPr b="0" lang="en-US" sz="2400" spc="-1" strike="noStrike">
-                <a:solidFill>
-                  <a:srgbClr val="000000"/>
-                </a:solidFill>
-                <a:latin typeface="+mn-lt"/>
-                <a:ea typeface="+mn-ea"/>
-              </a:rPr>
-              <a:t>Khả </a:t>
-            </a:r>
-            <a:r>
-              <a:rPr b="0" lang="en-US" sz="2400" spc="-1" strike="noStrike">
-                <a:solidFill>
-                  <a:srgbClr val="000000"/>
-                </a:solidFill>
-                <a:latin typeface="+mn-lt"/>
-                <a:ea typeface="+mn-ea"/>
-              </a:rPr>
-              <a:t>năng </a:t>
-            </a:r>
-            <a:r>
-              <a:rPr b="0" lang="en-US" sz="2400" spc="-1" strike="noStrike">
-                <a:solidFill>
-                  <a:srgbClr val="000000"/>
-                </a:solidFill>
-                <a:latin typeface="+mn-lt"/>
-                <a:ea typeface="+mn-ea"/>
-              </a:rPr>
-              <a:t>mở </a:t>
-            </a:r>
-            <a:r>
-              <a:rPr b="0" lang="en-US" sz="2400" spc="-1" strike="noStrike">
-                <a:solidFill>
-                  <a:srgbClr val="000000"/>
-                </a:solidFill>
-                <a:latin typeface="+mn-lt"/>
-                <a:ea typeface="+mn-ea"/>
-              </a:rPr>
-              <a:t>rộng(Sc</a:t>
-            </a:r>
-            <a:r>
-              <a:rPr b="0" lang="en-US" sz="2400" spc="-1" strike="noStrike">
-                <a:solidFill>
-                  <a:srgbClr val="000000"/>
-                </a:solidFill>
-                <a:latin typeface="+mn-lt"/>
-                <a:ea typeface="+mn-ea"/>
-              </a:rPr>
-              <a:t>alability</a:t>
-            </a:r>
-            <a:r>
-              <a:rPr b="0" lang="en-US" sz="2400" spc="-1" strike="noStrike">
-                <a:solidFill>
-                  <a:srgbClr val="000000"/>
-                </a:solidFill>
-                <a:latin typeface="+mn-lt"/>
-                <a:ea typeface="+mn-ea"/>
-              </a:rPr>
-              <a:t>)</a:t>
-            </a:r>
-            <a:endParaRPr b="0" lang="en-US" sz="2400" spc="-1" strike="noStrike">
-              <a:latin typeface="Arial"/>
-            </a:endParaRPr>
-          </a:p>
-          <a:p>
-            <a:pPr lvl="1" marL="800280" indent="-342720">
-              <a:lnSpc>
-                <a:spcPct val="100000"/>
-              </a:lnSpc>
-              <a:buClr>
-                <a:srgbClr val="000000"/>
-              </a:buClr>
-              <a:buFont typeface="Wingdings" charset="2"/>
-              <a:buChar char=""/>
-            </a:pPr>
-            <a:r>
-              <a:rPr b="0" lang="en-US" sz="2400" spc="-1" strike="noStrike">
-                <a:solidFill>
-                  <a:srgbClr val="000000"/>
-                </a:solidFill>
-                <a:latin typeface="+mn-lt"/>
-                <a:ea typeface="+mn-ea"/>
-              </a:rPr>
-              <a:t>Cả </a:t>
-            </a:r>
-            <a:r>
-              <a:rPr b="0" lang="en-US" sz="2400" spc="-1" strike="noStrike">
-                <a:solidFill>
-                  <a:srgbClr val="000000"/>
-                </a:solidFill>
-                <a:latin typeface="+mn-lt"/>
-                <a:ea typeface="+mn-ea"/>
-              </a:rPr>
-              <a:t>hai </a:t>
-            </a:r>
-            <a:r>
-              <a:rPr b="0" lang="en-US" sz="2400" spc="-1" strike="noStrike">
-                <a:solidFill>
-                  <a:srgbClr val="000000"/>
-                </a:solidFill>
-                <a:latin typeface="+mn-lt"/>
-                <a:ea typeface="+mn-ea"/>
-              </a:rPr>
-              <a:t>điều </a:t>
-            </a:r>
-            <a:r>
-              <a:rPr b="0" lang="en-US" sz="2400" spc="-1" strike="noStrike">
-                <a:solidFill>
-                  <a:srgbClr val="000000"/>
-                </a:solidFill>
-                <a:latin typeface="+mn-lt"/>
-                <a:ea typeface="+mn-ea"/>
-              </a:rPr>
-              <a:t>có </a:t>
-            </a:r>
-            <a:r>
-              <a:rPr b="0" lang="en-US" sz="2400" spc="-1" strike="noStrike">
-                <a:solidFill>
-                  <a:srgbClr val="000000"/>
-                </a:solidFill>
-                <a:latin typeface="+mn-lt"/>
-                <a:ea typeface="+mn-ea"/>
-              </a:rPr>
-              <a:t>khả </a:t>
-            </a:r>
-            <a:r>
-              <a:rPr b="0" lang="en-US" sz="2400" spc="-1" strike="noStrike">
-                <a:solidFill>
-                  <a:srgbClr val="000000"/>
-                </a:solidFill>
-                <a:latin typeface="+mn-lt"/>
-                <a:ea typeface="+mn-ea"/>
-              </a:rPr>
-              <a:t>năng </a:t>
-            </a:r>
-            <a:r>
-              <a:rPr b="0" lang="en-US" sz="2400" spc="-1" strike="noStrike">
-                <a:solidFill>
-                  <a:srgbClr val="000000"/>
-                </a:solidFill>
-                <a:latin typeface="+mn-lt"/>
-                <a:ea typeface="+mn-ea"/>
-              </a:rPr>
-              <a:t>mở </a:t>
-            </a:r>
-            <a:r>
-              <a:rPr b="0" lang="en-US" sz="2400" spc="-1" strike="noStrike">
-                <a:solidFill>
-                  <a:srgbClr val="000000"/>
-                </a:solidFill>
-                <a:latin typeface="+mn-lt"/>
-                <a:ea typeface="+mn-ea"/>
-              </a:rPr>
-              <a:t>rộng </a:t>
-            </a:r>
-            <a:r>
-              <a:rPr b="0" lang="en-US" sz="2400" spc="-1" strike="noStrike">
-                <a:solidFill>
-                  <a:srgbClr val="000000"/>
-                </a:solidFill>
-                <a:latin typeface="+mn-lt"/>
-                <a:ea typeface="+mn-ea"/>
-              </a:rPr>
-              <a:t>cao.</a:t>
-            </a:r>
-            <a:endParaRPr b="0" lang="en-US" sz="2400" spc="-1" strike="noStrike">
-              <a:latin typeface="Arial"/>
-            </a:endParaRPr>
-          </a:p>
-          <a:p>
-            <a:pPr lvl="1" marL="800280" indent="-342720">
-              <a:lnSpc>
-                <a:spcPct val="100000"/>
-              </a:lnSpc>
-              <a:buClr>
-                <a:srgbClr val="000000"/>
-              </a:buClr>
-              <a:buFont typeface="Wingdings" charset="2"/>
-              <a:buChar char=""/>
-            </a:pPr>
-            <a:r>
-              <a:rPr b="0" lang="en-US" sz="2400" spc="-1" strike="noStrike">
-                <a:solidFill>
-                  <a:srgbClr val="000000"/>
-                </a:solidFill>
-                <a:latin typeface="+mn-lt"/>
-                <a:ea typeface="+mn-ea"/>
-              </a:rPr>
-              <a:t>Để </a:t>
-            </a:r>
-            <a:r>
-              <a:rPr b="0" lang="en-US" sz="2400" spc="-1" strike="noStrike">
-                <a:solidFill>
-                  <a:srgbClr val="000000"/>
-                </a:solidFill>
-                <a:latin typeface="+mn-lt"/>
-                <a:ea typeface="+mn-ea"/>
-              </a:rPr>
-              <a:t>mở </a:t>
-            </a:r>
-            <a:r>
-              <a:rPr b="0" lang="en-US" sz="2400" spc="-1" strike="noStrike">
-                <a:solidFill>
-                  <a:srgbClr val="000000"/>
-                </a:solidFill>
-                <a:latin typeface="+mn-lt"/>
-                <a:ea typeface="+mn-ea"/>
-              </a:rPr>
-              <a:t>rộng </a:t>
-            </a:r>
-            <a:r>
-              <a:rPr b="0" lang="en-US" sz="2400" spc="-1" strike="noStrike">
-                <a:solidFill>
-                  <a:srgbClr val="000000"/>
-                </a:solidFill>
-                <a:latin typeface="+mn-lt"/>
-                <a:ea typeface="+mn-ea"/>
-              </a:rPr>
-              <a:t>chỉ </a:t>
-            </a:r>
-            <a:r>
-              <a:rPr b="0" lang="en-US" sz="2400" spc="-1" strike="noStrike">
-                <a:solidFill>
-                  <a:srgbClr val="000000"/>
-                </a:solidFill>
-                <a:latin typeface="+mn-lt"/>
-                <a:ea typeface="+mn-ea"/>
-              </a:rPr>
-              <a:t>cần </a:t>
-            </a:r>
-            <a:r>
-              <a:rPr b="0" lang="en-US" sz="2400" spc="-1" strike="noStrike">
-                <a:solidFill>
-                  <a:srgbClr val="000000"/>
-                </a:solidFill>
-                <a:latin typeface="+mn-lt"/>
-                <a:ea typeface="+mn-ea"/>
-              </a:rPr>
-              <a:t>tăng </a:t>
-            </a:r>
-            <a:r>
-              <a:rPr b="0" lang="en-US" sz="2400" spc="-1" strike="noStrike">
-                <a:solidFill>
-                  <a:srgbClr val="000000"/>
-                </a:solidFill>
-                <a:latin typeface="+mn-lt"/>
-                <a:ea typeface="+mn-ea"/>
-              </a:rPr>
-              <a:t>số </a:t>
-            </a:r>
-            <a:r>
-              <a:rPr b="0" lang="en-US" sz="2400" spc="-1" strike="noStrike">
-                <a:solidFill>
-                  <a:srgbClr val="000000"/>
-                </a:solidFill>
-                <a:latin typeface="+mn-lt"/>
-                <a:ea typeface="+mn-ea"/>
-              </a:rPr>
-              <a:t>lượn</a:t>
-            </a:r>
-            <a:r>
-              <a:rPr b="0" lang="en-US" sz="2400" spc="-1" strike="noStrike">
-                <a:solidFill>
-                  <a:srgbClr val="000000"/>
-                </a:solidFill>
-                <a:latin typeface="+mn-lt"/>
-                <a:ea typeface="+mn-ea"/>
-              </a:rPr>
-              <a:t>g </a:t>
-            </a:r>
-            <a:r>
-              <a:rPr b="0" lang="en-US" sz="2400" spc="-1" strike="noStrike">
-                <a:solidFill>
-                  <a:srgbClr val="000000"/>
-                </a:solidFill>
-                <a:latin typeface="+mn-lt"/>
-                <a:ea typeface="+mn-ea"/>
-              </a:rPr>
-              <a:t>node </a:t>
-            </a:r>
-            <a:r>
-              <a:rPr b="0" lang="en-US" sz="2400" spc="-1" strike="noStrike">
-                <a:solidFill>
-                  <a:srgbClr val="000000"/>
-                </a:solidFill>
-                <a:latin typeface="+mn-lt"/>
-                <a:ea typeface="+mn-ea"/>
-              </a:rPr>
-              <a:t>trên </a:t>
-            </a:r>
-            <a:r>
-              <a:rPr b="0" lang="en-US" sz="2400" spc="-1" strike="noStrike">
-                <a:solidFill>
-                  <a:srgbClr val="000000"/>
-                </a:solidFill>
-                <a:latin typeface="+mn-lt"/>
-                <a:ea typeface="+mn-ea"/>
-              </a:rPr>
-              <a:t>clust</a:t>
-            </a:r>
-            <a:r>
-              <a:rPr b="0" lang="en-US" sz="2400" spc="-1" strike="noStrike">
-                <a:solidFill>
-                  <a:srgbClr val="000000"/>
-                </a:solidFill>
-                <a:latin typeface="+mn-lt"/>
-                <a:ea typeface="+mn-ea"/>
-              </a:rPr>
-              <a:t>er.</a:t>
-            </a:r>
-            <a:endParaRPr b="0" lang="en-US" sz="2400" spc="-1" strike="noStrike">
-              <a:latin typeface="Arial"/>
-            </a:endParaRPr>
-          </a:p>
-          <a:p>
-            <a:pPr marL="343080" indent="-342720">
-              <a:lnSpc>
-                <a:spcPct val="100000"/>
-              </a:lnSpc>
-              <a:buClr>
-                <a:srgbClr val="000000"/>
-              </a:buClr>
-              <a:buFont typeface="Arial"/>
-              <a:buChar char="•"/>
-            </a:pPr>
-            <a:r>
-              <a:rPr b="0" lang="en-US" sz="2400" spc="-1" strike="noStrike">
-                <a:solidFill>
-                  <a:srgbClr val="000000"/>
-                </a:solidFill>
-                <a:latin typeface="+mn-lt"/>
-                <a:ea typeface="+mn-ea"/>
-              </a:rPr>
-              <a:t>Tạo bản </a:t>
-            </a:r>
-            <a:r>
-              <a:rPr b="0" lang="en-US" sz="2400" spc="-1" strike="noStrike">
-                <a:solidFill>
-                  <a:srgbClr val="000000"/>
-                </a:solidFill>
-                <a:latin typeface="+mn-lt"/>
-                <a:ea typeface="+mn-ea"/>
-              </a:rPr>
-              <a:t>sao(Rep</a:t>
-            </a:r>
-            <a:r>
-              <a:rPr b="0" lang="en-US" sz="2400" spc="-1" strike="noStrike">
-                <a:solidFill>
-                  <a:srgbClr val="000000"/>
-                </a:solidFill>
-                <a:latin typeface="+mn-lt"/>
-                <a:ea typeface="+mn-ea"/>
-              </a:rPr>
-              <a:t>lication)</a:t>
-            </a:r>
-            <a:endParaRPr b="0" lang="en-US" sz="2400" spc="-1" strike="noStrike">
-              <a:latin typeface="Arial"/>
-            </a:endParaRPr>
-          </a:p>
-          <a:p>
-            <a:pPr lvl="1" marL="800280" indent="-342720">
-              <a:lnSpc>
-                <a:spcPct val="100000"/>
-              </a:lnSpc>
-              <a:buClr>
-                <a:srgbClr val="000000"/>
-              </a:buClr>
-              <a:buFont typeface="Wingdings" charset="2"/>
-              <a:buChar char=""/>
-            </a:pPr>
-            <a:r>
-              <a:rPr b="0" lang="en-US" sz="2400" spc="-1" strike="noStrike">
-                <a:solidFill>
-                  <a:srgbClr val="000000"/>
-                </a:solidFill>
-                <a:latin typeface="+mn-lt"/>
-                <a:ea typeface="+mn-ea"/>
-              </a:rPr>
-              <a:t>Data </a:t>
-            </a:r>
-            <a:r>
-              <a:rPr b="0" lang="en-US" sz="2400" spc="-1" strike="noStrike">
-                <a:solidFill>
-                  <a:srgbClr val="000000"/>
-                </a:solidFill>
-                <a:latin typeface="+mn-lt"/>
-                <a:ea typeface="+mn-ea"/>
-              </a:rPr>
-              <a:t>khi </a:t>
-            </a:r>
-            <a:r>
-              <a:rPr b="0" lang="en-US" sz="2400" spc="-1" strike="noStrike">
-                <a:solidFill>
-                  <a:srgbClr val="000000"/>
-                </a:solidFill>
-                <a:latin typeface="+mn-lt"/>
-                <a:ea typeface="+mn-ea"/>
-              </a:rPr>
-              <a:t>được </a:t>
-            </a:r>
-            <a:r>
-              <a:rPr b="0" lang="en-US" sz="2400" spc="-1" strike="noStrike">
-                <a:solidFill>
-                  <a:srgbClr val="000000"/>
-                </a:solidFill>
-                <a:latin typeface="+mn-lt"/>
-                <a:ea typeface="+mn-ea"/>
-              </a:rPr>
-              <a:t>lưu </a:t>
-            </a:r>
-            <a:r>
-              <a:rPr b="0" lang="en-US" sz="2400" spc="-1" strike="noStrike">
-                <a:solidFill>
-                  <a:srgbClr val="000000"/>
-                </a:solidFill>
-                <a:latin typeface="+mn-lt"/>
-                <a:ea typeface="+mn-ea"/>
-              </a:rPr>
-              <a:t>xuốn</a:t>
-            </a:r>
-            <a:r>
-              <a:rPr b="0" lang="en-US" sz="2400" spc="-1" strike="noStrike">
-                <a:solidFill>
-                  <a:srgbClr val="000000"/>
-                </a:solidFill>
-                <a:latin typeface="+mn-lt"/>
-                <a:ea typeface="+mn-ea"/>
-              </a:rPr>
-              <a:t>g </a:t>
-            </a:r>
-            <a:r>
-              <a:rPr b="0" lang="en-US" sz="2400" spc="-1" strike="noStrike">
-                <a:solidFill>
-                  <a:srgbClr val="000000"/>
-                </a:solidFill>
-                <a:latin typeface="+mn-lt"/>
-                <a:ea typeface="+mn-ea"/>
-              </a:rPr>
-              <a:t>node </a:t>
-            </a:r>
-            <a:r>
-              <a:rPr b="0" lang="en-US" sz="2400" spc="-1" strike="noStrike">
-                <a:solidFill>
-                  <a:srgbClr val="000000"/>
-                </a:solidFill>
-                <a:latin typeface="+mn-lt"/>
-                <a:ea typeface="+mn-ea"/>
-              </a:rPr>
-              <a:t>sẽ </a:t>
-            </a:r>
-            <a:r>
-              <a:rPr b="0" lang="en-US" sz="2400" spc="-1" strike="noStrike">
-                <a:solidFill>
-                  <a:srgbClr val="000000"/>
-                </a:solidFill>
-                <a:latin typeface="+mn-lt"/>
-                <a:ea typeface="+mn-ea"/>
-              </a:rPr>
-              <a:t>tạo </a:t>
-            </a:r>
-            <a:r>
-              <a:rPr b="0" lang="en-US" sz="2400" spc="-1" strike="noStrike">
-                <a:solidFill>
-                  <a:srgbClr val="000000"/>
-                </a:solidFill>
-                <a:latin typeface="+mn-lt"/>
-                <a:ea typeface="+mn-ea"/>
-              </a:rPr>
-              <a:t>bản </a:t>
-            </a:r>
-            <a:r>
-              <a:rPr b="0" lang="en-US" sz="2400" spc="-1" strike="noStrike">
-                <a:solidFill>
-                  <a:srgbClr val="000000"/>
-                </a:solidFill>
-                <a:latin typeface="+mn-lt"/>
-                <a:ea typeface="+mn-ea"/>
-              </a:rPr>
-              <a:t>sao ở </a:t>
-            </a:r>
-            <a:r>
-              <a:rPr b="0" lang="en-US" sz="2400" spc="-1" strike="noStrike">
-                <a:solidFill>
-                  <a:srgbClr val="000000"/>
-                </a:solidFill>
-                <a:latin typeface="+mn-lt"/>
-                <a:ea typeface="+mn-ea"/>
-              </a:rPr>
-              <a:t>một </a:t>
-            </a:r>
-            <a:r>
-              <a:rPr b="0" lang="en-US" sz="2400" spc="-1" strike="noStrike">
-                <a:solidFill>
-                  <a:srgbClr val="000000"/>
-                </a:solidFill>
-                <a:latin typeface="+mn-lt"/>
-                <a:ea typeface="+mn-ea"/>
-              </a:rPr>
-              <a:t>số </a:t>
-            </a:r>
-            <a:r>
-              <a:rPr b="0" lang="en-US" sz="2400" spc="-1" strike="noStrike">
-                <a:solidFill>
-                  <a:srgbClr val="000000"/>
-                </a:solidFill>
-                <a:latin typeface="+mn-lt"/>
-                <a:ea typeface="+mn-ea"/>
-              </a:rPr>
-              <a:t>node </a:t>
-            </a:r>
-            <a:r>
-              <a:rPr b="0" lang="en-US" sz="2400" spc="-1" strike="noStrike">
-                <a:solidFill>
-                  <a:srgbClr val="000000"/>
-                </a:solidFill>
-                <a:latin typeface="+mn-lt"/>
-                <a:ea typeface="+mn-ea"/>
-              </a:rPr>
-              <a:t>khác, </a:t>
-            </a:r>
-            <a:r>
-              <a:rPr b="0" lang="en-US" sz="2400" spc="-1" strike="noStrike">
-                <a:solidFill>
-                  <a:srgbClr val="000000"/>
-                </a:solidFill>
-                <a:latin typeface="+mn-lt"/>
-                <a:ea typeface="+mn-ea"/>
-              </a:rPr>
-              <a:t>nên </a:t>
-            </a:r>
-            <a:r>
-              <a:rPr b="0" lang="en-US" sz="2400" spc="-1" strike="noStrike">
-                <a:solidFill>
-                  <a:srgbClr val="000000"/>
-                </a:solidFill>
-                <a:latin typeface="+mn-lt"/>
-                <a:ea typeface="+mn-ea"/>
-              </a:rPr>
-              <a:t>khi </a:t>
-            </a:r>
-            <a:r>
-              <a:rPr b="0" lang="en-US" sz="2400" spc="-1" strike="noStrike">
-                <a:solidFill>
-                  <a:srgbClr val="000000"/>
-                </a:solidFill>
-                <a:latin typeface="+mn-lt"/>
-                <a:ea typeface="+mn-ea"/>
-              </a:rPr>
-              <a:t>xảy </a:t>
-            </a:r>
-            <a:r>
-              <a:rPr b="0" lang="en-US" sz="2400" spc="-1" strike="noStrike">
-                <a:solidFill>
-                  <a:srgbClr val="000000"/>
-                </a:solidFill>
-                <a:latin typeface="+mn-lt"/>
-                <a:ea typeface="+mn-ea"/>
-              </a:rPr>
-              <a:t>ra lỗi </a:t>
-            </a:r>
-            <a:r>
-              <a:rPr b="0" lang="en-US" sz="2400" spc="-1" strike="noStrike">
-                <a:solidFill>
-                  <a:srgbClr val="000000"/>
-                </a:solidFill>
-                <a:latin typeface="+mn-lt"/>
-                <a:ea typeface="+mn-ea"/>
-              </a:rPr>
-              <a:t>vẫn </a:t>
-            </a:r>
-            <a:r>
-              <a:rPr b="0" lang="en-US" sz="2400" spc="-1" strike="noStrike">
-                <a:solidFill>
-                  <a:srgbClr val="000000"/>
-                </a:solidFill>
-                <a:latin typeface="+mn-lt"/>
-                <a:ea typeface="+mn-ea"/>
-              </a:rPr>
-              <a:t>tồn </a:t>
-            </a:r>
-            <a:r>
-              <a:rPr b="0" lang="en-US" sz="2400" spc="-1" strike="noStrike">
-                <a:solidFill>
-                  <a:srgbClr val="000000"/>
-                </a:solidFill>
-                <a:latin typeface="+mn-lt"/>
-                <a:ea typeface="+mn-ea"/>
-              </a:rPr>
-              <a:t>tại </a:t>
-            </a:r>
-            <a:r>
-              <a:rPr b="0" lang="en-US" sz="2400" spc="-1" strike="noStrike">
-                <a:solidFill>
-                  <a:srgbClr val="000000"/>
-                </a:solidFill>
-                <a:latin typeface="+mn-lt"/>
-                <a:ea typeface="+mn-ea"/>
-              </a:rPr>
-              <a:t>data </a:t>
-            </a:r>
-            <a:r>
-              <a:rPr b="0" lang="en-US" sz="2400" spc="-1" strike="noStrike">
-                <a:solidFill>
-                  <a:srgbClr val="000000"/>
-                </a:solidFill>
-                <a:latin typeface="+mn-lt"/>
-                <a:ea typeface="+mn-ea"/>
-              </a:rPr>
-              <a:t>ở </a:t>
-            </a:r>
-            <a:r>
-              <a:rPr b="0" lang="en-US" sz="2400" spc="-1" strike="noStrike">
-                <a:solidFill>
-                  <a:srgbClr val="000000"/>
-                </a:solidFill>
-                <a:latin typeface="+mn-lt"/>
-                <a:ea typeface="+mn-ea"/>
-              </a:rPr>
-              <a:t>node </a:t>
-            </a:r>
-            <a:r>
-              <a:rPr b="0" lang="en-US" sz="2400" spc="-1" strike="noStrike">
-                <a:solidFill>
-                  <a:srgbClr val="000000"/>
-                </a:solidFill>
-                <a:latin typeface="+mn-lt"/>
-                <a:ea typeface="+mn-ea"/>
-              </a:rPr>
-              <a:t>back</a:t>
-            </a:r>
-            <a:r>
-              <a:rPr b="0" lang="en-US" sz="2400" spc="-1" strike="noStrike">
-                <a:solidFill>
-                  <a:srgbClr val="000000"/>
-                </a:solidFill>
-                <a:latin typeface="+mn-lt"/>
-                <a:ea typeface="+mn-ea"/>
-              </a:rPr>
-              <a:t>up </a:t>
-            </a:r>
-            <a:r>
-              <a:rPr b="0" lang="en-US" sz="2400" spc="-1" strike="noStrike">
-                <a:solidFill>
-                  <a:srgbClr val="000000"/>
-                </a:solidFill>
-                <a:latin typeface="+mn-lt"/>
-                <a:ea typeface="+mn-ea"/>
-              </a:rPr>
-              <a:t>để </a:t>
-            </a:r>
-            <a:r>
-              <a:rPr b="0" lang="en-US" sz="2400" spc="-1" strike="noStrike">
-                <a:solidFill>
-                  <a:srgbClr val="000000"/>
-                </a:solidFill>
-                <a:latin typeface="+mn-lt"/>
-                <a:ea typeface="+mn-ea"/>
-              </a:rPr>
-              <a:t>truy </a:t>
-            </a:r>
-            <a:r>
-              <a:rPr b="0" lang="en-US" sz="2400" spc="-1" strike="noStrike">
-                <a:solidFill>
-                  <a:srgbClr val="000000"/>
-                </a:solidFill>
-                <a:latin typeface="+mn-lt"/>
-                <a:ea typeface="+mn-ea"/>
-              </a:rPr>
-              <a:t>xuất.</a:t>
-            </a:r>
-            <a:endParaRPr b="0" lang="en-US" sz="2400" spc="-1" strike="noStrike">
-              <a:latin typeface="Arial"/>
-            </a:endParaRPr>
-          </a:p>
-          <a:p>
-            <a:pPr>
-              <a:lnSpc>
-                <a:spcPct val="100000"/>
-              </a:lnSpc>
-            </a:pPr>
-            <a:endParaRPr b="0" lang="en-US" sz="2400" spc="-1" strike="noStrike">
+            <a:endParaRPr b="0" lang="en-US" sz="2000" spc="-1" strike="noStrike">
               <a:latin typeface="Arial"/>
             </a:endParaRPr>
           </a:p>
@@ -2573,7 +1477,7 @@
       </p:sp>
       <p:sp>
         <p:nvSpPr>
-          <p:cNvPr id="257" name="TextShape 3"/>
+          <p:cNvPr id="262" name="TextShape 3"/>
           <p:cNvSpPr txBox="1"/>
           <p:nvPr/>
         </p:nvSpPr>
@@ -2598,7 +1502,7 @@
                 <a:spcPct val="100000"/>
               </a:lnSpc>
             </a:pPr>
-            <a:fld id="{1E289CB0-FF37-48C7-B31A-EACD6D7046B7}" type="slidenum">
+            <a:fld id="{AFE8E382-03B8-4051-ABD4-B471BCD33041}" type="slidenum">
               <a:rPr b="0" lang="en-US" sz="1200" spc="-1" strike="noStrike">
                 <a:solidFill>
                   <a:srgbClr val="000000"/>
@@ -2619,7 +1523,7 @@
 </p:notes>
 </file>
 
-<file path=ppt/notesSlides/notesSlide16.xml><?xml version="1.0" encoding="utf-8"?>
+<file path=ppt/notesSlides/notesSlide15.xml><?xml version="1.0" encoding="utf-8"?>
 <p:notes xmlns:a="http://schemas.openxmlformats.org/drawingml/2006/main" xmlns:p="http://schemas.openxmlformats.org/presentationml/2006/main" xmlns:r="http://schemas.openxmlformats.org/officeDocument/2006/relationships" xmlns:p14="http://schemas.microsoft.com/office/powerpoint/2010/main" xmlns:p15="http://schemas.microsoft.com/office/powerpoint/2012/main" xmlns:mc="http://schemas.openxmlformats.org/markup-compatibility/2006">
   <p:cSld>
     <p:spTree>
@@ -2638,7 +1542,7 @@
       </p:grpSpPr>
       <p:sp>
         <p:nvSpPr>
-          <p:cNvPr id="258" name="PlaceHolder 1"/>
+          <p:cNvPr id="263" name="PlaceHolder 1"/>
           <p:cNvSpPr>
             <a:spLocks noGrp="1"/>
           </p:cNvSpPr>
@@ -2658,7 +1562,7 @@
       </p:sp>
       <p:sp>
         <p:nvSpPr>
-          <p:cNvPr id="259" name="PlaceHolder 2"/>
+          <p:cNvPr id="264" name="PlaceHolder 2"/>
           <p:cNvSpPr>
             <a:spLocks noGrp="1"/>
           </p:cNvSpPr>
@@ -2678,122 +1582,212 @@
         <p:txBody>
           <a:bodyPr/>
           <a:p>
-            <a:pPr marL="216000" indent="-216000">
+            <a:pPr marL="343080" indent="-342720">
+              <a:lnSpc>
+                <a:spcPct val="100000"/>
+              </a:lnSpc>
+              <a:buClr>
+                <a:srgbClr val="000000"/>
+              </a:buClr>
+              <a:buFont typeface="Arial"/>
+              <a:buChar char="•"/>
+            </a:pPr>
+            <a:r>
+              <a:rPr b="0" lang="en-US" sz="2400" spc="-1" strike="noStrike">
+                <a:solidFill>
+                  <a:srgbClr val="000000"/>
+                </a:solidFill>
+                <a:latin typeface="+mn-lt"/>
+                <a:ea typeface="+mn-ea"/>
+              </a:rPr>
+              <a:t>Cơ sở dữ liệu(Database):</a:t>
+            </a:r>
+            <a:endParaRPr b="0" lang="en-US" sz="2400" spc="-1" strike="noStrike">
+              <a:latin typeface="Arial"/>
+            </a:endParaRPr>
+          </a:p>
+          <a:p>
+            <a:pPr lvl="1" marL="800280" indent="-342720">
+              <a:lnSpc>
+                <a:spcPct val="100000"/>
+              </a:lnSpc>
+              <a:buClr>
+                <a:srgbClr val="000000"/>
+              </a:buClr>
+              <a:buFont typeface="Wingdings" charset="2"/>
+              <a:buChar char=""/>
+            </a:pPr>
+            <a:r>
+              <a:rPr b="0" lang="en-US" sz="2400" spc="-1" strike="noStrike">
+                <a:solidFill>
+                  <a:srgbClr val="000000"/>
+                </a:solidFill>
+                <a:latin typeface="+mn-lt"/>
+                <a:ea typeface="+mn-ea"/>
+              </a:rPr>
+              <a:t>Cả hai đều là cơ sơ dữ liệu mã nguồn mở.</a:t>
+            </a:r>
+            <a:endParaRPr b="0" lang="en-US" sz="2400" spc="-1" strike="noStrike">
+              <a:latin typeface="Arial"/>
+            </a:endParaRPr>
+          </a:p>
+          <a:p>
+            <a:pPr lvl="1" marL="800280" indent="-342720">
+              <a:lnSpc>
+                <a:spcPct val="100000"/>
+              </a:lnSpc>
+              <a:buClr>
+                <a:srgbClr val="000000"/>
+              </a:buClr>
+              <a:buFont typeface="Wingdings" charset="2"/>
+              <a:buChar char=""/>
+            </a:pPr>
+            <a:r>
+              <a:rPr b="0" lang="en-US" sz="2400" spc="-1" strike="noStrike">
+                <a:solidFill>
+                  <a:srgbClr val="000000"/>
+                </a:solidFill>
+                <a:latin typeface="+mn-lt"/>
+                <a:ea typeface="+mn-ea"/>
+              </a:rPr>
+              <a:t>Có thể xử lí được dữ liệu lớn, dữ liệu không quan hệ(bao gòm image, audio, video..)</a:t>
+            </a:r>
+            <a:endParaRPr b="0" lang="en-US" sz="2400" spc="-1" strike="noStrike">
+              <a:latin typeface="Arial"/>
+            </a:endParaRPr>
+          </a:p>
+          <a:p>
+            <a:pPr marL="343080" indent="-342720">
+              <a:lnSpc>
+                <a:spcPct val="100000"/>
+              </a:lnSpc>
+              <a:buClr>
+                <a:srgbClr val="000000"/>
+              </a:buClr>
+              <a:buFont typeface="Arial"/>
+              <a:buChar char="•"/>
+            </a:pPr>
+            <a:r>
+              <a:rPr b="0" lang="en-US" sz="2400" spc="-1" strike="noStrike">
+                <a:solidFill>
+                  <a:srgbClr val="000000"/>
+                </a:solidFill>
+                <a:latin typeface="+mn-lt"/>
+                <a:ea typeface="+mn-ea"/>
+              </a:rPr>
+              <a:t>Khả năng mở rộng(Scalability)</a:t>
+            </a:r>
+            <a:endParaRPr b="0" lang="en-US" sz="2400" spc="-1" strike="noStrike">
+              <a:latin typeface="Arial"/>
+            </a:endParaRPr>
+          </a:p>
+          <a:p>
+            <a:pPr lvl="1" marL="800280" indent="-342720">
+              <a:lnSpc>
+                <a:spcPct val="100000"/>
+              </a:lnSpc>
+              <a:buClr>
+                <a:srgbClr val="000000"/>
+              </a:buClr>
+              <a:buFont typeface="Wingdings" charset="2"/>
+              <a:buChar char=""/>
+            </a:pPr>
+            <a:r>
+              <a:rPr b="0" lang="en-US" sz="2400" spc="-1" strike="noStrike">
+                <a:solidFill>
+                  <a:srgbClr val="000000"/>
+                </a:solidFill>
+                <a:latin typeface="+mn-lt"/>
+                <a:ea typeface="+mn-ea"/>
+              </a:rPr>
+              <a:t>Cả hai điều có khả năng mở rộng cao.</a:t>
+            </a:r>
+            <a:endParaRPr b="0" lang="en-US" sz="2400" spc="-1" strike="noStrike">
+              <a:latin typeface="Arial"/>
+            </a:endParaRPr>
+          </a:p>
+          <a:p>
+            <a:pPr lvl="1" marL="800280" indent="-342720">
+              <a:lnSpc>
+                <a:spcPct val="100000"/>
+              </a:lnSpc>
+              <a:buClr>
+                <a:srgbClr val="000000"/>
+              </a:buClr>
+              <a:buFont typeface="Wingdings" charset="2"/>
+              <a:buChar char=""/>
+            </a:pPr>
+            <a:r>
+              <a:rPr b="0" lang="en-US" sz="2400" spc="-1" strike="noStrike">
+                <a:solidFill>
+                  <a:srgbClr val="000000"/>
+                </a:solidFill>
+                <a:latin typeface="+mn-lt"/>
+                <a:ea typeface="+mn-ea"/>
+              </a:rPr>
+              <a:t>Để mở rộng chỉ cần tăng số lượng node trên cluster.</a:t>
+            </a:r>
+            <a:endParaRPr b="0" lang="en-US" sz="2400" spc="-1" strike="noStrike">
+              <a:latin typeface="Arial"/>
+            </a:endParaRPr>
+          </a:p>
+          <a:p>
+            <a:pPr marL="343080" indent="-342720">
+              <a:lnSpc>
+                <a:spcPct val="100000"/>
+              </a:lnSpc>
+              <a:buClr>
+                <a:srgbClr val="000000"/>
+              </a:buClr>
+              <a:buFont typeface="Arial"/>
+              <a:buChar char="•"/>
+            </a:pPr>
+            <a:r>
+              <a:rPr b="0" lang="en-US" sz="2400" spc="-1" strike="noStrike">
+                <a:solidFill>
+                  <a:srgbClr val="000000"/>
+                </a:solidFill>
+                <a:latin typeface="+mn-lt"/>
+                <a:ea typeface="+mn-ea"/>
+              </a:rPr>
+              <a:t>Tạo bản sao(Replication)</a:t>
+            </a:r>
+            <a:endParaRPr b="0" lang="en-US" sz="2400" spc="-1" strike="noStrike">
+              <a:latin typeface="Arial"/>
+            </a:endParaRPr>
+          </a:p>
+          <a:p>
+            <a:pPr lvl="1" marL="800280" indent="-342720">
+              <a:lnSpc>
+                <a:spcPct val="100000"/>
+              </a:lnSpc>
+              <a:buClr>
+                <a:srgbClr val="000000"/>
+              </a:buClr>
+              <a:buFont typeface="Wingdings" charset="2"/>
+              <a:buChar char=""/>
+            </a:pPr>
+            <a:r>
+              <a:rPr b="0" lang="en-US" sz="2400" spc="-1" strike="noStrike">
+                <a:solidFill>
+                  <a:srgbClr val="000000"/>
+                </a:solidFill>
+                <a:latin typeface="+mn-lt"/>
+                <a:ea typeface="+mn-ea"/>
+              </a:rPr>
+              <a:t>Data khi được lưu xuống node sẽ tạo bản sao ở một số node khác, nên khi xảy ra lỗi vẫn tồn tại data ở node backup để truy xuất.</a:t>
+            </a:r>
+            <a:endParaRPr b="0" lang="en-US" sz="2400" spc="-1" strike="noStrike">
+              <a:latin typeface="Arial"/>
+            </a:endParaRPr>
+          </a:p>
+          <a:p>
+            <a:pPr>
               <a:lnSpc>
                 <a:spcPct val="100000"/>
               </a:lnSpc>
             </a:pPr>
-            <a:r>
-              <a:rPr b="1" i="1" lang="en-US" sz="1200" spc="-1" strike="noStrike">
-                <a:solidFill>
-                  <a:srgbClr val="000000"/>
-                </a:solidFill>
-                <a:latin typeface="+mn-lt"/>
-                <a:ea typeface="+mn-ea"/>
-              </a:rPr>
-              <a:t>Cassandra</a:t>
-            </a:r>
-            <a:r>
-              <a:rPr b="0" lang="en-US" sz="1200" spc="-1" strike="noStrike">
-                <a:solidFill>
-                  <a:srgbClr val="000000"/>
-                </a:solidFill>
-                <a:latin typeface="+mn-lt"/>
-                <a:ea typeface="+mn-ea"/>
-              </a:rPr>
-              <a:t> has </a:t>
-            </a:r>
-            <a:r>
-              <a:rPr b="0" lang="en-US" sz="1200" spc="-1" strike="noStrike">
-                <a:solidFill>
-                  <a:srgbClr val="000000"/>
-                </a:solidFill>
-                <a:latin typeface="+mn-lt"/>
-                <a:ea typeface="+mn-ea"/>
-              </a:rPr>
-              <a:t>a </a:t>
-            </a:r>
-            <a:r>
-              <a:rPr b="1" i="1" lang="en-US" sz="1200" spc="-1" strike="noStrike">
-                <a:solidFill>
-                  <a:srgbClr val="000000"/>
-                </a:solidFill>
-                <a:latin typeface="+mn-lt"/>
-                <a:ea typeface="+mn-ea"/>
-              </a:rPr>
-              <a:t>masterless</a:t>
-            </a:r>
-            <a:r>
-              <a:rPr b="0" lang="en-US" sz="1200" spc="-1" strike="noStrike">
-                <a:solidFill>
-                  <a:srgbClr val="000000"/>
-                </a:solidFill>
-                <a:latin typeface="+mn-lt"/>
-                <a:ea typeface="+mn-ea"/>
-              </a:rPr>
-              <a:t> arch</a:t>
-            </a:r>
-            <a:r>
-              <a:rPr b="0" lang="en-US" sz="1200" spc="-1" strike="noStrike">
-                <a:solidFill>
-                  <a:srgbClr val="000000"/>
-                </a:solidFill>
-                <a:latin typeface="+mn-lt"/>
-                <a:ea typeface="+mn-ea"/>
-              </a:rPr>
-              <a:t>itecture, </a:t>
-            </a:r>
-            <a:r>
-              <a:rPr b="0" lang="en-US" sz="1200" spc="-1" strike="noStrike">
-                <a:solidFill>
-                  <a:srgbClr val="000000"/>
-                </a:solidFill>
-                <a:latin typeface="+mn-lt"/>
-                <a:ea typeface="+mn-ea"/>
-              </a:rPr>
-              <a:t>while </a:t>
-            </a:r>
-            <a:r>
-              <a:rPr b="1" i="1" lang="en-US" sz="1200" spc="-1" strike="noStrike">
-                <a:solidFill>
-                  <a:srgbClr val="000000"/>
-                </a:solidFill>
-                <a:latin typeface="+mn-lt"/>
-                <a:ea typeface="+mn-ea"/>
-              </a:rPr>
-              <a:t>HBase</a:t>
-            </a:r>
-            <a:r>
-              <a:rPr b="0" lang="en-US" sz="1200" spc="-1" strike="noStrike">
-                <a:solidFill>
-                  <a:srgbClr val="000000"/>
-                </a:solidFill>
-                <a:latin typeface="+mn-lt"/>
-                <a:ea typeface="+mn-ea"/>
-              </a:rPr>
-              <a:t> has </a:t>
-            </a:r>
-            <a:r>
-              <a:rPr b="0" lang="en-US" sz="1200" spc="-1" strike="noStrike">
-                <a:solidFill>
-                  <a:srgbClr val="000000"/>
-                </a:solidFill>
-                <a:latin typeface="+mn-lt"/>
-                <a:ea typeface="+mn-ea"/>
-              </a:rPr>
-              <a:t>a </a:t>
-            </a:r>
-            <a:r>
-              <a:rPr b="1" i="1" lang="en-US" sz="1200" spc="-1" strike="noStrike">
-                <a:solidFill>
-                  <a:srgbClr val="000000"/>
-                </a:solidFill>
-                <a:latin typeface="+mn-lt"/>
-                <a:ea typeface="+mn-ea"/>
-              </a:rPr>
-              <a:t>master-based</a:t>
-            </a:r>
-            <a:endParaRPr b="0" lang="en-US" sz="1200" spc="-1" strike="noStrike">
+            <a:endParaRPr b="0" lang="en-US" sz="2400" spc="-1" strike="noStrike">
               <a:latin typeface="Arial"/>
             </a:endParaRPr>
           </a:p>
@@ -2801,7 +1795,7 @@
       </p:sp>
       <p:sp>
         <p:nvSpPr>
-          <p:cNvPr id="260" name="TextShape 3"/>
+          <p:cNvPr id="265" name="TextShape 3"/>
           <p:cNvSpPr txBox="1"/>
           <p:nvPr/>
         </p:nvSpPr>
@@ -2826,7 +1820,7 @@
                 <a:spcPct val="100000"/>
               </a:lnSpc>
             </a:pPr>
-            <a:fld id="{BBD412D3-C4C8-4FDC-A445-5B7CC14DCE3A}" type="slidenum">
+            <a:fld id="{69C90277-7D30-4E4A-BE50-75C5E985F6EF}" type="slidenum">
               <a:rPr b="0" lang="en-US" sz="1200" spc="-1" strike="noStrike">
                 <a:solidFill>
                   <a:srgbClr val="000000"/>
@@ -2834,7 +1828,7 @@
                 <a:latin typeface="+mn-lt"/>
                 <a:ea typeface="+mn-ea"/>
               </a:rPr>
-              <a:t>1</a:t>
+              <a:t>&lt;number&gt;</a:t>
             </a:fld>
             <a:endParaRPr b="0" lang="en-US" sz="1200" spc="-1" strike="noStrike">
               <a:latin typeface="Times New Roman"/>
@@ -2847,7 +1841,7 @@
 </p:notes>
 </file>
 
-<file path=ppt/notesSlides/notesSlide19.xml><?xml version="1.0" encoding="utf-8"?>
+<file path=ppt/notesSlides/notesSlide17.xml><?xml version="1.0" encoding="utf-8"?>
 <p:notes xmlns:a="http://schemas.openxmlformats.org/drawingml/2006/main" xmlns:p="http://schemas.openxmlformats.org/presentationml/2006/main" xmlns:r="http://schemas.openxmlformats.org/officeDocument/2006/relationships" xmlns:p14="http://schemas.microsoft.com/office/powerpoint/2010/main" xmlns:p15="http://schemas.microsoft.com/office/powerpoint/2012/main" xmlns:mc="http://schemas.openxmlformats.org/markup-compatibility/2006">
   <p:cSld>
     <p:spTree>
@@ -2866,7 +1860,7 @@
       </p:grpSpPr>
       <p:sp>
         <p:nvSpPr>
-          <p:cNvPr id="261" name="PlaceHolder 1"/>
+          <p:cNvPr id="266" name="PlaceHolder 1"/>
           <p:cNvSpPr>
             <a:spLocks noGrp="1"/>
           </p:cNvSpPr>
@@ -2886,7 +1880,7 @@
       </p:sp>
       <p:sp>
         <p:nvSpPr>
-          <p:cNvPr id="262" name="PlaceHolder 2"/>
+          <p:cNvPr id="267" name="PlaceHolder 2"/>
           <p:cNvSpPr>
             <a:spLocks noGrp="1"/>
           </p:cNvSpPr>
@@ -2906,7 +1900,82 @@
         <p:txBody>
           <a:bodyPr/>
           <a:p>
-            <a:endParaRPr b="0" lang="en-US" sz="2000" spc="-1" strike="noStrike">
+            <a:pPr marL="216000" indent="-216000">
+              <a:lnSpc>
+                <a:spcPct val="100000"/>
+              </a:lnSpc>
+            </a:pPr>
+            <a:r>
+              <a:rPr b="1" i="1" lang="en-US" sz="1200" spc="-1" strike="noStrike">
+                <a:solidFill>
+                  <a:srgbClr val="000000"/>
+                </a:solidFill>
+                <a:latin typeface="+mn-lt"/>
+                <a:ea typeface="+mn-ea"/>
+              </a:rPr>
+              <a:t>Cassandra</a:t>
+            </a:r>
+            <a:r>
+              <a:rPr b="0" lang="en-US" sz="1200" spc="-1" strike="noStrike">
+                <a:solidFill>
+                  <a:srgbClr val="000000"/>
+                </a:solidFill>
+                <a:latin typeface="+mn-lt"/>
+                <a:ea typeface="+mn-ea"/>
+              </a:rPr>
+              <a:t> has a </a:t>
+            </a:r>
+            <a:r>
+              <a:rPr b="1" i="1" lang="en-US" sz="1200" spc="-1" strike="noStrike">
+                <a:solidFill>
+                  <a:srgbClr val="000000"/>
+                </a:solidFill>
+                <a:latin typeface="+mn-lt"/>
+                <a:ea typeface="+mn-ea"/>
+              </a:rPr>
+              <a:t>masterless</a:t>
+            </a:r>
+            <a:r>
+              <a:rPr b="0" lang="en-US" sz="1200" spc="-1" strike="noStrike">
+                <a:solidFill>
+                  <a:srgbClr val="000000"/>
+                </a:solidFill>
+                <a:latin typeface="+mn-lt"/>
+                <a:ea typeface="+mn-ea"/>
+              </a:rPr>
+              <a:t> architecture, while </a:t>
+            </a:r>
+            <a:r>
+              <a:rPr b="1" i="1" lang="en-US" sz="1200" spc="-1" strike="noStrike">
+                <a:solidFill>
+                  <a:srgbClr val="000000"/>
+                </a:solidFill>
+                <a:latin typeface="+mn-lt"/>
+                <a:ea typeface="+mn-ea"/>
+              </a:rPr>
+              <a:t>HBase</a:t>
+            </a:r>
+            <a:r>
+              <a:rPr b="0" lang="en-US" sz="1200" spc="-1" strike="noStrike">
+                <a:solidFill>
+                  <a:srgbClr val="000000"/>
+                </a:solidFill>
+                <a:latin typeface="+mn-lt"/>
+                <a:ea typeface="+mn-ea"/>
+              </a:rPr>
+              <a:t> has a </a:t>
+            </a:r>
+            <a:r>
+              <a:rPr b="1" i="1" lang="en-US" sz="1200" spc="-1" strike="noStrike">
+                <a:solidFill>
+                  <a:srgbClr val="000000"/>
+                </a:solidFill>
+                <a:latin typeface="+mn-lt"/>
+                <a:ea typeface="+mn-ea"/>
+              </a:rPr>
+              <a:t>master-based</a:t>
+            </a:r>
+            <a:endParaRPr b="0" lang="en-US" sz="1200" spc="-1" strike="noStrike">
               <a:latin typeface="Arial"/>
             </a:endParaRPr>
           </a:p>
@@ -2914,7 +1983,7 @@
       </p:sp>
       <p:sp>
         <p:nvSpPr>
-          <p:cNvPr id="263" name="TextShape 3"/>
+          <p:cNvPr id="268" name="TextShape 3"/>
           <p:cNvSpPr txBox="1"/>
           <p:nvPr/>
         </p:nvSpPr>
@@ -2939,7 +2008,7 @@
                 <a:spcPct val="100000"/>
               </a:lnSpc>
             </a:pPr>
-            <a:fld id="{BC2AB3E6-4A11-474A-A4DC-E64A75FEFFC3}" type="slidenum">
+            <a:fld id="{15F462A8-868E-4097-9736-A404F11857B3}" type="slidenum">
               <a:rPr b="0" lang="en-US" sz="1200" spc="-1" strike="noStrike">
                 <a:solidFill>
                   <a:srgbClr val="000000"/>
@@ -2947,7 +2016,7 @@
                 <a:latin typeface="+mn-lt"/>
                 <a:ea typeface="+mn-ea"/>
               </a:rPr>
-              <a:t>1</a:t>
+              <a:t>&lt;number&gt;</a:t>
             </a:fld>
             <a:endParaRPr b="0" lang="en-US" sz="1200" spc="-1" strike="noStrike">
               <a:latin typeface="Times New Roman"/>
@@ -2979,7 +2048,7 @@
       </p:grpSpPr>
       <p:sp>
         <p:nvSpPr>
-          <p:cNvPr id="264" name="PlaceHolder 1"/>
+          <p:cNvPr id="269" name="PlaceHolder 1"/>
           <p:cNvSpPr>
             <a:spLocks noGrp="1"/>
           </p:cNvSpPr>
@@ -2999,7 +2068,7 @@
       </p:sp>
       <p:sp>
         <p:nvSpPr>
-          <p:cNvPr id="265" name="PlaceHolder 2"/>
+          <p:cNvPr id="270" name="PlaceHolder 2"/>
           <p:cNvSpPr>
             <a:spLocks noGrp="1"/>
           </p:cNvSpPr>
@@ -3027,7 +2096,7 @@
       </p:sp>
       <p:sp>
         <p:nvSpPr>
-          <p:cNvPr id="266" name="TextShape 3"/>
+          <p:cNvPr id="271" name="TextShape 3"/>
           <p:cNvSpPr txBox="1"/>
           <p:nvPr/>
         </p:nvSpPr>
@@ -3052,7 +2121,7 @@
                 <a:spcPct val="100000"/>
               </a:lnSpc>
             </a:pPr>
-            <a:fld id="{A281406E-0A87-40BA-A79F-CA0811368B47}" type="slidenum">
+            <a:fld id="{B4706B7E-2DE9-440C-9740-19DD3B4F1C96}" type="slidenum">
               <a:rPr b="0" lang="en-US" sz="1200" spc="-1" strike="noStrike">
                 <a:solidFill>
                   <a:srgbClr val="000000"/>
@@ -3060,7 +2129,7 @@
                 <a:latin typeface="+mn-lt"/>
                 <a:ea typeface="+mn-ea"/>
               </a:rPr>
-              <a:t>1</a:t>
+              <a:t>&lt;number&gt;</a:t>
             </a:fld>
             <a:endParaRPr b="0" lang="en-US" sz="1200" spc="-1" strike="noStrike">
               <a:latin typeface="Times New Roman"/>
@@ -3092,7 +2161,7 @@
       </p:grpSpPr>
       <p:sp>
         <p:nvSpPr>
-          <p:cNvPr id="267" name="PlaceHolder 1"/>
+          <p:cNvPr id="272" name="PlaceHolder 1"/>
           <p:cNvSpPr>
             <a:spLocks noGrp="1"/>
           </p:cNvSpPr>
@@ -3112,7 +2181,7 @@
       </p:sp>
       <p:sp>
         <p:nvSpPr>
-          <p:cNvPr id="268" name="PlaceHolder 2"/>
+          <p:cNvPr id="273" name="PlaceHolder 2"/>
           <p:cNvSpPr>
             <a:spLocks noGrp="1"/>
           </p:cNvSpPr>
@@ -3140,7 +2209,7 @@
       </p:sp>
       <p:sp>
         <p:nvSpPr>
-          <p:cNvPr id="269" name="TextShape 3"/>
+          <p:cNvPr id="274" name="TextShape 3"/>
           <p:cNvSpPr txBox="1"/>
           <p:nvPr/>
         </p:nvSpPr>
@@ -3165,7 +2234,7 @@
                 <a:spcPct val="100000"/>
               </a:lnSpc>
             </a:pPr>
-            <a:fld id="{A2A434E0-9E21-40B1-A325-3712007A7B55}" type="slidenum">
+            <a:fld id="{AE4051EF-54A5-4439-B1C7-DE1FD3B6BD54}" type="slidenum">
               <a:rPr b="0" lang="en-US" sz="1200" spc="-1" strike="noStrike">
                 <a:solidFill>
                   <a:srgbClr val="000000"/>
@@ -3173,7 +2242,7 @@
                 <a:latin typeface="+mn-lt"/>
                 <a:ea typeface="+mn-ea"/>
               </a:rPr>
-              <a:t>1</a:t>
+              <a:t>&lt;number&gt;</a:t>
             </a:fld>
             <a:endParaRPr b="0" lang="en-US" sz="1200" spc="-1" strike="noStrike">
               <a:latin typeface="Times New Roman"/>
@@ -3205,7 +2274,7 @@
       </p:grpSpPr>
       <p:sp>
         <p:nvSpPr>
-          <p:cNvPr id="270" name="PlaceHolder 1"/>
+          <p:cNvPr id="275" name="PlaceHolder 1"/>
           <p:cNvSpPr>
             <a:spLocks noGrp="1"/>
           </p:cNvSpPr>
@@ -3225,7 +2294,7 @@
       </p:sp>
       <p:sp>
         <p:nvSpPr>
-          <p:cNvPr id="271" name="PlaceHolder 2"/>
+          <p:cNvPr id="276" name="PlaceHolder 2"/>
           <p:cNvSpPr>
             <a:spLocks noGrp="1"/>
           </p:cNvSpPr>
@@ -3253,7 +2322,7 @@
       </p:sp>
       <p:sp>
         <p:nvSpPr>
-          <p:cNvPr id="272" name="TextShape 3"/>
+          <p:cNvPr id="277" name="TextShape 3"/>
           <p:cNvSpPr txBox="1"/>
           <p:nvPr/>
         </p:nvSpPr>
@@ -3278,7 +2347,120 @@
                 <a:spcPct val="100000"/>
               </a:lnSpc>
             </a:pPr>
-            <a:fld id="{D32ED8E4-0FA8-43ED-82BF-42394304CE07}" type="slidenum">
+            <a:fld id="{861A35DF-8434-434C-A109-99F87095A337}" type="slidenum">
+              <a:rPr b="0" lang="en-US" sz="1200" spc="-1" strike="noStrike">
+                <a:solidFill>
+                  <a:srgbClr val="000000"/>
+                </a:solidFill>
+                <a:latin typeface="+mn-lt"/>
+                <a:ea typeface="+mn-ea"/>
+              </a:rPr>
+              <a:t>&lt;number&gt;</a:t>
+            </a:fld>
+            <a:endParaRPr b="0" lang="en-US" sz="1200" spc="-1" strike="noStrike">
+              <a:latin typeface="Times New Roman"/>
+            </a:endParaRPr>
+          </a:p>
+        </p:txBody>
+      </p:sp>
+    </p:spTree>
+  </p:cSld>
+</p:notes>
+</file>
+
+<file path=ppt/notesSlides/notesSlide23.xml><?xml version="1.0" encoding="utf-8"?>
+<p:notes xmlns:a="http://schemas.openxmlformats.org/drawingml/2006/main" xmlns:p="http://schemas.openxmlformats.org/presentationml/2006/main" xmlns:r="http://schemas.openxmlformats.org/officeDocument/2006/relationships" xmlns:p14="http://schemas.microsoft.com/office/powerpoint/2010/main" xmlns:p15="http://schemas.microsoft.com/office/powerpoint/2012/main" xmlns:mc="http://schemas.openxmlformats.org/markup-compatibility/2006">
+  <p:cSld>
+    <p:spTree>
+      <p:nvGrpSpPr>
+        <p:cNvPr id="1" name=""/>
+        <p:cNvGrpSpPr/>
+        <p:nvPr/>
+      </p:nvGrpSpPr>
+      <p:grpSpPr>
+        <a:xfrm>
+          <a:off x="0" y="0"/>
+          <a:ext cx="0" cy="0"/>
+          <a:chOff x="0" y="0"/>
+          <a:chExt cx="0" cy="0"/>
+        </a:xfrm>
+      </p:grpSpPr>
+      <p:sp>
+        <p:nvSpPr>
+          <p:cNvPr id="278" name="PlaceHolder 1"/>
+          <p:cNvSpPr>
+            <a:spLocks noGrp="1"/>
+          </p:cNvSpPr>
+          <p:nvPr>
+            <p:ph type="sldImg"/>
+          </p:nvPr>
+        </p:nvSpPr>
+        <p:spPr>
+          <a:xfrm>
+            <a:off x="380880" y="685800"/>
+            <a:ext cx="6095520" cy="3428640"/>
+          </a:xfrm>
+          <a:prstGeom prst="rect">
+            <a:avLst/>
+          </a:prstGeom>
+        </p:spPr>
+      </p:sp>
+      <p:sp>
+        <p:nvSpPr>
+          <p:cNvPr id="279" name="PlaceHolder 2"/>
+          <p:cNvSpPr>
+            <a:spLocks noGrp="1"/>
+          </p:cNvSpPr>
+          <p:nvPr>
+            <p:ph type="body"/>
+          </p:nvPr>
+        </p:nvSpPr>
+        <p:spPr>
+          <a:xfrm>
+            <a:off x="685800" y="4343400"/>
+            <a:ext cx="5486040" cy="4114440"/>
+          </a:xfrm>
+          <a:prstGeom prst="rect">
+            <a:avLst/>
+          </a:prstGeom>
+        </p:spPr>
+        <p:txBody>
+          <a:bodyPr/>
+          <a:p>
+            <a:endParaRPr b="0" lang="en-US" sz="2000" spc="-1" strike="noStrike">
+              <a:latin typeface="Arial"/>
+            </a:endParaRPr>
+          </a:p>
+        </p:txBody>
+      </p:sp>
+      <p:sp>
+        <p:nvSpPr>
+          <p:cNvPr id="280" name="TextShape 3"/>
+          <p:cNvSpPr txBox="1"/>
+          <p:nvPr/>
+        </p:nvSpPr>
+        <p:spPr>
+          <a:xfrm>
+            <a:off x="3884760" y="8685360"/>
+            <a:ext cx="2971440" cy="456840"/>
+          </a:xfrm>
+          <a:prstGeom prst="rect">
+            <a:avLst/>
+          </a:prstGeom>
+          <a:noFill/>
+          <a:ln>
+            <a:noFill/>
+          </a:ln>
+        </p:spPr>
+        <p:txBody>
+          <a:bodyPr anchor="b"/>
+          <a:p>
+            <a:pPr algn="r">
+              <a:lnSpc>
+                <a:spcPct val="100000"/>
+              </a:lnSpc>
+            </a:pPr>
+            <a:fld id="{4C886218-5A44-4E6F-A89B-183D5864A560}" type="slidenum">
               <a:rPr b="0" lang="en-US" sz="1200" spc="-1" strike="noStrike">
                 <a:solidFill>
                   <a:srgbClr val="000000"/>
@@ -3318,7 +2500,7 @@
       </p:grpSpPr>
       <p:sp>
         <p:nvSpPr>
-          <p:cNvPr id="222" name="PlaceHolder 1"/>
+          <p:cNvPr id="227" name="PlaceHolder 1"/>
           <p:cNvSpPr>
             <a:spLocks noGrp="1"/>
           </p:cNvSpPr>
@@ -3338,7 +2520,7 @@
       </p:sp>
       <p:sp>
         <p:nvSpPr>
-          <p:cNvPr id="223" name="PlaceHolder 2"/>
+          <p:cNvPr id="228" name="PlaceHolder 2"/>
           <p:cNvSpPr>
             <a:spLocks noGrp="1"/>
           </p:cNvSpPr>
@@ -3371,7 +2553,7 @@
                 <a:latin typeface="+mn-lt"/>
                 <a:ea typeface="+mn-ea"/>
               </a:rPr>
-              <a:t>Column Family là một database object trong Column-Oriented NoSQL Database, với dữ liệu được lưu trữ và </a:t>
+              <a:t>Column Family là một </a:t>
             </a:r>
             <a:r>
               <a:rPr b="0" lang="en-US" sz="1200" spc="-1" strike="noStrike">
@@ -3381,7 +2563,77 @@
                 <a:latin typeface="+mn-lt"/>
                 <a:ea typeface="+mn-ea"/>
               </a:rPr>
-              <a:t>truy xuất theo các cột thay vì các hàng như trong các loại cơ sở dữ liệu quan hệ</a:t>
+              <a:t>database object trong </a:t>
+            </a:r>
+            <a:r>
+              <a:rPr b="0" lang="en-US" sz="1200" spc="-1" strike="noStrike">
+                <a:solidFill>
+                  <a:srgbClr val="000000"/>
+                </a:solidFill>
+                <a:latin typeface="+mn-lt"/>
+                <a:ea typeface="+mn-ea"/>
+              </a:rPr>
+              <a:t>Column-Oriented </a:t>
+            </a:r>
+            <a:r>
+              <a:rPr b="0" lang="en-US" sz="1200" spc="-1" strike="noStrike">
+                <a:solidFill>
+                  <a:srgbClr val="000000"/>
+                </a:solidFill>
+                <a:latin typeface="+mn-lt"/>
+                <a:ea typeface="+mn-ea"/>
+              </a:rPr>
+              <a:t>NoSQL Database, với </a:t>
+            </a:r>
+            <a:r>
+              <a:rPr b="0" lang="en-US" sz="1200" spc="-1" strike="noStrike">
+                <a:solidFill>
+                  <a:srgbClr val="000000"/>
+                </a:solidFill>
+                <a:latin typeface="+mn-lt"/>
+                <a:ea typeface="+mn-ea"/>
+              </a:rPr>
+              <a:t>dữ liệu được lưu trữ </a:t>
+            </a:r>
+            <a:r>
+              <a:rPr b="0" lang="en-US" sz="1200" spc="-1" strike="noStrike">
+                <a:solidFill>
+                  <a:srgbClr val="000000"/>
+                </a:solidFill>
+                <a:latin typeface="+mn-lt"/>
+                <a:ea typeface="+mn-ea"/>
+              </a:rPr>
+              <a:t>và truy xuất theo các </a:t>
+            </a:r>
+            <a:r>
+              <a:rPr b="0" lang="en-US" sz="1200" spc="-1" strike="noStrike">
+                <a:solidFill>
+                  <a:srgbClr val="000000"/>
+                </a:solidFill>
+                <a:latin typeface="+mn-lt"/>
+                <a:ea typeface="+mn-ea"/>
+              </a:rPr>
+              <a:t>cột thay vì các hàng </a:t>
+            </a:r>
+            <a:r>
+              <a:rPr b="0" lang="en-US" sz="1200" spc="-1" strike="noStrike">
+                <a:solidFill>
+                  <a:srgbClr val="000000"/>
+                </a:solidFill>
+                <a:latin typeface="+mn-lt"/>
+                <a:ea typeface="+mn-ea"/>
+              </a:rPr>
+              <a:t>như trong các loại cơ </a:t>
+            </a:r>
+            <a:r>
+              <a:rPr b="0" lang="en-US" sz="1200" spc="-1" strike="noStrike">
+                <a:solidFill>
+                  <a:srgbClr val="000000"/>
+                </a:solidFill>
+                <a:latin typeface="+mn-lt"/>
+                <a:ea typeface="+mn-ea"/>
+              </a:rPr>
+              <a:t>sở dữ liệu quan hệ</a:t>
             </a:r>
             <a:r>
               <a:rPr b="0" lang="en-US" sz="1200" spc="-1" strike="noStrike">
@@ -3401,7 +2653,7 @@
       </p:sp>
       <p:sp>
         <p:nvSpPr>
-          <p:cNvPr id="224" name="TextShape 3"/>
+          <p:cNvPr id="229" name="TextShape 3"/>
           <p:cNvSpPr txBox="1"/>
           <p:nvPr/>
         </p:nvSpPr>
@@ -3426,7 +2678,7 @@
                 <a:spcPct val="100000"/>
               </a:lnSpc>
             </a:pPr>
-            <a:fld id="{1D5ABE44-150E-41ED-92D9-B49DE0750418}" type="slidenum">
+            <a:fld id="{6261F206-F5EE-45BD-900F-772C242334D2}" type="slidenum">
               <a:rPr b="0" lang="en-US" sz="1200" spc="-1" strike="noStrike">
                 <a:solidFill>
                   <a:srgbClr val="000000"/>
@@ -3466,7 +2718,7 @@
       </p:grpSpPr>
       <p:sp>
         <p:nvSpPr>
-          <p:cNvPr id="225" name="PlaceHolder 1"/>
+          <p:cNvPr id="230" name="PlaceHolder 1"/>
           <p:cNvSpPr>
             <a:spLocks noGrp="1"/>
           </p:cNvSpPr>
@@ -3486,7 +2738,7 @@
       </p:sp>
       <p:sp>
         <p:nvSpPr>
-          <p:cNvPr id="226" name="PlaceHolder 2"/>
+          <p:cNvPr id="231" name="PlaceHolder 2"/>
           <p:cNvSpPr>
             <a:spLocks noGrp="1"/>
           </p:cNvSpPr>
@@ -3524,7 +2776,57 @@
                 <a:latin typeface="+mn-lt"/>
                 <a:ea typeface="+mn-ea"/>
               </a:rPr>
-              <a:t>Mỗi hàng có thể chứa các cột tùy ý (không cần thiết phải giống nhau giữa các hàng)</a:t>
+              <a:t>Mỗi hàng có thể </a:t>
+            </a:r>
+            <a:r>
+              <a:rPr b="0" lang="en-US" sz="1200" spc="-1" strike="noStrike">
+                <a:solidFill>
+                  <a:srgbClr val="000000"/>
+                </a:solidFill>
+                <a:latin typeface="+mn-lt"/>
+                <a:ea typeface="+mn-ea"/>
+              </a:rPr>
+              <a:t>chứa các cột tùy </a:t>
+            </a:r>
+            <a:r>
+              <a:rPr b="0" lang="en-US" sz="1200" spc="-1" strike="noStrike">
+                <a:solidFill>
+                  <a:srgbClr val="000000"/>
+                </a:solidFill>
+                <a:latin typeface="+mn-lt"/>
+                <a:ea typeface="+mn-ea"/>
+              </a:rPr>
+              <a:t>ý (không cần </a:t>
+            </a:r>
+            <a:r>
+              <a:rPr b="0" lang="en-US" sz="1200" spc="-1" strike="noStrike">
+                <a:solidFill>
+                  <a:srgbClr val="000000"/>
+                </a:solidFill>
+                <a:latin typeface="+mn-lt"/>
+                <a:ea typeface="+mn-ea"/>
+              </a:rPr>
+              <a:t>thiết phải giống </a:t>
+            </a:r>
+            <a:r>
+              <a:rPr b="0" lang="en-US" sz="1200" spc="-1" strike="noStrike">
+                <a:solidFill>
+                  <a:srgbClr val="000000"/>
+                </a:solidFill>
+                <a:latin typeface="+mn-lt"/>
+                <a:ea typeface="+mn-ea"/>
+              </a:rPr>
+              <a:t>nhau giữa các </a:t>
+            </a:r>
+            <a:r>
+              <a:rPr b="0" lang="en-US" sz="1200" spc="-1" strike="noStrike">
+                <a:solidFill>
+                  <a:srgbClr val="000000"/>
+                </a:solidFill>
+                <a:latin typeface="+mn-lt"/>
+                <a:ea typeface="+mn-ea"/>
+              </a:rPr>
+              <a:t>hàng)</a:t>
             </a:r>
             <a:endParaRPr b="0" lang="en-US" sz="1200" spc="-1" strike="noStrike">
               <a:latin typeface="Arial"/>
@@ -3549,7 +2851,77 @@
                 <a:latin typeface="+mn-lt"/>
                 <a:ea typeface="+mn-ea"/>
               </a:rPr>
-              <a:t>Nhiều Column Family có liên hệ với nhau về mặt logic tạo thành 1 cơ sở dữ liệu hoàn chỉnh (Column Families)</a:t>
+              <a:t>Nhiều Column </a:t>
+            </a:r>
+            <a:r>
+              <a:rPr b="0" lang="en-US" sz="1200" spc="-1" strike="noStrike">
+                <a:solidFill>
+                  <a:srgbClr val="000000"/>
+                </a:solidFill>
+                <a:latin typeface="+mn-lt"/>
+                <a:ea typeface="+mn-ea"/>
+              </a:rPr>
+              <a:t>Family có liên hệ </a:t>
+            </a:r>
+            <a:r>
+              <a:rPr b="0" lang="en-US" sz="1200" spc="-1" strike="noStrike">
+                <a:solidFill>
+                  <a:srgbClr val="000000"/>
+                </a:solidFill>
+                <a:latin typeface="+mn-lt"/>
+                <a:ea typeface="+mn-ea"/>
+              </a:rPr>
+              <a:t>với nhau về mặt </a:t>
+            </a:r>
+            <a:r>
+              <a:rPr b="0" lang="en-US" sz="1200" spc="-1" strike="noStrike">
+                <a:solidFill>
+                  <a:srgbClr val="000000"/>
+                </a:solidFill>
+                <a:latin typeface="+mn-lt"/>
+                <a:ea typeface="+mn-ea"/>
+              </a:rPr>
+              <a:t>logic tạo thành 1 </a:t>
+            </a:r>
+            <a:r>
+              <a:rPr b="0" lang="en-US" sz="1200" spc="-1" strike="noStrike">
+                <a:solidFill>
+                  <a:srgbClr val="000000"/>
+                </a:solidFill>
+                <a:latin typeface="+mn-lt"/>
+                <a:ea typeface="+mn-ea"/>
+              </a:rPr>
+              <a:t>cơ sở dữ liệu </a:t>
+            </a:r>
+            <a:r>
+              <a:rPr b="0" lang="en-US" sz="1200" spc="-1" strike="noStrike">
+                <a:solidFill>
+                  <a:srgbClr val="000000"/>
+                </a:solidFill>
+                <a:latin typeface="+mn-lt"/>
+                <a:ea typeface="+mn-ea"/>
+              </a:rPr>
+              <a:t>hoàn chỉnh </a:t>
+            </a:r>
+            <a:r>
+              <a:rPr b="0" lang="en-US" sz="1200" spc="-1" strike="noStrike">
+                <a:solidFill>
+                  <a:srgbClr val="000000"/>
+                </a:solidFill>
+                <a:latin typeface="+mn-lt"/>
+                <a:ea typeface="+mn-ea"/>
+              </a:rPr>
+              <a:t>(Column </a:t>
+            </a:r>
+            <a:r>
+              <a:rPr b="0" lang="en-US" sz="1200" spc="-1" strike="noStrike">
+                <a:solidFill>
+                  <a:srgbClr val="000000"/>
+                </a:solidFill>
+                <a:latin typeface="+mn-lt"/>
+                <a:ea typeface="+mn-ea"/>
+              </a:rPr>
+              <a:t>Families)</a:t>
             </a:r>
             <a:endParaRPr b="0" lang="en-US" sz="1200" spc="-1" strike="noStrike">
               <a:latin typeface="Arial"/>
@@ -3574,7 +2946,127 @@
                 <a:latin typeface="+mn-lt"/>
                 <a:ea typeface="+mn-ea"/>
               </a:rPr>
-              <a:t>Được tối ưu cho các hệ thống online analytical processing (các thao tác chủ yếu là query thông tin trên các cột để phân tích) (giảm khối lượng công việc và thời gian cần để thao tác với dữ liệu trên đĩa cứng)</a:t>
+              <a:t>Được tối ưu cho </a:t>
+            </a:r>
+            <a:r>
+              <a:rPr b="0" lang="en-US" sz="1200" spc="-1" strike="noStrike">
+                <a:solidFill>
+                  <a:srgbClr val="000000"/>
+                </a:solidFill>
+                <a:latin typeface="+mn-lt"/>
+                <a:ea typeface="+mn-ea"/>
+              </a:rPr>
+              <a:t>các hệ thống </a:t>
+            </a:r>
+            <a:r>
+              <a:rPr b="0" lang="en-US" sz="1200" spc="-1" strike="noStrike">
+                <a:solidFill>
+                  <a:srgbClr val="000000"/>
+                </a:solidFill>
+                <a:latin typeface="+mn-lt"/>
+                <a:ea typeface="+mn-ea"/>
+              </a:rPr>
+              <a:t>online analytical </a:t>
+            </a:r>
+            <a:r>
+              <a:rPr b="0" lang="en-US" sz="1200" spc="-1" strike="noStrike">
+                <a:solidFill>
+                  <a:srgbClr val="000000"/>
+                </a:solidFill>
+                <a:latin typeface="+mn-lt"/>
+                <a:ea typeface="+mn-ea"/>
+              </a:rPr>
+              <a:t>processing (các </a:t>
+            </a:r>
+            <a:r>
+              <a:rPr b="0" lang="en-US" sz="1200" spc="-1" strike="noStrike">
+                <a:solidFill>
+                  <a:srgbClr val="000000"/>
+                </a:solidFill>
+                <a:latin typeface="+mn-lt"/>
+                <a:ea typeface="+mn-ea"/>
+              </a:rPr>
+              <a:t>thao tác chủ yếu </a:t>
+            </a:r>
+            <a:r>
+              <a:rPr b="0" lang="en-US" sz="1200" spc="-1" strike="noStrike">
+                <a:solidFill>
+                  <a:srgbClr val="000000"/>
+                </a:solidFill>
+                <a:latin typeface="+mn-lt"/>
+                <a:ea typeface="+mn-ea"/>
+              </a:rPr>
+              <a:t>là query thông </a:t>
+            </a:r>
+            <a:r>
+              <a:rPr b="0" lang="en-US" sz="1200" spc="-1" strike="noStrike">
+                <a:solidFill>
+                  <a:srgbClr val="000000"/>
+                </a:solidFill>
+                <a:latin typeface="+mn-lt"/>
+                <a:ea typeface="+mn-ea"/>
+              </a:rPr>
+              <a:t>tin trên các cột </a:t>
+            </a:r>
+            <a:r>
+              <a:rPr b="0" lang="en-US" sz="1200" spc="-1" strike="noStrike">
+                <a:solidFill>
+                  <a:srgbClr val="000000"/>
+                </a:solidFill>
+                <a:latin typeface="+mn-lt"/>
+                <a:ea typeface="+mn-ea"/>
+              </a:rPr>
+              <a:t>để phân tích) </a:t>
+            </a:r>
+            <a:r>
+              <a:rPr b="0" lang="en-US" sz="1200" spc="-1" strike="noStrike">
+                <a:solidFill>
+                  <a:srgbClr val="000000"/>
+                </a:solidFill>
+                <a:latin typeface="+mn-lt"/>
+                <a:ea typeface="+mn-ea"/>
+              </a:rPr>
+              <a:t>(giảm khối lượng </a:t>
+            </a:r>
+            <a:r>
+              <a:rPr b="0" lang="en-US" sz="1200" spc="-1" strike="noStrike">
+                <a:solidFill>
+                  <a:srgbClr val="000000"/>
+                </a:solidFill>
+                <a:latin typeface="+mn-lt"/>
+                <a:ea typeface="+mn-ea"/>
+              </a:rPr>
+              <a:t>công việc và thời </a:t>
+            </a:r>
+            <a:r>
+              <a:rPr b="0" lang="en-US" sz="1200" spc="-1" strike="noStrike">
+                <a:solidFill>
+                  <a:srgbClr val="000000"/>
+                </a:solidFill>
+                <a:latin typeface="+mn-lt"/>
+                <a:ea typeface="+mn-ea"/>
+              </a:rPr>
+              <a:t>gian cần để thao </a:t>
+            </a:r>
+            <a:r>
+              <a:rPr b="0" lang="en-US" sz="1200" spc="-1" strike="noStrike">
+                <a:solidFill>
+                  <a:srgbClr val="000000"/>
+                </a:solidFill>
+                <a:latin typeface="+mn-lt"/>
+                <a:ea typeface="+mn-ea"/>
+              </a:rPr>
+              <a:t>tác với dữ liệu </a:t>
+            </a:r>
+            <a:r>
+              <a:rPr b="0" lang="en-US" sz="1200" spc="-1" strike="noStrike">
+                <a:solidFill>
+                  <a:srgbClr val="000000"/>
+                </a:solidFill>
+                <a:latin typeface="+mn-lt"/>
+                <a:ea typeface="+mn-ea"/>
+              </a:rPr>
+              <a:t>trên đĩa cứng)</a:t>
             </a:r>
             <a:endParaRPr b="0" lang="en-US" sz="1200" spc="-1" strike="noStrike">
               <a:latin typeface="Arial"/>
@@ -3599,7 +3091,37 @@
                 <a:latin typeface="+mn-lt"/>
                 <a:ea typeface="+mn-ea"/>
               </a:rPr>
-              <a:t>Thích hợp với các hệ thống data warehousing và xử lý Big Data</a:t>
+              <a:t>Thích hợp với các </a:t>
+            </a:r>
+            <a:r>
+              <a:rPr b="0" lang="en-US" sz="1200" spc="-1" strike="noStrike">
+                <a:solidFill>
+                  <a:srgbClr val="000000"/>
+                </a:solidFill>
+                <a:latin typeface="+mn-lt"/>
+                <a:ea typeface="+mn-ea"/>
+              </a:rPr>
+              <a:t>hệ thống data </a:t>
+            </a:r>
+            <a:r>
+              <a:rPr b="0" lang="en-US" sz="1200" spc="-1" strike="noStrike">
+                <a:solidFill>
+                  <a:srgbClr val="000000"/>
+                </a:solidFill>
+                <a:latin typeface="+mn-lt"/>
+                <a:ea typeface="+mn-ea"/>
+              </a:rPr>
+              <a:t>warehousing và </a:t>
+            </a:r>
+            <a:r>
+              <a:rPr b="0" lang="en-US" sz="1200" spc="-1" strike="noStrike">
+                <a:solidFill>
+                  <a:srgbClr val="000000"/>
+                </a:solidFill>
+                <a:latin typeface="+mn-lt"/>
+                <a:ea typeface="+mn-ea"/>
+              </a:rPr>
+              <a:t>xử lý Big Data</a:t>
             </a:r>
             <a:endParaRPr b="0" lang="en-US" sz="1200" spc="-1" strike="noStrike">
               <a:latin typeface="Arial"/>
@@ -3619,7 +3141,7 @@
       </p:sp>
       <p:sp>
         <p:nvSpPr>
-          <p:cNvPr id="227" name="TextShape 3"/>
+          <p:cNvPr id="232" name="TextShape 3"/>
           <p:cNvSpPr txBox="1"/>
           <p:nvPr/>
         </p:nvSpPr>
@@ -3644,7 +3166,7 @@
                 <a:spcPct val="100000"/>
               </a:lnSpc>
             </a:pPr>
-            <a:fld id="{65C1E5D7-5451-4F59-9972-3CF0093F4DD7}" type="slidenum">
+            <a:fld id="{7E93F1B2-A2A8-49E2-9336-1083E63C8D2B}" type="slidenum">
               <a:rPr b="0" lang="en-US" sz="1200" spc="-1" strike="noStrike">
                 <a:solidFill>
                   <a:srgbClr val="000000"/>
@@ -3684,7 +3206,7 @@
       </p:grpSpPr>
       <p:sp>
         <p:nvSpPr>
-          <p:cNvPr id="228" name="PlaceHolder 1"/>
+          <p:cNvPr id="233" name="PlaceHolder 1"/>
           <p:cNvSpPr>
             <a:spLocks noGrp="1"/>
           </p:cNvSpPr>
@@ -3704,7 +3226,7 @@
       </p:sp>
       <p:sp>
         <p:nvSpPr>
-          <p:cNvPr id="229" name="PlaceHolder 2"/>
+          <p:cNvPr id="234" name="PlaceHolder 2"/>
           <p:cNvSpPr>
             <a:spLocks noGrp="1"/>
           </p:cNvSpPr>
@@ -3763,7 +3285,277 @@
                 <a:latin typeface="+mn-lt"/>
                 <a:ea typeface="+mn-ea"/>
               </a:rPr>
-              <a:t>Compression: do dữ liệu trên mỗi Column Family chỉ gồm 1 loại, nên có thể chọn cách nén riêng cho từng Column Family, làm tăng hiệu quả</a:t>
+              <a:t>Comp</a:t>
+            </a:r>
+            <a:r>
+              <a:rPr b="0" lang="en-US" sz="2200" spc="-1" strike="noStrike">
+                <a:solidFill>
+                  <a:srgbClr val="000000"/>
+                </a:solidFill>
+                <a:latin typeface="+mn-lt"/>
+                <a:ea typeface="+mn-ea"/>
+              </a:rPr>
+              <a:t>ressio</a:t>
+            </a:r>
+            <a:r>
+              <a:rPr b="0" lang="en-US" sz="2200" spc="-1" strike="noStrike">
+                <a:solidFill>
+                  <a:srgbClr val="000000"/>
+                </a:solidFill>
+                <a:latin typeface="+mn-lt"/>
+                <a:ea typeface="+mn-ea"/>
+              </a:rPr>
+              <a:t>n: do </a:t>
+            </a:r>
+            <a:r>
+              <a:rPr b="0" lang="en-US" sz="2200" spc="-1" strike="noStrike">
+                <a:solidFill>
+                  <a:srgbClr val="000000"/>
+                </a:solidFill>
+                <a:latin typeface="+mn-lt"/>
+                <a:ea typeface="+mn-ea"/>
+              </a:rPr>
+              <a:t>dữ </a:t>
+            </a:r>
+            <a:r>
+              <a:rPr b="0" lang="en-US" sz="2200" spc="-1" strike="noStrike">
+                <a:solidFill>
+                  <a:srgbClr val="000000"/>
+                </a:solidFill>
+                <a:latin typeface="+mn-lt"/>
+                <a:ea typeface="+mn-ea"/>
+              </a:rPr>
+              <a:t>liệu </a:t>
+            </a:r>
+            <a:r>
+              <a:rPr b="0" lang="en-US" sz="2200" spc="-1" strike="noStrike">
+                <a:solidFill>
+                  <a:srgbClr val="000000"/>
+                </a:solidFill>
+                <a:latin typeface="+mn-lt"/>
+                <a:ea typeface="+mn-ea"/>
+              </a:rPr>
+              <a:t>trên </a:t>
+            </a:r>
+            <a:r>
+              <a:rPr b="0" lang="en-US" sz="2200" spc="-1" strike="noStrike">
+                <a:solidFill>
+                  <a:srgbClr val="000000"/>
+                </a:solidFill>
+                <a:latin typeface="+mn-lt"/>
+                <a:ea typeface="+mn-ea"/>
+              </a:rPr>
+              <a:t>mỗi </a:t>
+            </a:r>
+            <a:r>
+              <a:rPr b="0" lang="en-US" sz="2200" spc="-1" strike="noStrike">
+                <a:solidFill>
+                  <a:srgbClr val="000000"/>
+                </a:solidFill>
+                <a:latin typeface="+mn-lt"/>
+                <a:ea typeface="+mn-ea"/>
+              </a:rPr>
+              <a:t>Colum</a:t>
+            </a:r>
+            <a:r>
+              <a:rPr b="0" lang="en-US" sz="2200" spc="-1" strike="noStrike">
+                <a:solidFill>
+                  <a:srgbClr val="000000"/>
+                </a:solidFill>
+                <a:latin typeface="+mn-lt"/>
+                <a:ea typeface="+mn-ea"/>
+              </a:rPr>
+              <a:t>n </a:t>
+            </a:r>
+            <a:r>
+              <a:rPr b="0" lang="en-US" sz="2200" spc="-1" strike="noStrike">
+                <a:solidFill>
+                  <a:srgbClr val="000000"/>
+                </a:solidFill>
+                <a:latin typeface="+mn-lt"/>
+                <a:ea typeface="+mn-ea"/>
+              </a:rPr>
+              <a:t>Famil</a:t>
+            </a:r>
+            <a:r>
+              <a:rPr b="0" lang="en-US" sz="2200" spc="-1" strike="noStrike">
+                <a:solidFill>
+                  <a:srgbClr val="000000"/>
+                </a:solidFill>
+                <a:latin typeface="+mn-lt"/>
+                <a:ea typeface="+mn-ea"/>
+              </a:rPr>
+              <a:t>y chỉ </a:t>
+            </a:r>
+            <a:r>
+              <a:rPr b="0" lang="en-US" sz="2200" spc="-1" strike="noStrike">
+                <a:solidFill>
+                  <a:srgbClr val="000000"/>
+                </a:solidFill>
+                <a:latin typeface="+mn-lt"/>
+                <a:ea typeface="+mn-ea"/>
+              </a:rPr>
+              <a:t>gồm 1 </a:t>
+            </a:r>
+            <a:r>
+              <a:rPr b="0" lang="en-US" sz="2200" spc="-1" strike="noStrike">
+                <a:solidFill>
+                  <a:srgbClr val="000000"/>
+                </a:solidFill>
+                <a:latin typeface="+mn-lt"/>
+                <a:ea typeface="+mn-ea"/>
+              </a:rPr>
+              <a:t>loại, </a:t>
+            </a:r>
+            <a:r>
+              <a:rPr b="0" lang="en-US" sz="2200" spc="-1" strike="noStrike">
+                <a:solidFill>
+                  <a:srgbClr val="000000"/>
+                </a:solidFill>
+                <a:latin typeface="+mn-lt"/>
+                <a:ea typeface="+mn-ea"/>
+              </a:rPr>
+              <a:t>nên </a:t>
+            </a:r>
+            <a:r>
+              <a:rPr b="0" lang="en-US" sz="2200" spc="-1" strike="noStrike">
+                <a:solidFill>
+                  <a:srgbClr val="000000"/>
+                </a:solidFill>
+                <a:latin typeface="+mn-lt"/>
+                <a:ea typeface="+mn-ea"/>
+              </a:rPr>
+              <a:t>có thể </a:t>
+            </a:r>
+            <a:r>
+              <a:rPr b="0" lang="en-US" sz="2200" spc="-1" strike="noStrike">
+                <a:solidFill>
+                  <a:srgbClr val="000000"/>
+                </a:solidFill>
+                <a:latin typeface="+mn-lt"/>
+                <a:ea typeface="+mn-ea"/>
+              </a:rPr>
+              <a:t>chọn </a:t>
+            </a:r>
+            <a:r>
+              <a:rPr b="0" lang="en-US" sz="2200" spc="-1" strike="noStrike">
+                <a:solidFill>
+                  <a:srgbClr val="000000"/>
+                </a:solidFill>
+                <a:latin typeface="+mn-lt"/>
+                <a:ea typeface="+mn-ea"/>
+              </a:rPr>
+              <a:t>cách </a:t>
+            </a:r>
+            <a:r>
+              <a:rPr b="0" lang="en-US" sz="2200" spc="-1" strike="noStrike">
+                <a:solidFill>
+                  <a:srgbClr val="000000"/>
+                </a:solidFill>
+                <a:latin typeface="+mn-lt"/>
+                <a:ea typeface="+mn-ea"/>
+              </a:rPr>
+              <a:t>nén </a:t>
+            </a:r>
+            <a:r>
+              <a:rPr b="0" lang="en-US" sz="2200" spc="-1" strike="noStrike">
+                <a:solidFill>
+                  <a:srgbClr val="000000"/>
+                </a:solidFill>
+                <a:latin typeface="+mn-lt"/>
+                <a:ea typeface="+mn-ea"/>
+              </a:rPr>
+              <a:t>riêng </a:t>
+            </a:r>
+            <a:r>
+              <a:rPr b="0" lang="en-US" sz="2200" spc="-1" strike="noStrike">
+                <a:solidFill>
+                  <a:srgbClr val="000000"/>
+                </a:solidFill>
+                <a:latin typeface="+mn-lt"/>
+                <a:ea typeface="+mn-ea"/>
+              </a:rPr>
+              <a:t>cho </a:t>
+            </a:r>
+            <a:r>
+              <a:rPr b="0" lang="en-US" sz="2200" spc="-1" strike="noStrike">
+                <a:solidFill>
+                  <a:srgbClr val="000000"/>
+                </a:solidFill>
+                <a:latin typeface="+mn-lt"/>
+                <a:ea typeface="+mn-ea"/>
+              </a:rPr>
+              <a:t>từng </a:t>
+            </a:r>
+            <a:r>
+              <a:rPr b="0" lang="en-US" sz="2200" spc="-1" strike="noStrike">
+                <a:solidFill>
+                  <a:srgbClr val="000000"/>
+                </a:solidFill>
+                <a:latin typeface="+mn-lt"/>
+                <a:ea typeface="+mn-ea"/>
+              </a:rPr>
+              <a:t>Colum</a:t>
+            </a:r>
+            <a:r>
+              <a:rPr b="0" lang="en-US" sz="2200" spc="-1" strike="noStrike">
+                <a:solidFill>
+                  <a:srgbClr val="000000"/>
+                </a:solidFill>
+                <a:latin typeface="+mn-lt"/>
+                <a:ea typeface="+mn-ea"/>
+              </a:rPr>
+              <a:t>n </a:t>
+            </a:r>
+            <a:r>
+              <a:rPr b="0" lang="en-US" sz="2200" spc="-1" strike="noStrike">
+                <a:solidFill>
+                  <a:srgbClr val="000000"/>
+                </a:solidFill>
+                <a:latin typeface="+mn-lt"/>
+                <a:ea typeface="+mn-ea"/>
+              </a:rPr>
+              <a:t>Famil</a:t>
+            </a:r>
+            <a:r>
+              <a:rPr b="0" lang="en-US" sz="2200" spc="-1" strike="noStrike">
+                <a:solidFill>
+                  <a:srgbClr val="000000"/>
+                </a:solidFill>
+                <a:latin typeface="+mn-lt"/>
+                <a:ea typeface="+mn-ea"/>
+              </a:rPr>
+              <a:t>y, làm </a:t>
+            </a:r>
+            <a:r>
+              <a:rPr b="0" lang="en-US" sz="2200" spc="-1" strike="noStrike">
+                <a:solidFill>
+                  <a:srgbClr val="000000"/>
+                </a:solidFill>
+                <a:latin typeface="+mn-lt"/>
+                <a:ea typeface="+mn-ea"/>
+              </a:rPr>
+              <a:t>tăng </a:t>
+            </a:r>
+            <a:r>
+              <a:rPr b="0" lang="en-US" sz="2200" spc="-1" strike="noStrike">
+                <a:solidFill>
+                  <a:srgbClr val="000000"/>
+                </a:solidFill>
+                <a:latin typeface="+mn-lt"/>
+                <a:ea typeface="+mn-ea"/>
+              </a:rPr>
+              <a:t>hiệu </a:t>
+            </a:r>
+            <a:r>
+              <a:rPr b="0" lang="en-US" sz="2200" spc="-1" strike="noStrike">
+                <a:solidFill>
+                  <a:srgbClr val="000000"/>
+                </a:solidFill>
+                <a:latin typeface="+mn-lt"/>
+                <a:ea typeface="+mn-ea"/>
+              </a:rPr>
+              <a:t>quả</a:t>
             </a:r>
             <a:endParaRPr b="0" lang="en-US" sz="2200" spc="-1" strike="noStrike">
               <a:latin typeface="Arial"/>
@@ -3788,7 +3580,117 @@
                 <a:latin typeface="+mn-lt"/>
                 <a:ea typeface="+mn-ea"/>
               </a:rPr>
-              <a:t>Dễ dàng mở rộng và chia nhỏ (scalability and partitioning)</a:t>
+              <a:t>Dễ </a:t>
+            </a:r>
+            <a:r>
+              <a:rPr b="0" lang="en-US" sz="2200" spc="-1" strike="noStrike">
+                <a:solidFill>
+                  <a:srgbClr val="000000"/>
+                </a:solidFill>
+                <a:latin typeface="+mn-lt"/>
+                <a:ea typeface="+mn-ea"/>
+              </a:rPr>
+              <a:t>dàng </a:t>
+            </a:r>
+            <a:r>
+              <a:rPr b="0" lang="en-US" sz="2200" spc="-1" strike="noStrike">
+                <a:solidFill>
+                  <a:srgbClr val="000000"/>
+                </a:solidFill>
+                <a:latin typeface="+mn-lt"/>
+                <a:ea typeface="+mn-ea"/>
+              </a:rPr>
+              <a:t>mở </a:t>
+            </a:r>
+            <a:r>
+              <a:rPr b="0" lang="en-US" sz="2200" spc="-1" strike="noStrike">
+                <a:solidFill>
+                  <a:srgbClr val="000000"/>
+                </a:solidFill>
+                <a:latin typeface="+mn-lt"/>
+                <a:ea typeface="+mn-ea"/>
+              </a:rPr>
+              <a:t>rộng </a:t>
+            </a:r>
+            <a:r>
+              <a:rPr b="0" lang="en-US" sz="2200" spc="-1" strike="noStrike">
+                <a:solidFill>
+                  <a:srgbClr val="000000"/>
+                </a:solidFill>
+                <a:latin typeface="+mn-lt"/>
+                <a:ea typeface="+mn-ea"/>
+              </a:rPr>
+              <a:t>và </a:t>
+            </a:r>
+            <a:r>
+              <a:rPr b="0" lang="en-US" sz="2200" spc="-1" strike="noStrike">
+                <a:solidFill>
+                  <a:srgbClr val="000000"/>
+                </a:solidFill>
+                <a:latin typeface="+mn-lt"/>
+                <a:ea typeface="+mn-ea"/>
+              </a:rPr>
+              <a:t>chia </a:t>
+            </a:r>
+            <a:r>
+              <a:rPr b="0" lang="en-US" sz="2200" spc="-1" strike="noStrike">
+                <a:solidFill>
+                  <a:srgbClr val="000000"/>
+                </a:solidFill>
+                <a:latin typeface="+mn-lt"/>
+                <a:ea typeface="+mn-ea"/>
+              </a:rPr>
+              <a:t>nhỏ </a:t>
+            </a:r>
+            <a:r>
+              <a:rPr b="0" lang="en-US" sz="2200" spc="-1" strike="noStrike">
+                <a:solidFill>
+                  <a:srgbClr val="000000"/>
+                </a:solidFill>
+                <a:latin typeface="+mn-lt"/>
+                <a:ea typeface="+mn-ea"/>
+              </a:rPr>
+              <a:t>(scala</a:t>
+            </a:r>
+            <a:r>
+              <a:rPr b="0" lang="en-US" sz="2200" spc="-1" strike="noStrike">
+                <a:solidFill>
+                  <a:srgbClr val="000000"/>
+                </a:solidFill>
+                <a:latin typeface="+mn-lt"/>
+                <a:ea typeface="+mn-ea"/>
+              </a:rPr>
+              <a:t>bility </a:t>
+            </a:r>
+            <a:r>
+              <a:rPr b="0" lang="en-US" sz="2200" spc="-1" strike="noStrike">
+                <a:solidFill>
+                  <a:srgbClr val="000000"/>
+                </a:solidFill>
+                <a:latin typeface="+mn-lt"/>
+                <a:ea typeface="+mn-ea"/>
+              </a:rPr>
+              <a:t>and </a:t>
+            </a:r>
+            <a:r>
+              <a:rPr b="0" lang="en-US" sz="2200" spc="-1" strike="noStrike">
+                <a:solidFill>
+                  <a:srgbClr val="000000"/>
+                </a:solidFill>
+                <a:latin typeface="+mn-lt"/>
+                <a:ea typeface="+mn-ea"/>
+              </a:rPr>
+              <a:t>partiti</a:t>
+            </a:r>
+            <a:r>
+              <a:rPr b="0" lang="en-US" sz="2200" spc="-1" strike="noStrike">
+                <a:solidFill>
+                  <a:srgbClr val="000000"/>
+                </a:solidFill>
+                <a:latin typeface="+mn-lt"/>
+                <a:ea typeface="+mn-ea"/>
+              </a:rPr>
+              <a:t>oning)</a:t>
             </a:r>
             <a:endParaRPr b="0" lang="en-US" sz="2200" spc="-1" strike="noStrike">
               <a:latin typeface="Arial"/>
@@ -3813,7 +3715,127 @@
                 <a:latin typeface="+mn-lt"/>
                 <a:ea typeface="+mn-ea"/>
               </a:rPr>
-              <a:t>Nhanh với những query chỉ cần dữ liệu trên 1 Column Family</a:t>
+              <a:t>Nhan</a:t>
+            </a:r>
+            <a:r>
+              <a:rPr b="0" lang="en-US" sz="2200" spc="-1" strike="noStrike">
+                <a:solidFill>
+                  <a:srgbClr val="000000"/>
+                </a:solidFill>
+                <a:latin typeface="+mn-lt"/>
+                <a:ea typeface="+mn-ea"/>
+              </a:rPr>
+              <a:t>h với </a:t>
+            </a:r>
+            <a:r>
+              <a:rPr b="0" lang="en-US" sz="2200" spc="-1" strike="noStrike">
+                <a:solidFill>
+                  <a:srgbClr val="000000"/>
+                </a:solidFill>
+                <a:latin typeface="+mn-lt"/>
+                <a:ea typeface="+mn-ea"/>
+              </a:rPr>
+              <a:t>những </a:t>
+            </a:r>
+            <a:r>
+              <a:rPr b="0" lang="en-US" sz="2200" spc="-1" strike="noStrike">
+                <a:solidFill>
+                  <a:srgbClr val="000000"/>
+                </a:solidFill>
+                <a:latin typeface="+mn-lt"/>
+                <a:ea typeface="+mn-ea"/>
+              </a:rPr>
+              <a:t>query </a:t>
+            </a:r>
+            <a:r>
+              <a:rPr b="0" lang="en-US" sz="2200" spc="-1" strike="noStrike">
+                <a:solidFill>
+                  <a:srgbClr val="000000"/>
+                </a:solidFill>
+                <a:latin typeface="+mn-lt"/>
+                <a:ea typeface="+mn-ea"/>
+              </a:rPr>
+              <a:t>chỉ </a:t>
+            </a:r>
+            <a:r>
+              <a:rPr b="0" lang="en-US" sz="2200" spc="-1" strike="noStrike">
+                <a:solidFill>
+                  <a:srgbClr val="000000"/>
+                </a:solidFill>
+                <a:latin typeface="+mn-lt"/>
+                <a:ea typeface="+mn-ea"/>
+              </a:rPr>
+              <a:t>cần </a:t>
+            </a:r>
+            <a:r>
+              <a:rPr b="0" lang="en-US" sz="2200" spc="-1" strike="noStrike">
+                <a:solidFill>
+                  <a:srgbClr val="000000"/>
+                </a:solidFill>
+                <a:latin typeface="+mn-lt"/>
+                <a:ea typeface="+mn-ea"/>
+              </a:rPr>
+              <a:t>dữ </a:t>
+            </a:r>
+            <a:r>
+              <a:rPr b="0" lang="en-US" sz="2200" spc="-1" strike="noStrike">
+                <a:solidFill>
+                  <a:srgbClr val="000000"/>
+                </a:solidFill>
+                <a:latin typeface="+mn-lt"/>
+                <a:ea typeface="+mn-ea"/>
+              </a:rPr>
+              <a:t>liệu </a:t>
+            </a:r>
+            <a:r>
+              <a:rPr b="0" lang="en-US" sz="2200" spc="-1" strike="noStrike">
+                <a:solidFill>
+                  <a:srgbClr val="000000"/>
+                </a:solidFill>
+                <a:latin typeface="+mn-lt"/>
+                <a:ea typeface="+mn-ea"/>
+              </a:rPr>
+              <a:t>trên 1 </a:t>
+            </a:r>
+            <a:r>
+              <a:rPr b="0" lang="en-US" sz="2200" spc="-1" strike="noStrike">
+                <a:solidFill>
+                  <a:srgbClr val="000000"/>
+                </a:solidFill>
+                <a:latin typeface="+mn-lt"/>
+                <a:ea typeface="+mn-ea"/>
+              </a:rPr>
+              <a:t>Colum</a:t>
+            </a:r>
+            <a:r>
+              <a:rPr b="0" lang="en-US" sz="2200" spc="-1" strike="noStrike">
+                <a:solidFill>
+                  <a:srgbClr val="000000"/>
+                </a:solidFill>
+                <a:latin typeface="+mn-lt"/>
+                <a:ea typeface="+mn-ea"/>
+              </a:rPr>
+              <a:t>n </a:t>
+            </a:r>
+            <a:r>
+              <a:rPr b="0" lang="en-US" sz="2200" spc="-1" strike="noStrike">
+                <a:solidFill>
+                  <a:srgbClr val="000000"/>
+                </a:solidFill>
+                <a:latin typeface="+mn-lt"/>
+                <a:ea typeface="+mn-ea"/>
+              </a:rPr>
+              <a:t>Famil</a:t>
+            </a:r>
+            <a:r>
+              <a:rPr b="0" lang="en-US" sz="2200" spc="-1" strike="noStrike">
+                <a:solidFill>
+                  <a:srgbClr val="000000"/>
+                </a:solidFill>
+                <a:latin typeface="+mn-lt"/>
+                <a:ea typeface="+mn-ea"/>
+              </a:rPr>
+              <a:t>y</a:t>
             </a:r>
             <a:endParaRPr b="0" lang="en-US" sz="2200" spc="-1" strike="noStrike">
               <a:latin typeface="Arial"/>
@@ -3838,7 +3860,237 @@
                 <a:latin typeface="+mn-lt"/>
                 <a:ea typeface="+mn-ea"/>
               </a:rPr>
-              <a:t>Tốc độ tính toán các phép toán cần truy xuất trên toàn bộ tập dữ liệu (dataset) như SUM, COUNT, AVG, ... nhanh</a:t>
+              <a:t>Tốc </a:t>
+            </a:r>
+            <a:r>
+              <a:rPr b="0" lang="en-US" sz="2200" spc="-1" strike="noStrike">
+                <a:solidFill>
+                  <a:srgbClr val="000000"/>
+                </a:solidFill>
+                <a:latin typeface="+mn-lt"/>
+                <a:ea typeface="+mn-ea"/>
+              </a:rPr>
+              <a:t>độ </a:t>
+            </a:r>
+            <a:r>
+              <a:rPr b="0" lang="en-US" sz="2200" spc="-1" strike="noStrike">
+                <a:solidFill>
+                  <a:srgbClr val="000000"/>
+                </a:solidFill>
+                <a:latin typeface="+mn-lt"/>
+                <a:ea typeface="+mn-ea"/>
+              </a:rPr>
+              <a:t>tính </a:t>
+            </a:r>
+            <a:r>
+              <a:rPr b="0" lang="en-US" sz="2200" spc="-1" strike="noStrike">
+                <a:solidFill>
+                  <a:srgbClr val="000000"/>
+                </a:solidFill>
+                <a:latin typeface="+mn-lt"/>
+                <a:ea typeface="+mn-ea"/>
+              </a:rPr>
+              <a:t>toán </a:t>
+            </a:r>
+            <a:r>
+              <a:rPr b="0" lang="en-US" sz="2200" spc="-1" strike="noStrike">
+                <a:solidFill>
+                  <a:srgbClr val="000000"/>
+                </a:solidFill>
+                <a:latin typeface="+mn-lt"/>
+                <a:ea typeface="+mn-ea"/>
+              </a:rPr>
+              <a:t>các </a:t>
+            </a:r>
+            <a:r>
+              <a:rPr b="0" lang="en-US" sz="2200" spc="-1" strike="noStrike">
+                <a:solidFill>
+                  <a:srgbClr val="000000"/>
+                </a:solidFill>
+                <a:latin typeface="+mn-lt"/>
+                <a:ea typeface="+mn-ea"/>
+              </a:rPr>
+              <a:t>phép </a:t>
+            </a:r>
+            <a:r>
+              <a:rPr b="0" lang="en-US" sz="2200" spc="-1" strike="noStrike">
+                <a:solidFill>
+                  <a:srgbClr val="000000"/>
+                </a:solidFill>
+                <a:latin typeface="+mn-lt"/>
+                <a:ea typeface="+mn-ea"/>
+              </a:rPr>
+              <a:t>toán </a:t>
+            </a:r>
+            <a:r>
+              <a:rPr b="0" lang="en-US" sz="2200" spc="-1" strike="noStrike">
+                <a:solidFill>
+                  <a:srgbClr val="000000"/>
+                </a:solidFill>
+                <a:latin typeface="+mn-lt"/>
+                <a:ea typeface="+mn-ea"/>
+              </a:rPr>
+              <a:t>cần </a:t>
+            </a:r>
+            <a:r>
+              <a:rPr b="0" lang="en-US" sz="2200" spc="-1" strike="noStrike">
+                <a:solidFill>
+                  <a:srgbClr val="000000"/>
+                </a:solidFill>
+                <a:latin typeface="+mn-lt"/>
+                <a:ea typeface="+mn-ea"/>
+              </a:rPr>
+              <a:t>truy </a:t>
+            </a:r>
+            <a:r>
+              <a:rPr b="0" lang="en-US" sz="2200" spc="-1" strike="noStrike">
+                <a:solidFill>
+                  <a:srgbClr val="000000"/>
+                </a:solidFill>
+                <a:latin typeface="+mn-lt"/>
+                <a:ea typeface="+mn-ea"/>
+              </a:rPr>
+              <a:t>xuất </a:t>
+            </a:r>
+            <a:r>
+              <a:rPr b="0" lang="en-US" sz="2200" spc="-1" strike="noStrike">
+                <a:solidFill>
+                  <a:srgbClr val="000000"/>
+                </a:solidFill>
+                <a:latin typeface="+mn-lt"/>
+                <a:ea typeface="+mn-ea"/>
+              </a:rPr>
+              <a:t>trên </a:t>
+            </a:r>
+            <a:r>
+              <a:rPr b="0" lang="en-US" sz="2200" spc="-1" strike="noStrike">
+                <a:solidFill>
+                  <a:srgbClr val="000000"/>
+                </a:solidFill>
+                <a:latin typeface="+mn-lt"/>
+                <a:ea typeface="+mn-ea"/>
+              </a:rPr>
+              <a:t>toàn </a:t>
+            </a:r>
+            <a:r>
+              <a:rPr b="0" lang="en-US" sz="2200" spc="-1" strike="noStrike">
+                <a:solidFill>
+                  <a:srgbClr val="000000"/>
+                </a:solidFill>
+                <a:latin typeface="+mn-lt"/>
+                <a:ea typeface="+mn-ea"/>
+              </a:rPr>
+              <a:t>bộ tập </a:t>
+            </a:r>
+            <a:r>
+              <a:rPr b="0" lang="en-US" sz="2200" spc="-1" strike="noStrike">
+                <a:solidFill>
+                  <a:srgbClr val="000000"/>
+                </a:solidFill>
+                <a:latin typeface="+mn-lt"/>
+                <a:ea typeface="+mn-ea"/>
+              </a:rPr>
+              <a:t>dữ </a:t>
+            </a:r>
+            <a:r>
+              <a:rPr b="0" lang="en-US" sz="2200" spc="-1" strike="noStrike">
+                <a:solidFill>
+                  <a:srgbClr val="000000"/>
+                </a:solidFill>
+                <a:latin typeface="+mn-lt"/>
+                <a:ea typeface="+mn-ea"/>
+              </a:rPr>
+              <a:t>liệu </a:t>
+            </a:r>
+            <a:r>
+              <a:rPr b="0" lang="en-US" sz="2200" spc="-1" strike="noStrike">
+                <a:solidFill>
+                  <a:srgbClr val="000000"/>
+                </a:solidFill>
+                <a:latin typeface="+mn-lt"/>
+                <a:ea typeface="+mn-ea"/>
+              </a:rPr>
+              <a:t>(datas</a:t>
+            </a:r>
+            <a:r>
+              <a:rPr b="0" lang="en-US" sz="2200" spc="-1" strike="noStrike">
+                <a:solidFill>
+                  <a:srgbClr val="000000"/>
+                </a:solidFill>
+                <a:latin typeface="+mn-lt"/>
+                <a:ea typeface="+mn-ea"/>
+              </a:rPr>
+              <a:t>et) </a:t>
+            </a:r>
+            <a:r>
+              <a:rPr b="0" lang="en-US" sz="2200" spc="-1" strike="noStrike">
+                <a:solidFill>
+                  <a:srgbClr val="000000"/>
+                </a:solidFill>
+                <a:latin typeface="+mn-lt"/>
+                <a:ea typeface="+mn-ea"/>
+              </a:rPr>
+              <a:t>như </a:t>
+            </a:r>
+            <a:r>
+              <a:rPr b="0" lang="en-US" sz="2200" spc="-1" strike="noStrike">
+                <a:solidFill>
+                  <a:srgbClr val="000000"/>
+                </a:solidFill>
+                <a:latin typeface="+mn-lt"/>
+                <a:ea typeface="+mn-ea"/>
+              </a:rPr>
+              <a:t>SUM, </a:t>
+            </a:r>
+            <a:r>
+              <a:rPr b="0" lang="en-US" sz="2200" spc="-1" strike="noStrike">
+                <a:solidFill>
+                  <a:srgbClr val="000000"/>
+                </a:solidFill>
+                <a:latin typeface="+mn-lt"/>
+                <a:ea typeface="+mn-ea"/>
+              </a:rPr>
+              <a:t>COUN</a:t>
+            </a:r>
+            <a:r>
+              <a:rPr b="0" lang="en-US" sz="2200" spc="-1" strike="noStrike">
+                <a:solidFill>
+                  <a:srgbClr val="000000"/>
+                </a:solidFill>
+                <a:latin typeface="+mn-lt"/>
+                <a:ea typeface="+mn-ea"/>
+              </a:rPr>
+              <a:t>T, </a:t>
+            </a:r>
+            <a:r>
+              <a:rPr b="0" lang="en-US" sz="2200" spc="-1" strike="noStrike">
+                <a:solidFill>
+                  <a:srgbClr val="000000"/>
+                </a:solidFill>
+                <a:latin typeface="+mn-lt"/>
+                <a:ea typeface="+mn-ea"/>
+              </a:rPr>
+              <a:t>AVG, .</a:t>
+            </a:r>
+            <a:r>
+              <a:rPr b="0" lang="en-US" sz="2200" spc="-1" strike="noStrike">
+                <a:solidFill>
+                  <a:srgbClr val="000000"/>
+                </a:solidFill>
+                <a:latin typeface="+mn-lt"/>
+                <a:ea typeface="+mn-ea"/>
+              </a:rPr>
+              <a:t>.. </a:t>
+            </a:r>
+            <a:r>
+              <a:rPr b="0" lang="en-US" sz="2200" spc="-1" strike="noStrike">
+                <a:solidFill>
+                  <a:srgbClr val="000000"/>
+                </a:solidFill>
+                <a:latin typeface="+mn-lt"/>
+                <a:ea typeface="+mn-ea"/>
+              </a:rPr>
+              <a:t>nhanh</a:t>
             </a:r>
             <a:endParaRPr b="0" lang="en-US" sz="2200" spc="-1" strike="noStrike">
               <a:latin typeface="Arial"/>
@@ -3859,7 +4111,18 @@
                 <a:latin typeface="Times New Roman"/>
                 <a:ea typeface="+mn-ea"/>
               </a:rPr>
-              <a:t>Nhược điểm</a:t>
+              <a:t>Nhược </a:t>
+            </a:r>
+            <a:r>
+              <a:rPr b="1" lang="en-US" sz="2800" spc="-1" strike="noStrike" u="sng">
+                <a:solidFill>
+                  <a:srgbClr val="000000"/>
+                </a:solidFill>
+                <a:uFillTx/>
+                <a:latin typeface="Times New Roman"/>
+                <a:ea typeface="+mn-ea"/>
+              </a:rPr>
+              <a:t>điểm</a:t>
             </a:r>
             <a:endParaRPr b="0" lang="en-US" sz="2800" spc="-1" strike="noStrike">
               <a:latin typeface="Arial"/>
@@ -3884,7 +4147,37 @@
                 <a:latin typeface="Times New Roman"/>
                 <a:ea typeface="+mn-ea"/>
               </a:rPr>
-              <a:t>Không hỗ trợ transaction</a:t>
+              <a:t>Không </a:t>
+            </a:r>
+            <a:r>
+              <a:rPr b="0" lang="en-US" sz="2200" spc="-1" strike="noStrike">
+                <a:solidFill>
+                  <a:srgbClr val="000000"/>
+                </a:solidFill>
+                <a:latin typeface="Times New Roman"/>
+                <a:ea typeface="+mn-ea"/>
+              </a:rPr>
+              <a:t>hỗ trợ </a:t>
+            </a:r>
+            <a:r>
+              <a:rPr b="0" lang="en-US" sz="2200" spc="-1" strike="noStrike">
+                <a:solidFill>
+                  <a:srgbClr val="000000"/>
+                </a:solidFill>
+                <a:latin typeface="Times New Roman"/>
+                <a:ea typeface="+mn-ea"/>
+              </a:rPr>
+              <a:t>transac</a:t>
+            </a:r>
+            <a:r>
+              <a:rPr b="0" lang="en-US" sz="2200" spc="-1" strike="noStrike">
+                <a:solidFill>
+                  <a:srgbClr val="000000"/>
+                </a:solidFill>
+                <a:latin typeface="Times New Roman"/>
+                <a:ea typeface="+mn-ea"/>
+              </a:rPr>
+              <a:t>tion</a:t>
             </a:r>
             <a:endParaRPr b="0" lang="en-US" sz="2200" spc="-1" strike="noStrike">
               <a:latin typeface="Arial"/>
@@ -3909,7 +4202,67 @@
                 <a:latin typeface="Times New Roman"/>
                 <a:ea typeface="+mn-ea"/>
               </a:rPr>
-              <a:t>Chậm với các thao tác insert update delete</a:t>
+              <a:t>Chậm </a:t>
+            </a:r>
+            <a:r>
+              <a:rPr b="0" lang="en-US" sz="2200" spc="-1" strike="noStrike">
+                <a:solidFill>
+                  <a:srgbClr val="000000"/>
+                </a:solidFill>
+                <a:latin typeface="Times New Roman"/>
+                <a:ea typeface="+mn-ea"/>
+              </a:rPr>
+              <a:t>với các </a:t>
+            </a:r>
+            <a:r>
+              <a:rPr b="0" lang="en-US" sz="2200" spc="-1" strike="noStrike">
+                <a:solidFill>
+                  <a:srgbClr val="000000"/>
+                </a:solidFill>
+                <a:latin typeface="Times New Roman"/>
+                <a:ea typeface="+mn-ea"/>
+              </a:rPr>
+              <a:t>thao </a:t>
+            </a:r>
+            <a:r>
+              <a:rPr b="0" lang="en-US" sz="2200" spc="-1" strike="noStrike">
+                <a:solidFill>
+                  <a:srgbClr val="000000"/>
+                </a:solidFill>
+                <a:latin typeface="Times New Roman"/>
+                <a:ea typeface="+mn-ea"/>
+              </a:rPr>
+              <a:t>tác </a:t>
+            </a:r>
+            <a:r>
+              <a:rPr b="0" lang="en-US" sz="2200" spc="-1" strike="noStrike">
+                <a:solidFill>
+                  <a:srgbClr val="000000"/>
+                </a:solidFill>
+                <a:latin typeface="Times New Roman"/>
+                <a:ea typeface="+mn-ea"/>
+              </a:rPr>
+              <a:t>insert </a:t>
+            </a:r>
+            <a:r>
+              <a:rPr b="0" lang="en-US" sz="2200" spc="-1" strike="noStrike">
+                <a:solidFill>
+                  <a:srgbClr val="000000"/>
+                </a:solidFill>
+                <a:latin typeface="Times New Roman"/>
+                <a:ea typeface="+mn-ea"/>
+              </a:rPr>
+              <a:t>update </a:t>
+            </a:r>
+            <a:r>
+              <a:rPr b="0" lang="en-US" sz="2200" spc="-1" strike="noStrike">
+                <a:solidFill>
+                  <a:srgbClr val="000000"/>
+                </a:solidFill>
+                <a:latin typeface="Times New Roman"/>
+                <a:ea typeface="+mn-ea"/>
+              </a:rPr>
+              <a:t>delete</a:t>
             </a:r>
             <a:endParaRPr b="0" lang="en-US" sz="2200" spc="-1" strike="noStrike">
               <a:latin typeface="Arial"/>
@@ -3934,7 +4287,117 @@
                 <a:latin typeface="Times New Roman"/>
                 <a:ea typeface="+mn-ea"/>
               </a:rPr>
-              <a:t>Chậm với các câu query cần truy xuất trên nhiều Column Family</a:t>
+              <a:t>Chậm </a:t>
+            </a:r>
+            <a:r>
+              <a:rPr b="0" lang="en-US" sz="2200" spc="-1" strike="noStrike">
+                <a:solidFill>
+                  <a:srgbClr val="000000"/>
+                </a:solidFill>
+                <a:latin typeface="Times New Roman"/>
+                <a:ea typeface="+mn-ea"/>
+              </a:rPr>
+              <a:t>với các </a:t>
+            </a:r>
+            <a:r>
+              <a:rPr b="0" lang="en-US" sz="2200" spc="-1" strike="noStrike">
+                <a:solidFill>
+                  <a:srgbClr val="000000"/>
+                </a:solidFill>
+                <a:latin typeface="Times New Roman"/>
+                <a:ea typeface="+mn-ea"/>
+              </a:rPr>
+              <a:t>câu </a:t>
+            </a:r>
+            <a:r>
+              <a:rPr b="0" lang="en-US" sz="2200" spc="-1" strike="noStrike">
+                <a:solidFill>
+                  <a:srgbClr val="000000"/>
+                </a:solidFill>
+                <a:latin typeface="Times New Roman"/>
+                <a:ea typeface="+mn-ea"/>
+              </a:rPr>
+              <a:t>query </a:t>
+            </a:r>
+            <a:r>
+              <a:rPr b="0" lang="en-US" sz="2200" spc="-1" strike="noStrike">
+                <a:solidFill>
+                  <a:srgbClr val="000000"/>
+                </a:solidFill>
+                <a:latin typeface="Times New Roman"/>
+                <a:ea typeface="+mn-ea"/>
+              </a:rPr>
+              <a:t>cần </a:t>
+            </a:r>
+            <a:r>
+              <a:rPr b="0" lang="en-US" sz="2200" spc="-1" strike="noStrike">
+                <a:solidFill>
+                  <a:srgbClr val="000000"/>
+                </a:solidFill>
+                <a:latin typeface="Times New Roman"/>
+                <a:ea typeface="+mn-ea"/>
+              </a:rPr>
+              <a:t>truy </a:t>
+            </a:r>
+            <a:r>
+              <a:rPr b="0" lang="en-US" sz="2200" spc="-1" strike="noStrike">
+                <a:solidFill>
+                  <a:srgbClr val="000000"/>
+                </a:solidFill>
+                <a:latin typeface="Times New Roman"/>
+                <a:ea typeface="+mn-ea"/>
+              </a:rPr>
+              <a:t>xuất </a:t>
+            </a:r>
+            <a:r>
+              <a:rPr b="0" lang="en-US" sz="2200" spc="-1" strike="noStrike">
+                <a:solidFill>
+                  <a:srgbClr val="000000"/>
+                </a:solidFill>
+                <a:latin typeface="Times New Roman"/>
+                <a:ea typeface="+mn-ea"/>
+              </a:rPr>
+              <a:t>trên </a:t>
+            </a:r>
+            <a:r>
+              <a:rPr b="0" lang="en-US" sz="2200" spc="-1" strike="noStrike">
+                <a:solidFill>
+                  <a:srgbClr val="000000"/>
+                </a:solidFill>
+                <a:latin typeface="Times New Roman"/>
+                <a:ea typeface="+mn-ea"/>
+              </a:rPr>
+              <a:t>nhiều </a:t>
+            </a:r>
+            <a:r>
+              <a:rPr b="0" lang="en-US" sz="2200" spc="-1" strike="noStrike">
+                <a:solidFill>
+                  <a:srgbClr val="000000"/>
+                </a:solidFill>
+                <a:latin typeface="Times New Roman"/>
+                <a:ea typeface="+mn-ea"/>
+              </a:rPr>
+              <a:t>Colum</a:t>
+            </a:r>
+            <a:r>
+              <a:rPr b="0" lang="en-US" sz="2200" spc="-1" strike="noStrike">
+                <a:solidFill>
+                  <a:srgbClr val="000000"/>
+                </a:solidFill>
+                <a:latin typeface="Times New Roman"/>
+                <a:ea typeface="+mn-ea"/>
+              </a:rPr>
+              <a:t>n </a:t>
+            </a:r>
+            <a:r>
+              <a:rPr b="0" lang="en-US" sz="2200" spc="-1" strike="noStrike">
+                <a:solidFill>
+                  <a:srgbClr val="000000"/>
+                </a:solidFill>
+                <a:latin typeface="Times New Roman"/>
+                <a:ea typeface="+mn-ea"/>
+              </a:rPr>
+              <a:t>Family</a:t>
             </a:r>
             <a:endParaRPr b="0" lang="en-US" sz="2200" spc="-1" strike="noStrike">
               <a:latin typeface="Arial"/>
@@ -3954,7 +4417,7 @@
       </p:sp>
       <p:sp>
         <p:nvSpPr>
-          <p:cNvPr id="230" name="TextShape 3"/>
+          <p:cNvPr id="235" name="TextShape 3"/>
           <p:cNvSpPr txBox="1"/>
           <p:nvPr/>
         </p:nvSpPr>
@@ -3979,7 +4442,7 @@
                 <a:spcPct val="100000"/>
               </a:lnSpc>
             </a:pPr>
-            <a:fld id="{82C28FF9-CA93-428C-A148-3F3452DF7244}" type="slidenum">
+            <a:fld id="{5084D943-EE15-462B-B810-05537CDD45FC}" type="slidenum">
               <a:rPr b="0" lang="en-US" sz="1200" spc="-1" strike="noStrike">
                 <a:solidFill>
                   <a:srgbClr val="000000"/>
@@ -4019,7 +4482,7 @@
       </p:grpSpPr>
       <p:sp>
         <p:nvSpPr>
-          <p:cNvPr id="231" name="PlaceHolder 1"/>
+          <p:cNvPr id="236" name="PlaceHolder 1"/>
           <p:cNvSpPr>
             <a:spLocks noGrp="1"/>
           </p:cNvSpPr>
@@ -4039,7 +4502,7 @@
       </p:sp>
       <p:sp>
         <p:nvSpPr>
-          <p:cNvPr id="232" name="PlaceHolder 2"/>
+          <p:cNvPr id="237" name="PlaceHolder 2"/>
           <p:cNvSpPr>
             <a:spLocks noGrp="1"/>
           </p:cNvSpPr>
@@ -4497,7 +4960,7 @@
       </p:sp>
       <p:sp>
         <p:nvSpPr>
-          <p:cNvPr id="233" name="TextShape 3"/>
+          <p:cNvPr id="238" name="TextShape 3"/>
           <p:cNvSpPr txBox="1"/>
           <p:nvPr/>
         </p:nvSpPr>
@@ -4522,7 +4985,7 @@
                 <a:spcPct val="100000"/>
               </a:lnSpc>
             </a:pPr>
-            <a:fld id="{436965D5-B571-445F-A8F0-3ED957AD8A22}" type="slidenum">
+            <a:fld id="{7130F608-69D8-4EF9-B7BC-BA8781B0FEE9}" type="slidenum">
               <a:rPr b="0" lang="en-US" sz="1200" spc="-1" strike="noStrike">
                 <a:solidFill>
                   <a:srgbClr val="000000"/>
@@ -4562,7 +5025,7 @@
       </p:grpSpPr>
       <p:sp>
         <p:nvSpPr>
-          <p:cNvPr id="234" name="PlaceHolder 1"/>
+          <p:cNvPr id="239" name="PlaceHolder 1"/>
           <p:cNvSpPr>
             <a:spLocks noGrp="1"/>
           </p:cNvSpPr>
@@ -4582,7 +5045,7 @@
       </p:sp>
       <p:sp>
         <p:nvSpPr>
-          <p:cNvPr id="235" name="PlaceHolder 2"/>
+          <p:cNvPr id="240" name="PlaceHolder 2"/>
           <p:cNvSpPr>
             <a:spLocks noGrp="1"/>
           </p:cNvSpPr>
@@ -4720,7 +5183,7 @@
                 <a:latin typeface="+mn-lt"/>
                 <a:ea typeface="+mn-ea"/>
               </a:rPr>
-              <a:t>HBase là database lưu trữ dạng bảng mà không cần khai báo trước schema. Tại thời điểm tạo bảng, ta chỉ cần khai báo trước </a:t>
+              <a:t>HBase là database lưu trữ dạng bảng mà không cần khai báo trước schema. Tại thời điểm tạo bảng, ta chỉ cần </a:t>
             </a:r>
             <a:r>
               <a:rPr b="0" lang="en-US" sz="1200" spc="-1" strike="noStrike">
@@ -4730,7 +5193,7 @@
                 <a:latin typeface="+mn-lt"/>
                 <a:ea typeface="+mn-ea"/>
               </a:rPr>
-              <a:t>column family.</a:t>
+              <a:t>khai báo trước column family.</a:t>
             </a:r>
             <a:endParaRPr b="0" lang="en-US" sz="1200" spc="-1" strike="noStrike">
               <a:latin typeface="Arial"/>
@@ -4760,7 +5223,7 @@
       </p:sp>
       <p:sp>
         <p:nvSpPr>
-          <p:cNvPr id="236" name="TextShape 3"/>
+          <p:cNvPr id="241" name="TextShape 3"/>
           <p:cNvSpPr txBox="1"/>
           <p:nvPr/>
         </p:nvSpPr>
@@ -4785,7 +5248,7 @@
                 <a:spcPct val="100000"/>
               </a:lnSpc>
             </a:pPr>
-            <a:fld id="{D9995E52-16CE-4E58-AE40-82D78AE093DB}" type="slidenum">
+            <a:fld id="{6FB1D739-2060-4666-9587-FC9D8C67DAB9}" type="slidenum">
               <a:rPr b="0" lang="en-US" sz="1200" spc="-1" strike="noStrike">
                 <a:solidFill>
                   <a:srgbClr val="000000"/>
@@ -4825,7 +5288,7 @@
       </p:grpSpPr>
       <p:sp>
         <p:nvSpPr>
-          <p:cNvPr id="237" name="PlaceHolder 1"/>
+          <p:cNvPr id="242" name="PlaceHolder 1"/>
           <p:cNvSpPr>
             <a:spLocks noGrp="1"/>
           </p:cNvSpPr>
@@ -4845,7 +5308,7 @@
       </p:sp>
       <p:sp>
         <p:nvSpPr>
-          <p:cNvPr id="238" name="PlaceHolder 2"/>
+          <p:cNvPr id="243" name="PlaceHolder 2"/>
           <p:cNvSpPr>
             <a:spLocks noGrp="1"/>
           </p:cNvSpPr>
@@ -4873,7 +5336,7 @@
       </p:sp>
       <p:sp>
         <p:nvSpPr>
-          <p:cNvPr id="239" name="TextShape 3"/>
+          <p:cNvPr id="244" name="TextShape 3"/>
           <p:cNvSpPr txBox="1"/>
           <p:nvPr/>
         </p:nvSpPr>
@@ -4898,7 +5361,7 @@
                 <a:spcPct val="100000"/>
               </a:lnSpc>
             </a:pPr>
-            <a:fld id="{04F57D4B-4587-44FA-9B96-AB92B71B5363}" type="slidenum">
+            <a:fld id="{3B7CC5DC-8160-4748-8376-5B2513968AC1}" type="slidenum">
               <a:rPr b="0" lang="en-US" sz="1200" spc="-1" strike="noStrike">
                 <a:solidFill>
                   <a:srgbClr val="000000"/>
@@ -4938,7 +5401,7 @@
       </p:grpSpPr>
       <p:sp>
         <p:nvSpPr>
-          <p:cNvPr id="240" name="PlaceHolder 1"/>
+          <p:cNvPr id="245" name="PlaceHolder 1"/>
           <p:cNvSpPr>
             <a:spLocks noGrp="1"/>
           </p:cNvSpPr>
@@ -4958,7 +5421,7 @@
       </p:sp>
       <p:sp>
         <p:nvSpPr>
-          <p:cNvPr id="241" name="PlaceHolder 2"/>
+          <p:cNvPr id="246" name="PlaceHolder 2"/>
           <p:cNvSpPr>
             <a:spLocks noGrp="1"/>
           </p:cNvSpPr>
@@ -4986,7 +5449,7 @@
       </p:sp>
       <p:sp>
         <p:nvSpPr>
-          <p:cNvPr id="242" name="TextShape 3"/>
+          <p:cNvPr id="247" name="TextShape 3"/>
           <p:cNvSpPr txBox="1"/>
           <p:nvPr/>
         </p:nvSpPr>
@@ -5011,7 +5474,7 @@
                 <a:spcPct val="100000"/>
               </a:lnSpc>
             </a:pPr>
-            <a:fld id="{0D6A732F-84F9-4879-AF92-AC9A446FC82C}" type="slidenum">
+            <a:fld id="{B8665775-A5FD-4346-9BD8-AC6925F95E55}" type="slidenum">
               <a:rPr b="0" lang="en-US" sz="1200" spc="-1" strike="noStrike">
                 <a:solidFill>
                   <a:srgbClr val="000000"/>
@@ -8008,7 +8471,7 @@
                 <a:spcPct val="100000"/>
               </a:lnSpc>
             </a:pPr>
-            <a:fld id="{94BC2285-C756-472D-81E8-A3B3DF9FDF81}" type="datetime">
+            <a:fld id="{A6F5782E-FEEB-4DA2-95DC-DAFD26F4675F}" type="datetime">
               <a:rPr b="0" lang="en-US" sz="1200" spc="-1" strike="noStrike">
                 <a:solidFill>
                   <a:srgbClr val="8b8b8b"/>
@@ -8078,7 +8541,7 @@
                 <a:spcPct val="100000"/>
               </a:lnSpc>
             </a:pPr>
-            <a:fld id="{C645BA3F-B324-4831-89B4-515FA04687F3}" type="slidenum">
+            <a:fld id="{3D416155-25D6-4FA1-AFEF-B3CFBFC9DAD7}" type="slidenum">
               <a:rPr b="0" lang="en-US" sz="1200" spc="-1" strike="noStrike">
                 <a:solidFill>
                   <a:srgbClr val="8b8b8b"/>
@@ -8395,34 +8858,7 @@
                 </a:solidFill>
                 <a:latin typeface="Arial Black"/>
               </a:rPr>
-              <a:t>Click </a:t>
-            </a:r>
-            <a:r>
-              <a:rPr b="0" lang="en-US" sz="4000" spc="-1" strike="noStrike">
-                <a:solidFill>
-                  <a:srgbClr val="ffffff"/>
-                </a:solidFill>
-                <a:latin typeface="Arial Black"/>
-              </a:rPr>
-              <a:t>to edit </a:t>
-            </a:r>
-            <a:r>
-              <a:rPr b="0" lang="en-US" sz="4000" spc="-1" strike="noStrike">
-                <a:solidFill>
-                  <a:srgbClr val="ffffff"/>
-                </a:solidFill>
-                <a:latin typeface="Arial Black"/>
-              </a:rPr>
-              <a:t>title </a:t>
-            </a:r>
-            <a:r>
-              <a:rPr b="0" lang="en-US" sz="4000" spc="-1" strike="noStrike">
-                <a:solidFill>
-                  <a:srgbClr val="ffffff"/>
-                </a:solidFill>
-                <a:latin typeface="Arial Black"/>
-              </a:rPr>
-              <a:t>style</a:t>
+              <a:t>Click to edit title style</a:t>
             </a:r>
             <a:endParaRPr b="0" lang="en-US" sz="4000" spc="-1" strike="noStrike">
               <a:solidFill>
@@ -8633,7 +9069,7 @@
                 <a:spcPct val="100000"/>
               </a:lnSpc>
             </a:pPr>
-            <a:fld id="{205F380D-309D-49B3-A26F-3F3B97EE795A}" type="datetime">
+            <a:fld id="{11ACBF2B-3A34-46D6-BFD1-334673748A71}" type="datetime">
               <a:rPr b="0" lang="en-US" sz="1200" spc="-1" strike="noStrike">
                 <a:solidFill>
                   <a:srgbClr val="8b8b8b"/>
@@ -8703,7 +9139,7 @@
                 <a:spcPct val="100000"/>
               </a:lnSpc>
             </a:pPr>
-            <a:fld id="{76AD2ECA-EFFD-4CFB-B84B-02A6043CB6AC}" type="slidenum">
+            <a:fld id="{A8AD9812-FD59-411A-891B-94998F0E7B33}" type="slidenum">
               <a:rPr b="0" lang="en-US" sz="1200" spc="-1" strike="noStrike">
                 <a:solidFill>
                   <a:srgbClr val="8b8b8b"/>
@@ -8932,7 +9368,34 @@
                 </a:solidFill>
                 <a:latin typeface="Times New Roman"/>
               </a:rPr>
-              <a:t>Tìm Hiểu HBase</a:t>
+              <a:t>Tìm </a:t>
+            </a:r>
+            <a:r>
+              <a:rPr b="1" lang="en-US" sz="5400" spc="-1" strike="noStrike">
+                <a:solidFill>
+                  <a:srgbClr val="ffffff"/>
+                </a:solidFill>
+                <a:latin typeface="Times New Roman"/>
+              </a:rPr>
+              <a:t>Hiểu </a:t>
+            </a:r>
+            <a:r>
+              <a:rPr b="1" lang="en-US" sz="5400" spc="-1" strike="noStrike">
+                <a:solidFill>
+                  <a:srgbClr val="ffffff"/>
+                </a:solidFill>
+                <a:latin typeface="Times New Roman"/>
+              </a:rPr>
+              <a:t>HBas</a:t>
+            </a:r>
+            <a:r>
+              <a:rPr b="1" lang="en-US" sz="5400" spc="-1" strike="noStrike">
+                <a:solidFill>
+                  <a:srgbClr val="ffffff"/>
+                </a:solidFill>
+                <a:latin typeface="Times New Roman"/>
+              </a:rPr>
+              <a:t>e</a:t>
             </a:r>
             <a:endParaRPr b="0" lang="en-US" sz="5400" spc="-1" strike="noStrike">
               <a:latin typeface="Arial"/>
@@ -9414,8 +9877,8 @@
         </p:blipFill>
         <p:spPr>
           <a:xfrm>
-            <a:off x="2377440" y="1430640"/>
-            <a:ext cx="7675560" cy="4787280"/>
+            <a:off x="2194560" y="1561320"/>
+            <a:ext cx="8046720" cy="4473720"/>
           </a:xfrm>
           <a:prstGeom prst="rect">
             <a:avLst/>
@@ -9584,7 +10047,25 @@
                   </a:solidFill>
                   <a:latin typeface="Times New Roman"/>
                 </a:rPr>
-                <a:t>Phần 2: Apache HBase</a:t>
+                <a:t>Phần 2: </a:t>
+              </a:r>
+              <a:r>
+                <a:rPr b="1" lang="en-US" sz="2800" spc="-1" strike="noStrike">
+                  <a:solidFill>
+                    <a:srgbClr val="ffffff"/>
+                  </a:solidFill>
+                  <a:latin typeface="Times New Roman"/>
+                </a:rPr>
+                <a:t>Apache </a:t>
+              </a:r>
+              <a:r>
+                <a:rPr b="1" lang="en-US" sz="2800" spc="-1" strike="noStrike">
+                  <a:solidFill>
+                    <a:srgbClr val="ffffff"/>
+                  </a:solidFill>
+                  <a:latin typeface="Times New Roman"/>
+                </a:rPr>
+                <a:t>HBase</a:t>
               </a:r>
               <a:endParaRPr b="0" lang="en-US" sz="2800" spc="-1" strike="noStrike">
                 <a:latin typeface="Arial"/>
@@ -9638,7 +10119,25 @@
                 </a:solidFill>
                 <a:latin typeface="Times New Roman"/>
               </a:rPr>
-              <a:t>HBase Data Model</a:t>
+              <a:t>Kiến </a:t>
+            </a:r>
+            <a:r>
+              <a:rPr b="1" lang="en-US" sz="3200" spc="-1" strike="noStrike">
+                <a:solidFill>
+                  <a:srgbClr val="ffffff"/>
+                </a:solidFill>
+                <a:latin typeface="Times New Roman"/>
+              </a:rPr>
+              <a:t>trúc </a:t>
+            </a:r>
+            <a:r>
+              <a:rPr b="1" lang="en-US" sz="3200" spc="-1" strike="noStrike">
+                <a:solidFill>
+                  <a:srgbClr val="ffffff"/>
+                </a:solidFill>
+                <a:latin typeface="Times New Roman"/>
+              </a:rPr>
+              <a:t>HBase</a:t>
             </a:r>
             <a:endParaRPr b="0" lang="en-US" sz="3200" spc="-1" strike="noStrike">
               <a:latin typeface="Arial"/>
@@ -9658,8 +10157,8 @@
         </p:blipFill>
         <p:spPr>
           <a:xfrm>
-            <a:off x="2089080" y="1430640"/>
-            <a:ext cx="7877880" cy="4512960"/>
+            <a:off x="2377440" y="1430640"/>
+            <a:ext cx="7675560" cy="4787280"/>
           </a:xfrm>
           <a:prstGeom prst="rect">
             <a:avLst/>
@@ -9845,7 +10344,7 @@
         </p:nvSpPr>
         <p:spPr>
           <a:xfrm>
-            <a:off x="609480" y="914400"/>
+            <a:off x="609480" y="944280"/>
             <a:ext cx="10515240" cy="577800"/>
           </a:xfrm>
           <a:prstGeom prst="rect">
@@ -9882,7 +10381,7 @@
                 </a:solidFill>
                 <a:latin typeface="Times New Roman"/>
               </a:rPr>
-              <a:t>Đường đi của data</a:t>
+              <a:t>HBase Data Model</a:t>
             </a:r>
             <a:endParaRPr b="0" lang="en-US" sz="3200" spc="-1" strike="noStrike">
               <a:latin typeface="Arial"/>
@@ -9892,7 +10391,7 @@
       </p:sp>
       <p:pic>
         <p:nvPicPr>
-          <p:cNvPr id="153" name="Picture 2" descr=""/>
+          <p:cNvPr id="153" name="" descr=""/>
           <p:cNvPicPr/>
           <p:nvPr/>
         </p:nvPicPr>
@@ -9902,8 +10401,8 @@
         </p:blipFill>
         <p:spPr>
           <a:xfrm>
-            <a:off x="1481760" y="1371600"/>
-            <a:ext cx="8850960" cy="4523040"/>
+            <a:off x="2089080" y="1430640"/>
+            <a:ext cx="7877880" cy="4512960"/>
           </a:xfrm>
           <a:prstGeom prst="rect">
             <a:avLst/>
@@ -10089,7 +10588,7 @@
         </p:nvSpPr>
         <p:spPr>
           <a:xfrm>
-            <a:off x="609480" y="1159560"/>
+            <a:off x="609480" y="914400"/>
             <a:ext cx="10515240" cy="577800"/>
           </a:xfrm>
           <a:prstGeom prst="rect">
@@ -10126,7 +10625,7 @@
                 </a:solidFill>
                 <a:latin typeface="Times New Roman"/>
               </a:rPr>
-              <a:t>Thực hành với HBase</a:t>
+              <a:t>Đường đi của data</a:t>
             </a:r>
             <a:endParaRPr b="0" lang="en-US" sz="3200" spc="-1" strike="noStrike">
               <a:latin typeface="Arial"/>
@@ -10134,98 +10633,29 @@
           </a:p>
         </p:txBody>
       </p:sp>
-      <p:sp>
-        <p:nvSpPr>
-          <p:cNvPr id="158" name="CustomShape 5"/>
-          <p:cNvSpPr/>
+      <p:pic>
+        <p:nvPicPr>
+          <p:cNvPr id="158" name="Picture 2" descr=""/>
+          <p:cNvPicPr/>
           <p:nvPr/>
-        </p:nvSpPr>
-        <p:spPr>
-          <a:xfrm>
-            <a:off x="1188720" y="2012760"/>
-            <a:ext cx="5768280" cy="1186920"/>
-          </a:xfrm>
-          <a:prstGeom prst="rect">
-            <a:avLst/>
-          </a:prstGeom>
-          <a:noFill/>
+        </p:nvPicPr>
+        <p:blipFill>
+          <a:blip r:embed="rId1"/>
+          <a:stretch/>
+        </p:blipFill>
+        <p:spPr>
+          <a:xfrm>
+            <a:off x="1481760" y="1371600"/>
+            <a:ext cx="8850960" cy="4523040"/>
+          </a:xfrm>
+          <a:prstGeom prst="rect">
+            <a:avLst/>
+          </a:prstGeom>
           <a:ln>
             <a:noFill/>
           </a:ln>
         </p:spPr>
-        <p:style>
-          <a:lnRef idx="0"/>
-          <a:fillRef idx="0"/>
-          <a:effectRef idx="0"/>
-          <a:fontRef idx="minor"/>
-        </p:style>
-        <p:txBody>
-          <a:bodyPr lIns="90000" rIns="90000" tIns="45000" bIns="45000"/>
-          <a:p>
-            <a:pPr marL="343080" indent="-342720">
-              <a:lnSpc>
-                <a:spcPct val="100000"/>
-              </a:lnSpc>
-              <a:buClr>
-                <a:srgbClr val="ffffff"/>
-              </a:buClr>
-              <a:buFont typeface="Wingdings" charset="2"/>
-              <a:buChar char=""/>
-            </a:pPr>
-            <a:r>
-              <a:rPr b="1" lang="en-US" sz="2400" spc="-1" strike="noStrike">
-                <a:solidFill>
-                  <a:srgbClr val="ffffff"/>
-                </a:solidFill>
-                <a:latin typeface="Calibri"/>
-              </a:rPr>
-              <a:t>Hướng dẫn cài đặt chi tiết</a:t>
-            </a:r>
-            <a:endParaRPr b="0" lang="en-US" sz="2400" spc="-1" strike="noStrike">
-              <a:latin typeface="Arial"/>
-            </a:endParaRPr>
-          </a:p>
-          <a:p>
-            <a:pPr marL="343080" indent="-342720">
-              <a:lnSpc>
-                <a:spcPct val="100000"/>
-              </a:lnSpc>
-              <a:buClr>
-                <a:srgbClr val="ffffff"/>
-              </a:buClr>
-              <a:buFont typeface="Wingdings" charset="2"/>
-              <a:buChar char=""/>
-            </a:pPr>
-            <a:endParaRPr b="0" lang="en-US" sz="2400" spc="-1" strike="noStrike">
-              <a:latin typeface="Arial"/>
-            </a:endParaRPr>
-          </a:p>
-          <a:p>
-            <a:pPr marL="343080" indent="-342720">
-              <a:lnSpc>
-                <a:spcPct val="100000"/>
-              </a:lnSpc>
-              <a:buClr>
-                <a:srgbClr val="ffffff"/>
-              </a:buClr>
-              <a:buFont typeface="Wingdings" charset="2"/>
-              <a:buChar char=""/>
-            </a:pPr>
-            <a:r>
-              <a:rPr b="1" lang="en-US" sz="2400" spc="-1" strike="noStrike">
-                <a:solidFill>
-                  <a:srgbClr val="ffffff"/>
-                </a:solidFill>
-                <a:latin typeface="Calibri"/>
-              </a:rPr>
-              <a:t>Các thao tác &amp; công cụ cơ bản</a:t>
-            </a:r>
-            <a:endParaRPr b="0" lang="en-US" sz="2400" spc="-1" strike="noStrike">
-              <a:latin typeface="Arial"/>
-            </a:endParaRPr>
-          </a:p>
-        </p:txBody>
-      </p:sp>
+      </p:pic>
     </p:spTree>
   </p:cSld>
   <p:timing>
@@ -10306,7 +10736,9 @@
               </a:avLst>
             </a:prstGeom>
             <a:solidFill>
-              <a:srgbClr val="00b050"/>
+              <a:schemeClr val="accent6">
+                <a:lumMod val="75000"/>
+              </a:schemeClr>
             </a:solidFill>
             <a:ln>
               <a:round/>
@@ -10331,9 +10763,9 @@
             <a:fillRef idx="0"/>
             <a:effectRef idx="1">
               <a:schemeClr val="accent3">
-                <a:hueOff val="11250264"/>
-                <a:satOff val="-16880"/>
-                <a:lumOff val="-2745"/>
+                <a:hueOff val="5625132"/>
+                <a:satOff val="-8440"/>
+                <a:lumOff val="-1373"/>
                 <a:alphaOff val="0"/>
               </a:schemeClr>
             </a:effectRef>
@@ -10348,7 +10780,7 @@
           </p:nvSpPr>
           <p:spPr>
             <a:xfrm>
-              <a:off x="1664280" y="364320"/>
+              <a:off x="1664280" y="334440"/>
               <a:ext cx="9168120" cy="549720"/>
             </a:xfrm>
             <a:prstGeom prst="rect">
@@ -10383,7 +10815,7 @@
                   </a:solidFill>
                   <a:latin typeface="Times New Roman"/>
                 </a:rPr>
-                <a:t>Phần 3:Kết luận và mở rộng</a:t>
+                <a:t>Phần 2: Apache HBase</a:t>
               </a:r>
               <a:endParaRPr b="0" lang="en-US" sz="2800" spc="-1" strike="noStrike">
                 <a:latin typeface="Arial"/>
@@ -10400,7 +10832,7 @@
         </p:nvSpPr>
         <p:spPr>
           <a:xfrm>
-            <a:off x="609480" y="944280"/>
+            <a:off x="609480" y="1159560"/>
             <a:ext cx="10515240" cy="577800"/>
           </a:xfrm>
           <a:prstGeom prst="rect">
@@ -10437,7 +10869,7 @@
                 </a:solidFill>
                 <a:latin typeface="Times New Roman"/>
               </a:rPr>
-              <a:t>HBase vs Cassandra</a:t>
+              <a:t>Thực hành với HBase</a:t>
             </a:r>
             <a:endParaRPr b="0" lang="en-US" sz="3200" spc="-1" strike="noStrike">
               <a:latin typeface="Arial"/>
@@ -10453,8 +10885,8 @@
         </p:nvSpPr>
         <p:spPr>
           <a:xfrm>
-            <a:off x="609480" y="1752480"/>
-            <a:ext cx="11277360" cy="1614240"/>
+            <a:off x="1188720" y="2012760"/>
+            <a:ext cx="5768280" cy="1186920"/>
           </a:xfrm>
           <a:prstGeom prst="rect">
             <a:avLst/>
@@ -10473,26 +10905,6 @@
         <p:txBody>
           <a:bodyPr lIns="90000" rIns="90000" tIns="45000" bIns="45000"/>
           <a:p>
-            <a:pPr>
-              <a:lnSpc>
-                <a:spcPct val="100000"/>
-              </a:lnSpc>
-            </a:pPr>
-            <a:r>
-              <a:rPr b="1" lang="en-US" sz="2800" spc="-1" strike="noStrike" u="sng">
-                <a:solidFill>
-                  <a:srgbClr val="ffffff"/>
-                </a:solidFill>
-                <a:uFillTx/>
-                <a:latin typeface="Calibri"/>
-              </a:rPr>
-              <a:t>Giống nhau:</a:t>
-            </a:r>
-            <a:endParaRPr b="0" lang="en-US" sz="2800" spc="-1" strike="noStrike">
-              <a:latin typeface="Arial"/>
-            </a:endParaRPr>
-          </a:p>
-          <a:p>
             <a:pPr marL="343080" indent="-342720">
               <a:lnSpc>
                 <a:spcPct val="100000"/>
@@ -10500,17 +10912,17 @@
               <a:buClr>
                 <a:srgbClr val="ffffff"/>
               </a:buClr>
-              <a:buFont typeface="Arial"/>
-              <a:buChar char="•"/>
+              <a:buFont typeface="Wingdings" charset="2"/>
+              <a:buChar char=""/>
             </a:pPr>
             <a:r>
-              <a:rPr b="0" lang="en-US" sz="2400" spc="-1" strike="noStrike">
+              <a:rPr b="1" lang="en-US" sz="2400" spc="-1" strike="noStrike">
                 <a:solidFill>
                   <a:srgbClr val="ffffff"/>
                 </a:solidFill>
                 <a:latin typeface="Calibri"/>
               </a:rPr>
-              <a:t>Cơ sở dữ liệu(Database)</a:t>
+              <a:t>Hướng dẫn cài đặt chi tiết</a:t>
             </a:r>
             <a:endParaRPr b="0" lang="en-US" sz="2400" spc="-1" strike="noStrike">
               <a:latin typeface="Arial"/>
@@ -10524,18 +10936,9 @@
               <a:buClr>
                 <a:srgbClr val="ffffff"/>
               </a:buClr>
-              <a:buFont typeface="Arial"/>
-              <a:buChar char="•"/>
+              <a:buFont typeface="Wingdings" charset="2"/>
+              <a:buChar char=""/>
             </a:pPr>
-            <a:r>
-              <a:rPr b="0" lang="en-US" sz="2400" spc="-1" strike="noStrike">
-                <a:solidFill>
-                  <a:srgbClr val="ffffff"/>
-                </a:solidFill>
-                <a:latin typeface="Calibri"/>
-              </a:rPr>
-              <a:t>Khả năng mở rộng(Scalability)</a:t>
-            </a:r>
             <a:endParaRPr b="0" lang="en-US" sz="2400" spc="-1" strike="noStrike">
               <a:latin typeface="Arial"/>
             </a:endParaRPr>
@@ -10548,17 +10951,17 @@
               <a:buClr>
                 <a:srgbClr val="ffffff"/>
               </a:buClr>
-              <a:buFont typeface="Arial"/>
-              <a:buChar char="•"/>
+              <a:buFont typeface="Wingdings" charset="2"/>
+              <a:buChar char=""/>
             </a:pPr>
             <a:r>
-              <a:rPr b="0" lang="en-US" sz="2400" spc="-1" strike="noStrike">
+              <a:rPr b="1" lang="en-US" sz="2400" spc="-1" strike="noStrike">
                 <a:solidFill>
                   <a:srgbClr val="ffffff"/>
                 </a:solidFill>
                 <a:latin typeface="Calibri"/>
               </a:rPr>
-              <a:t>Tạo bản sao(Replication)</a:t>
+              <a:t>Các thao tác &amp; công cụ cơ bản</a:t>
             </a:r>
             <a:endParaRPr b="0" lang="en-US" sz="2400" spc="-1" strike="noStrike">
               <a:latin typeface="Arial"/>
@@ -10574,63 +10977,7 @@
         <p:cTn id="98" dur="indefinite" restart="never" nodeType="tmRoot">
           <p:childTnLst>
             <p:seq>
-              <p:cTn id="99" dur="indefinite" nodeType="mainSeq">
-                <p:childTnLst>
-                  <p:par>
-                    <p:cTn id="100" fill="hold">
-                      <p:stCondLst>
-                        <p:cond delay="0"/>
-                      </p:stCondLst>
-                      <p:childTnLst>
-                        <p:par>
-                          <p:cTn id="101" fill="hold">
-                            <p:stCondLst>
-                              <p:cond delay="0"/>
-                            </p:stCondLst>
-                            <p:childTnLst>
-                              <p:par>
-                                <p:cTn id="102" nodeType="afterEffect" fill="hold" presetClass="entr" presetID="10">
-                                  <p:stCondLst>
-                                    <p:cond delay="0"/>
-                                  </p:stCondLst>
-                                  <p:childTnLst>
-                                    <p:set>
-                                      <p:cBhvr>
-                                        <p:cTn id="103" dur="1" fill="hold">
-                                          <p:stCondLst>
-                                            <p:cond delay="0"/>
-                                          </p:stCondLst>
-                                        </p:cTn>
-                                        <p:tgtEl>
-                                          <p:spTgt spid="163"/>
-                                        </p:tgtEl>
-                                        <p:attrNameLst>
-                                          <p:attrName>style.visibility</p:attrName>
-                                        </p:attrNameLst>
-                                      </p:cBhvr>
-                                      <p:to>
-                                        <p:strVal val="visible"/>
-                                      </p:to>
-                                    </p:set>
-                                    <p:animEffect filter="fade" transition="in">
-                                      <p:cBhvr additive="repl">
-                                        <p:cTn id="104" dur="500"/>
-                                        <p:tgtEl>
-                                          <p:spTgt spid="163"/>
-                                        </p:tgtEl>
-                                      </p:cBhvr>
-                                    </p:animEffect>
-                                  </p:childTnLst>
-                                </p:cTn>
-                              </p:par>
-                            </p:childTnLst>
-                          </p:cTn>
-                        </p:par>
-                      </p:childTnLst>
-                    </p:cTn>
-                  </p:par>
-                </p:childTnLst>
-              </p:cTn>
+              <p:cTn id="99" dur="indefinite" nodeType="mainSeq"/>
               <p:prevCondLst>
                 <p:cond delay="0" evt="onPrev">
                   <p:tgtEl>
@@ -10849,8 +11196,8 @@
         </p:nvSpPr>
         <p:spPr>
           <a:xfrm>
-            <a:off x="990720" y="1558800"/>
-            <a:ext cx="10515240" cy="882720"/>
+            <a:off x="609480" y="1752480"/>
+            <a:ext cx="11277360" cy="1614240"/>
           </a:xfrm>
           <a:prstGeom prst="rect">
             <a:avLst/>
@@ -10880,16 +11227,16 @@
                   <a:srgbClr val="ffffff"/>
                 </a:solidFill>
                 <a:uFillTx/>
-                <a:latin typeface="Times New Roman"/>
-              </a:rPr>
-              <a:t>Khác nhau:</a:t>
+                <a:latin typeface="Calibri"/>
+              </a:rPr>
+              <a:t>Giống nhau:</a:t>
             </a:r>
             <a:endParaRPr b="0" lang="en-US" sz="2800" spc="-1" strike="noStrike">
               <a:latin typeface="Arial"/>
             </a:endParaRPr>
           </a:p>
           <a:p>
-            <a:pPr lvl="1" marL="800280" indent="-342720">
+            <a:pPr marL="343080" indent="-342720">
               <a:lnSpc>
                 <a:spcPct val="100000"/>
               </a:lnSpc>
@@ -10900,104 +11247,105 @@
               <a:buChar char="•"/>
             </a:pPr>
             <a:r>
-              <a:rPr b="1" lang="en-US" sz="2400" spc="-1" strike="noStrike" u="sng">
+              <a:rPr b="0" lang="en-US" sz="2400" spc="-1" strike="noStrike">
                 <a:solidFill>
                   <a:srgbClr val="ffffff"/>
                 </a:solidFill>
-                <a:uFillTx/>
-                <a:latin typeface="Times New Roman"/>
-              </a:rPr>
-              <a:t>Data Model:</a:t>
+                <a:latin typeface="Calibri"/>
+              </a:rPr>
+              <a:t>Cơ sở dữ liệu(Database)</a:t>
             </a:r>
             <a:endParaRPr b="0" lang="en-US" sz="2400" spc="-1" strike="noStrike">
               <a:latin typeface="Arial"/>
             </a:endParaRPr>
           </a:p>
+          <a:p>
+            <a:pPr marL="343080" indent="-342720">
+              <a:lnSpc>
+                <a:spcPct val="100000"/>
+              </a:lnSpc>
+              <a:buClr>
+                <a:srgbClr val="ffffff"/>
+              </a:buClr>
+              <a:buFont typeface="Arial"/>
+              <a:buChar char="•"/>
+            </a:pPr>
+            <a:r>
+              <a:rPr b="0" lang="en-US" sz="2400" spc="-1" strike="noStrike">
+                <a:solidFill>
+                  <a:srgbClr val="ffffff"/>
+                </a:solidFill>
+                <a:latin typeface="Calibri"/>
+              </a:rPr>
+              <a:t>Khả năng mở rộng(Scalability)</a:t>
+            </a:r>
+            <a:endParaRPr b="0" lang="en-US" sz="2400" spc="-1" strike="noStrike">
+              <a:latin typeface="Arial"/>
+            </a:endParaRPr>
+          </a:p>
+          <a:p>
+            <a:pPr marL="343080" indent="-342720">
+              <a:lnSpc>
+                <a:spcPct val="100000"/>
+              </a:lnSpc>
+              <a:buClr>
+                <a:srgbClr val="ffffff"/>
+              </a:buClr>
+              <a:buFont typeface="Arial"/>
+              <a:buChar char="•"/>
+            </a:pPr>
+            <a:r>
+              <a:rPr b="0" lang="en-US" sz="2400" spc="-1" strike="noStrike">
+                <a:solidFill>
+                  <a:srgbClr val="ffffff"/>
+                </a:solidFill>
+                <a:latin typeface="Calibri"/>
+              </a:rPr>
+              <a:t>Tạo bản sao(Replication)</a:t>
+            </a:r>
+            <a:endParaRPr b="0" lang="en-US" sz="2400" spc="-1" strike="noStrike">
+              <a:latin typeface="Arial"/>
+            </a:endParaRPr>
+          </a:p>
         </p:txBody>
       </p:sp>
-      <p:pic>
-        <p:nvPicPr>
-          <p:cNvPr id="169" name="Picture 1" descr=""/>
-          <p:cNvPicPr/>
-          <p:nvPr/>
-        </p:nvPicPr>
-        <p:blipFill>
-          <a:blip r:embed="rId1"/>
-          <a:stretch/>
-        </p:blipFill>
-        <p:spPr>
-          <a:xfrm>
-            <a:off x="159480" y="2481120"/>
-            <a:ext cx="5634360" cy="3866760"/>
-          </a:xfrm>
-          <a:prstGeom prst="rect">
-            <a:avLst/>
-          </a:prstGeom>
-          <a:ln>
-            <a:noFill/>
-          </a:ln>
-        </p:spPr>
-      </p:pic>
-      <p:pic>
-        <p:nvPicPr>
-          <p:cNvPr id="170" name="Picture 7" descr=""/>
-          <p:cNvPicPr/>
-          <p:nvPr/>
-        </p:nvPicPr>
-        <p:blipFill>
-          <a:blip r:embed="rId2"/>
-          <a:stretch/>
-        </p:blipFill>
-        <p:spPr>
-          <a:xfrm>
-            <a:off x="6477120" y="1600920"/>
-            <a:ext cx="4876560" cy="4746600"/>
-          </a:xfrm>
-          <a:prstGeom prst="rect">
-            <a:avLst/>
-          </a:prstGeom>
-          <a:ln>
-            <a:noFill/>
-          </a:ln>
-        </p:spPr>
-      </p:pic>
     </p:spTree>
   </p:cSld>
   <p:timing>
     <p:tnLst>
       <p:par>
-        <p:cTn id="105" dur="indefinite" restart="never" nodeType="tmRoot">
+        <p:cTn id="100" dur="indefinite" restart="never" nodeType="tmRoot">
           <p:childTnLst>
             <p:seq>
-              <p:cTn id="106" dur="indefinite" nodeType="mainSeq">
+              <p:cTn id="101" dur="indefinite" nodeType="mainSeq">
                 <p:childTnLst>
                   <p:par>
-                    <p:cTn id="107" fill="hold">
+                    <p:cTn id="102" fill="hold">
                       <p:stCondLst>
                         <p:cond delay="0"/>
                       </p:stCondLst>
                       <p:childTnLst>
                         <p:par>
-                          <p:cTn id="108" fill="hold">
+                          <p:cTn id="103" fill="hold">
                             <p:stCondLst>
                               <p:cond delay="0"/>
                             </p:stCondLst>
                             <p:childTnLst>
                               <p:par>
-                                <p:cTn id="109" nodeType="afterEffect" fill="hold" presetClass="entr" presetID="10">
+                                <p:cTn id="104" nodeType="afterEffect" fill="hold" presetClass="entr" presetID="10">
                                   <p:stCondLst>
                                     <p:cond delay="0"/>
                                   </p:stCondLst>
                                   <p:childTnLst>
                                     <p:set>
                                       <p:cBhvr>
-                                        <p:cTn id="110" dur="1" fill="hold">
+                                        <p:cTn id="105" dur="1" fill="hold">
                                           <p:stCondLst>
                                             <p:cond delay="0"/>
                                           </p:stCondLst>
                                         </p:cTn>
                                         <p:tgtEl>
-                                          <p:spTgt spid="169"/>
+                                          <p:spTgt spid="168"/>
                                         </p:tgtEl>
                                         <p:attrNameLst>
                                           <p:attrName>style.visibility</p:attrName>
@@ -11009,53 +11357,9 @@
                                     </p:set>
                                     <p:animEffect filter="fade" transition="in">
                                       <p:cBhvr additive="repl">
-                                        <p:cTn id="111" dur="500"/>
+                                        <p:cTn id="106" dur="500"/>
                                         <p:tgtEl>
-                                          <p:spTgt spid="169"/>
-                                        </p:tgtEl>
-                                      </p:cBhvr>
-                                    </p:animEffect>
-                                  </p:childTnLst>
-                                </p:cTn>
-                              </p:par>
-                            </p:childTnLst>
-                          </p:cTn>
-                        </p:par>
-                        <p:par>
-                          <p:cTn id="112" fill="hold">
-                            <p:stCondLst>
-                              <p:cond delay="500"/>
-                            </p:stCondLst>
-                            <p:childTnLst>
-                              <p:par>
-                                <p:cTn id="113" nodeType="afterEffect" fill="hold" presetClass="entr" presetID="10">
-                                  <p:stCondLst>
-                                    <p:cond delay="0"/>
-                                  </p:stCondLst>
-                                  <p:childTnLst>
-                                    <p:set>
-                                      <p:cBhvr>
-                                        <p:cTn id="114" dur="1" fill="hold">
-                                          <p:stCondLst>
-                                            <p:cond delay="0"/>
-                                          </p:stCondLst>
-                                        </p:cTn>
-                                        <p:tgtEl>
-                                          <p:spTgt spid="170"/>
-                                        </p:tgtEl>
-                                        <p:attrNameLst>
-                                          <p:attrName>style.visibility</p:attrName>
-                                        </p:attrNameLst>
-                                      </p:cBhvr>
-                                      <p:to>
-                                        <p:strVal val="visible"/>
-                                      </p:to>
-                                    </p:set>
-                                    <p:animEffect filter="fade" transition="in">
-                                      <p:cBhvr additive="repl">
-                                        <p:cTn id="115" dur="500"/>
-                                        <p:tgtEl>
-                                          <p:spTgt spid="170"/>
+                                          <p:spTgt spid="168"/>
                                         </p:tgtEl>
                                       </p:cBhvr>
                                     </p:animEffect>
@@ -11112,7 +11416,7 @@
       </p:grpSpPr>
       <p:grpSp>
         <p:nvGrpSpPr>
-          <p:cNvPr id="171" name="Group 1"/>
+          <p:cNvPr id="169" name="Group 1"/>
           <p:cNvGrpSpPr/>
           <p:nvPr/>
         </p:nvGrpSpPr>
@@ -11126,7 +11430,7 @@
         </p:grpSpPr>
         <p:sp>
           <p:nvSpPr>
-            <p:cNvPr id="172" name="CustomShape 2"/>
+            <p:cNvPr id="170" name="CustomShape 2"/>
             <p:cNvSpPr/>
             <p:nvPr/>
           </p:nvSpPr>
@@ -11177,7 +11481,7 @@
         </p:sp>
         <p:sp>
           <p:nvSpPr>
-            <p:cNvPr id="173" name="CustomShape 3"/>
+            <p:cNvPr id="171" name="CustomShape 3"/>
             <p:cNvSpPr/>
             <p:nvPr/>
           </p:nvSpPr>
@@ -11229,7 +11533,7 @@
       </p:grpSp>
       <p:sp>
         <p:nvSpPr>
-          <p:cNvPr id="174" name="CustomShape 4"/>
+          <p:cNvPr id="172" name="CustomShape 4"/>
           <p:cNvSpPr/>
           <p:nvPr/>
         </p:nvSpPr>
@@ -11282,7 +11586,7 @@
       </p:sp>
       <p:sp>
         <p:nvSpPr>
-          <p:cNvPr id="175" name="CustomShape 5"/>
+          <p:cNvPr id="173" name="CustomShape 5"/>
           <p:cNvSpPr/>
           <p:nvPr/>
         </p:nvSpPr>
@@ -11346,7 +11650,7 @@
                 <a:uFillTx/>
                 <a:latin typeface="Times New Roman"/>
               </a:rPr>
-              <a:t>Architecture &amp; Data flow:</a:t>
+              <a:t>Data Model:</a:t>
             </a:r>
             <a:endParaRPr b="0" lang="en-US" sz="2400" spc="-1" strike="noStrike">
               <a:latin typeface="Arial"/>
@@ -11356,7 +11660,7 @@
       </p:sp>
       <p:pic>
         <p:nvPicPr>
-          <p:cNvPr id="176" name="Picture 8" descr=""/>
+          <p:cNvPr id="174" name="Picture 1" descr=""/>
           <p:cNvPicPr/>
           <p:nvPr/>
         </p:nvPicPr>
@@ -11366,8 +11670,31 @@
         </p:blipFill>
         <p:spPr>
           <a:xfrm>
-            <a:off x="2743200" y="2481120"/>
-            <a:ext cx="7038720" cy="4080960"/>
+            <a:off x="159480" y="2481120"/>
+            <a:ext cx="5634360" cy="3866760"/>
+          </a:xfrm>
+          <a:prstGeom prst="rect">
+            <a:avLst/>
+          </a:prstGeom>
+          <a:ln>
+            <a:noFill/>
+          </a:ln>
+        </p:spPr>
+      </p:pic>
+      <p:pic>
+        <p:nvPicPr>
+          <p:cNvPr id="175" name="Picture 7" descr=""/>
+          <p:cNvPicPr/>
+          <p:nvPr/>
+        </p:nvPicPr>
+        <p:blipFill>
+          <a:blip r:embed="rId2"/>
+          <a:stretch/>
+        </p:blipFill>
+        <p:spPr>
+          <a:xfrm>
+            <a:off x="6477120" y="1600920"/>
+            <a:ext cx="4876560" cy="4746600"/>
           </a:xfrm>
           <a:prstGeom prst="rect">
             <a:avLst/>
@@ -11382,38 +11709,38 @@
   <p:timing>
     <p:tnLst>
       <p:par>
-        <p:cTn id="116" dur="indefinite" restart="never" nodeType="tmRoot">
+        <p:cTn id="107" dur="indefinite" restart="never" nodeType="tmRoot">
           <p:childTnLst>
             <p:seq>
-              <p:cTn id="117" dur="indefinite" nodeType="mainSeq">
+              <p:cTn id="108" dur="indefinite" nodeType="mainSeq">
                 <p:childTnLst>
                   <p:par>
-                    <p:cTn id="118" fill="hold">
+                    <p:cTn id="109" fill="hold">
                       <p:stCondLst>
                         <p:cond delay="0"/>
                       </p:stCondLst>
                       <p:childTnLst>
                         <p:par>
-                          <p:cTn id="119" fill="hold">
+                          <p:cTn id="110" fill="hold">
                             <p:stCondLst>
                               <p:cond delay="0"/>
                             </p:stCondLst>
                             <p:childTnLst>
                               <p:par>
-                                <p:cTn id="120" nodeType="afterEffect" fill="hold" presetClass="entr" presetID="10">
+                                <p:cTn id="111" nodeType="afterEffect" fill="hold" presetClass="entr" presetID="10">
                                   <p:stCondLst>
                                     <p:cond delay="0"/>
                                   </p:stCondLst>
                                   <p:childTnLst>
                                     <p:set>
                                       <p:cBhvr>
-                                        <p:cTn id="121" dur="1" fill="hold">
+                                        <p:cTn id="112" dur="1" fill="hold">
                                           <p:stCondLst>
                                             <p:cond delay="0"/>
                                           </p:stCondLst>
                                         </p:cTn>
                                         <p:tgtEl>
-                                          <p:spTgt spid="176"/>
+                                          <p:spTgt spid="174"/>
                                         </p:tgtEl>
                                         <p:attrNameLst>
                                           <p:attrName>style.visibility</p:attrName>
@@ -11425,9 +11752,53 @@
                                     </p:set>
                                     <p:animEffect filter="fade" transition="in">
                                       <p:cBhvr additive="repl">
-                                        <p:cTn id="122" dur="500"/>
+                                        <p:cTn id="113" dur="500"/>
                                         <p:tgtEl>
-                                          <p:spTgt spid="176"/>
+                                          <p:spTgt spid="174"/>
+                                        </p:tgtEl>
+                                      </p:cBhvr>
+                                    </p:animEffect>
+                                  </p:childTnLst>
+                                </p:cTn>
+                              </p:par>
+                            </p:childTnLst>
+                          </p:cTn>
+                        </p:par>
+                        <p:par>
+                          <p:cTn id="114" fill="hold">
+                            <p:stCondLst>
+                              <p:cond delay="500"/>
+                            </p:stCondLst>
+                            <p:childTnLst>
+                              <p:par>
+                                <p:cTn id="115" nodeType="afterEffect" fill="hold" presetClass="entr" presetID="10">
+                                  <p:stCondLst>
+                                    <p:cond delay="0"/>
+                                  </p:stCondLst>
+                                  <p:childTnLst>
+                                    <p:set>
+                                      <p:cBhvr>
+                                        <p:cTn id="116" dur="1" fill="hold">
+                                          <p:stCondLst>
+                                            <p:cond delay="0"/>
+                                          </p:stCondLst>
+                                        </p:cTn>
+                                        <p:tgtEl>
+                                          <p:spTgt spid="175"/>
+                                        </p:tgtEl>
+                                        <p:attrNameLst>
+                                          <p:attrName>style.visibility</p:attrName>
+                                        </p:attrNameLst>
+                                      </p:cBhvr>
+                                      <p:to>
+                                        <p:strVal val="visible"/>
+                                      </p:to>
+                                    </p:set>
+                                    <p:animEffect filter="fade" transition="in">
+                                      <p:cBhvr additive="repl">
+                                        <p:cTn id="117" dur="500"/>
+                                        <p:tgtEl>
+                                          <p:spTgt spid="175"/>
                                         </p:tgtEl>
                                       </p:cBhvr>
                                     </p:animEffect>
@@ -11482,16 +11853,133 @@
           <a:chExt cx="0" cy="0"/>
         </a:xfrm>
       </p:grpSpPr>
+      <p:grpSp>
+        <p:nvGrpSpPr>
+          <p:cNvPr id="176" name="Group 1"/>
+          <p:cNvGrpSpPr/>
+          <p:nvPr/>
+        </p:nvGrpSpPr>
+        <p:grpSpPr>
+          <a:xfrm>
+            <a:off x="1600200" y="304920"/>
+            <a:ext cx="9295920" cy="609120"/>
+            <a:chOff x="1600200" y="304920"/>
+            <a:chExt cx="9295920" cy="609120"/>
+          </a:xfrm>
+        </p:grpSpPr>
+        <p:sp>
+          <p:nvSpPr>
+            <p:cNvPr id="177" name="CustomShape 2"/>
+            <p:cNvSpPr/>
+            <p:nvPr/>
+          </p:nvSpPr>
+          <p:spPr>
+            <a:xfrm>
+              <a:off x="1600200" y="304920"/>
+              <a:ext cx="9295920" cy="609120"/>
+            </a:xfrm>
+            <a:prstGeom prst="roundRect">
+              <a:avLst>
+                <a:gd name="adj" fmla="val 16667"/>
+              </a:avLst>
+            </a:prstGeom>
+            <a:solidFill>
+              <a:srgbClr val="00b050"/>
+            </a:solidFill>
+            <a:ln>
+              <a:round/>
+            </a:ln>
+            <a:effectLst>
+              <a:outerShdw blurRad="40000" dir="5400000" dist="20000" rotWithShape="0">
+                <a:srgbClr val="000000">
+                  <a:alpha val="38000"/>
+                </a:srgbClr>
+              </a:outerShdw>
+            </a:effectLst>
+          </p:spPr>
+          <p:style>
+            <a:lnRef idx="3">
+              <a:schemeClr val="lt1">
+                <a:hueOff val="0"/>
+                <a:satOff val="0"/>
+                <a:lumOff val="0"/>
+                <a:alphaOff val="0"/>
+              </a:schemeClr>
+            </a:lnRef>
+            <a:fillRef idx="0"/>
+            <a:effectRef idx="1">
+              <a:schemeClr val="accent3">
+                <a:hueOff val="11250264"/>
+                <a:satOff val="-16880"/>
+                <a:lumOff val="-2745"/>
+                <a:alphaOff val="0"/>
+              </a:schemeClr>
+            </a:effectRef>
+            <a:fontRef idx="minor"/>
+          </p:style>
+        </p:sp>
+        <p:sp>
+          <p:nvSpPr>
+            <p:cNvPr id="178" name="CustomShape 3"/>
+            <p:cNvSpPr/>
+            <p:nvPr/>
+          </p:nvSpPr>
+          <p:spPr>
+            <a:xfrm>
+              <a:off x="1664280" y="364320"/>
+              <a:ext cx="9168120" cy="549720"/>
+            </a:xfrm>
+            <a:prstGeom prst="rect">
+              <a:avLst/>
+            </a:prstGeom>
+            <a:noFill/>
+            <a:ln>
+              <a:noFill/>
+            </a:ln>
+          </p:spPr>
+          <p:style>
+            <a:lnRef idx="0"/>
+            <a:fillRef idx="0"/>
+            <a:effectRef idx="0"/>
+            <a:fontRef idx="minor"/>
+          </p:style>
+          <p:txBody>
+            <a:bodyPr lIns="213480" rIns="213480" tIns="213480" bIns="213480" anchor="ctr"/>
+            <a:p>
+              <a:pPr algn="ctr">
+                <a:lnSpc>
+                  <a:spcPct val="90000"/>
+                </a:lnSpc>
+                <a:spcAft>
+                  <a:spcPts val="981"/>
+                </a:spcAft>
+              </a:pPr>
+              <a:r>
+                <a:rPr b="1" lang="en-US" sz="2800" spc="-1" strike="noStrike">
+                  <a:solidFill>
+                    <a:srgbClr val="ffffff"/>
+                  </a:solidFill>
+                  <a:latin typeface="Times New Roman"/>
+                </a:rPr>
+                <a:t>Phần 3:Kết luận và mở rộng</a:t>
+              </a:r>
+              <a:endParaRPr b="0" lang="en-US" sz="2800" spc="-1" strike="noStrike">
+                <a:latin typeface="Arial"/>
+              </a:endParaRPr>
+            </a:p>
+          </p:txBody>
+        </p:sp>
+      </p:grpSp>
       <p:sp>
         <p:nvSpPr>
-          <p:cNvPr id="177" name="CustomShape 1"/>
+          <p:cNvPr id="179" name="CustomShape 4"/>
           <p:cNvSpPr/>
           <p:nvPr/>
         </p:nvSpPr>
         <p:spPr>
           <a:xfrm>
-            <a:off x="1447920" y="2133720"/>
-            <a:ext cx="9524520" cy="1553400"/>
+            <a:off x="609480" y="944280"/>
+            <a:ext cx="10515240" cy="577800"/>
           </a:xfrm>
           <a:prstGeom prst="rect">
             <a:avLst/>
@@ -11510,35 +11998,193 @@
         <p:txBody>
           <a:bodyPr lIns="90000" rIns="90000" tIns="45000" bIns="45000"/>
           <a:p>
-            <a:pPr algn="ctr">
+            <a:pPr marL="457200" indent="-456840">
+              <a:lnSpc>
+                <a:spcPct val="100000"/>
+              </a:lnSpc>
+              <a:buClr>
+                <a:srgbClr val="ffffff"/>
+              </a:buClr>
+              <a:buFont typeface="Wingdings" charset="2"/>
+              <a:buChar char=""/>
+            </a:pPr>
+            <a:r>
+              <a:rPr b="1" lang="en-US" sz="3200" spc="-1" strike="noStrike">
+                <a:solidFill>
+                  <a:srgbClr val="ffffff"/>
+                </a:solidFill>
+                <a:latin typeface="Times New Roman"/>
+              </a:rPr>
+              <a:t>HBase vs Cassandra</a:t>
+            </a:r>
+            <a:endParaRPr b="0" lang="en-US" sz="3200" spc="-1" strike="noStrike">
+              <a:latin typeface="Arial"/>
+            </a:endParaRPr>
+          </a:p>
+        </p:txBody>
+      </p:sp>
+      <p:sp>
+        <p:nvSpPr>
+          <p:cNvPr id="180" name="CustomShape 5"/>
+          <p:cNvSpPr/>
+          <p:nvPr/>
+        </p:nvSpPr>
+        <p:spPr>
+          <a:xfrm>
+            <a:off x="990720" y="1558800"/>
+            <a:ext cx="10515240" cy="882720"/>
+          </a:xfrm>
+          <a:prstGeom prst="rect">
+            <a:avLst/>
+          </a:prstGeom>
+          <a:noFill/>
+          <a:ln>
+            <a:noFill/>
+          </a:ln>
+        </p:spPr>
+        <p:style>
+          <a:lnRef idx="0"/>
+          <a:fillRef idx="0"/>
+          <a:effectRef idx="0"/>
+          <a:fontRef idx="minor"/>
+        </p:style>
+        <p:txBody>
+          <a:bodyPr lIns="90000" rIns="90000" tIns="45000" bIns="45000"/>
+          <a:p>
+            <a:pPr>
               <a:lnSpc>
                 <a:spcPct val="100000"/>
               </a:lnSpc>
             </a:pPr>
             <a:r>
-              <a:rPr b="1" lang="en-US" sz="9600" spc="-1" strike="noStrike">
+              <a:rPr b="1" lang="en-US" sz="2800" spc="-1" strike="noStrike" u="sng">
                 <a:solidFill>
                   <a:srgbClr val="ffffff"/>
                 </a:solidFill>
+                <a:uFillTx/>
                 <a:latin typeface="Times New Roman"/>
               </a:rPr>
-              <a:t>THANK YOU</a:t>
-            </a:r>
-            <a:endParaRPr b="0" lang="en-US" sz="9600" spc="-1" strike="noStrike">
+              <a:t>Khác nhau:</a:t>
+            </a:r>
+            <a:endParaRPr b="0" lang="en-US" sz="2800" spc="-1" strike="noStrike">
+              <a:latin typeface="Arial"/>
+            </a:endParaRPr>
+          </a:p>
+          <a:p>
+            <a:pPr lvl="1" marL="800280" indent="-342720">
+              <a:lnSpc>
+                <a:spcPct val="100000"/>
+              </a:lnSpc>
+              <a:buClr>
+                <a:srgbClr val="ffffff"/>
+              </a:buClr>
+              <a:buFont typeface="Arial"/>
+              <a:buChar char="•"/>
+            </a:pPr>
+            <a:r>
+              <a:rPr b="1" lang="en-US" sz="2400" spc="-1" strike="noStrike" u="sng">
+                <a:solidFill>
+                  <a:srgbClr val="ffffff"/>
+                </a:solidFill>
+                <a:uFillTx/>
+                <a:latin typeface="Times New Roman"/>
+              </a:rPr>
+              <a:t>Architecture &amp; Data flow:</a:t>
+            </a:r>
+            <a:endParaRPr b="0" lang="en-US" sz="2400" spc="-1" strike="noStrike">
               <a:latin typeface="Arial"/>
             </a:endParaRPr>
           </a:p>
         </p:txBody>
       </p:sp>
+      <p:pic>
+        <p:nvPicPr>
+          <p:cNvPr id="181" name="Picture 8" descr=""/>
+          <p:cNvPicPr/>
+          <p:nvPr/>
+        </p:nvPicPr>
+        <p:blipFill>
+          <a:blip r:embed="rId1"/>
+          <a:stretch/>
+        </p:blipFill>
+        <p:spPr>
+          <a:xfrm>
+            <a:off x="2743200" y="2481120"/>
+            <a:ext cx="7038720" cy="4080960"/>
+          </a:xfrm>
+          <a:prstGeom prst="rect">
+            <a:avLst/>
+          </a:prstGeom>
+          <a:ln>
+            <a:noFill/>
+          </a:ln>
+        </p:spPr>
+      </p:pic>
     </p:spTree>
   </p:cSld>
   <p:timing>
     <p:tnLst>
       <p:par>
-        <p:cTn id="123" dur="indefinite" restart="never" nodeType="tmRoot">
+        <p:cTn id="118" dur="indefinite" restart="never" nodeType="tmRoot">
           <p:childTnLst>
             <p:seq>
-              <p:cTn id="124" dur="indefinite" nodeType="mainSeq"/>
+              <p:cTn id="119" dur="indefinite" nodeType="mainSeq">
+                <p:childTnLst>
+                  <p:par>
+                    <p:cTn id="120" fill="hold">
+                      <p:stCondLst>
+                        <p:cond delay="0"/>
+                      </p:stCondLst>
+                      <p:childTnLst>
+                        <p:par>
+                          <p:cTn id="121" fill="hold">
+                            <p:stCondLst>
+                              <p:cond delay="0"/>
+                            </p:stCondLst>
+                            <p:childTnLst>
+                              <p:par>
+                                <p:cTn id="122" nodeType="afterEffect" fill="hold" presetClass="entr" presetID="10">
+                                  <p:stCondLst>
+                                    <p:cond delay="0"/>
+                                  </p:stCondLst>
+                                  <p:childTnLst>
+                                    <p:set>
+                                      <p:cBhvr>
+                                        <p:cTn id="123" dur="1" fill="hold">
+                                          <p:stCondLst>
+                                            <p:cond delay="0"/>
+                                          </p:stCondLst>
+                                        </p:cTn>
+                                        <p:tgtEl>
+                                          <p:spTgt spid="181"/>
+                                        </p:tgtEl>
+                                        <p:attrNameLst>
+                                          <p:attrName>style.visibility</p:attrName>
+                                        </p:attrNameLst>
+                                      </p:cBhvr>
+                                      <p:to>
+                                        <p:strVal val="visible"/>
+                                      </p:to>
+                                    </p:set>
+                                    <p:animEffect filter="fade" transition="in">
+                                      <p:cBhvr additive="repl">
+                                        <p:cTn id="124" dur="500"/>
+                                        <p:tgtEl>
+                                          <p:spTgt spid="181"/>
+                                        </p:tgtEl>
+                                      </p:cBhvr>
+                                    </p:animEffect>
+                                  </p:childTnLst>
+                                </p:cTn>
+                              </p:par>
+                            </p:childTnLst>
+                          </p:cTn>
+                        </p:par>
+                      </p:childTnLst>
+                    </p:cTn>
+                  </p:par>
+                </p:childTnLst>
+              </p:cTn>
               <p:prevCondLst>
                 <p:cond delay="0" evt="onPrev">
                   <p:tgtEl>
@@ -11581,14 +12227,14 @@
       </p:grpSpPr>
       <p:sp>
         <p:nvSpPr>
-          <p:cNvPr id="178" name="CustomShape 1"/>
+          <p:cNvPr id="182" name="CustomShape 1"/>
           <p:cNvSpPr/>
           <p:nvPr/>
         </p:nvSpPr>
         <p:spPr>
           <a:xfrm>
-            <a:off x="1143000" y="380880"/>
-            <a:ext cx="9524520" cy="577800"/>
+            <a:off x="1447920" y="2133720"/>
+            <a:ext cx="9524520" cy="1553400"/>
           </a:xfrm>
           <a:prstGeom prst="rect">
             <a:avLst/>
@@ -11613,168 +12259,15 @@
               </a:lnSpc>
             </a:pPr>
             <a:r>
-              <a:rPr b="1" lang="en-US" sz="3200" spc="-1" strike="noStrike">
+              <a:rPr b="1" lang="en-US" sz="9600" spc="-1" strike="noStrike">
                 <a:solidFill>
                   <a:srgbClr val="ffffff"/>
                 </a:solidFill>
                 <a:latin typeface="Times New Roman"/>
               </a:rPr>
-              <a:t>Phụ Lục</a:t>
-            </a:r>
-            <a:endParaRPr b="0" lang="en-US" sz="3200" spc="-1" strike="noStrike">
-              <a:latin typeface="Arial"/>
-            </a:endParaRPr>
-          </a:p>
-        </p:txBody>
-      </p:sp>
-      <p:sp>
-        <p:nvSpPr>
-          <p:cNvPr id="179" name="CustomShape 2"/>
-          <p:cNvSpPr/>
-          <p:nvPr/>
-        </p:nvSpPr>
-        <p:spPr>
-          <a:xfrm>
-            <a:off x="1447920" y="1371600"/>
-            <a:ext cx="9524520" cy="2650680"/>
-          </a:xfrm>
-          <a:prstGeom prst="rect">
-            <a:avLst/>
-          </a:prstGeom>
-          <a:noFill/>
-          <a:ln>
-            <a:noFill/>
-          </a:ln>
-        </p:spPr>
-        <p:style>
-          <a:lnRef idx="0"/>
-          <a:fillRef idx="0"/>
-          <a:effectRef idx="0"/>
-          <a:fontRef idx="minor"/>
-        </p:style>
-        <p:txBody>
-          <a:bodyPr lIns="90000" rIns="90000" tIns="45000" bIns="45000"/>
-          <a:p>
-            <a:pPr>
-              <a:lnSpc>
-                <a:spcPct val="100000"/>
-              </a:lnSpc>
-            </a:pPr>
-            <a:r>
-              <a:rPr b="1" lang="en-US" sz="2400" spc="-1" strike="noStrike">
-                <a:solidFill>
-                  <a:srgbClr val="ffffff"/>
-                </a:solidFill>
-                <a:latin typeface="Times New Roman"/>
-              </a:rPr>
-              <a:t>D. Vohra, Apache HBase Primer 2016</a:t>
-            </a:r>
-            <a:endParaRPr b="0" lang="en-US" sz="2400" spc="-1" strike="noStrike">
-              <a:latin typeface="Arial"/>
-            </a:endParaRPr>
-          </a:p>
-          <a:p>
-            <a:pPr>
-              <a:lnSpc>
-                <a:spcPct val="100000"/>
-              </a:lnSpc>
-            </a:pPr>
-            <a:r>
-              <a:rPr b="1" lang="en-US" sz="2400" spc="-1" strike="noStrike">
-                <a:solidFill>
-                  <a:srgbClr val="ffffff"/>
-                </a:solidFill>
-                <a:latin typeface="Times New Roman"/>
-              </a:rPr>
-              <a:t>Nguồn ảnh: edureka.co</a:t>
-            </a:r>
-            <a:endParaRPr b="0" lang="en-US" sz="2400" spc="-1" strike="noStrike">
-              <a:latin typeface="Arial"/>
-            </a:endParaRPr>
-          </a:p>
-          <a:p>
-            <a:pPr>
-              <a:lnSpc>
-                <a:spcPct val="100000"/>
-              </a:lnSpc>
-            </a:pPr>
-            <a:r>
-              <a:rPr b="1" lang="en-US" sz="2400" spc="-1" strike="noStrike">
-                <a:solidFill>
-                  <a:srgbClr val="ffffff"/>
-                </a:solidFill>
-                <a:latin typeface="Times New Roman"/>
-              </a:rPr>
-              <a:t>hbase.apache.org/book.html</a:t>
-            </a:r>
-            <a:endParaRPr b="0" lang="en-US" sz="2400" spc="-1" strike="noStrike">
-              <a:latin typeface="Arial"/>
-            </a:endParaRPr>
-          </a:p>
-          <a:p>
-            <a:pPr>
-              <a:lnSpc>
-                <a:spcPct val="100000"/>
-              </a:lnSpc>
-            </a:pPr>
-            <a:r>
-              <a:rPr b="1" lang="en-US" sz="2400" spc="-1" strike="noStrike">
-                <a:solidFill>
-                  <a:srgbClr val="ffffff"/>
-                </a:solidFill>
-                <a:latin typeface="Times New Roman"/>
-              </a:rPr>
-              <a:t>blog.acolyer.org</a:t>
-            </a:r>
-            <a:endParaRPr b="0" lang="en-US" sz="2400" spc="-1" strike="noStrike">
-              <a:latin typeface="Arial"/>
-            </a:endParaRPr>
-          </a:p>
-          <a:p>
-            <a:pPr>
-              <a:lnSpc>
-                <a:spcPct val="100000"/>
-              </a:lnSpc>
-            </a:pPr>
-            <a:r>
-              <a:rPr b="1" lang="en-US" sz="2400" spc="-1" strike="noStrike">
-                <a:solidFill>
-                  <a:srgbClr val="ffffff"/>
-                </a:solidFill>
-                <a:latin typeface="Times New Roman"/>
-              </a:rPr>
-              <a:t>appinventiv.com/blog/hbase-vs-cassandra</a:t>
-            </a:r>
-            <a:endParaRPr b="0" lang="en-US" sz="2400" spc="-1" strike="noStrike">
-              <a:latin typeface="Arial"/>
-            </a:endParaRPr>
-          </a:p>
-          <a:p>
-            <a:pPr>
-              <a:lnSpc>
-                <a:spcPct val="100000"/>
-              </a:lnSpc>
-            </a:pPr>
-            <a:r>
-              <a:rPr b="1" lang="en-US" sz="2400" spc="-1" strike="noStrike">
-                <a:solidFill>
-                  <a:srgbClr val="ffffff"/>
-                </a:solidFill>
-                <a:latin typeface="Times New Roman"/>
-              </a:rPr>
-              <a:t>www.scnsoft.com/blog/cassandra-vs-hbase</a:t>
-            </a:r>
-            <a:endParaRPr b="0" lang="en-US" sz="2400" spc="-1" strike="noStrike">
-              <a:latin typeface="Arial"/>
-            </a:endParaRPr>
-          </a:p>
-          <a:p>
-            <a:pPr>
-              <a:lnSpc>
-                <a:spcPct val="100000"/>
-              </a:lnSpc>
-            </a:pPr>
-            <a:endParaRPr b="0" lang="en-US" sz="2400" spc="-1" strike="noStrike">
+              <a:t>THANK YOU</a:t>
+            </a:r>
+            <a:endParaRPr b="0" lang="en-US" sz="9600" spc="-1" strike="noStrike">
               <a:latin typeface="Arial"/>
             </a:endParaRPr>
           </a:p>
@@ -11829,135 +12322,16 @@
           <a:chExt cx="0" cy="0"/>
         </a:xfrm>
       </p:grpSpPr>
-      <p:grpSp>
-        <p:nvGrpSpPr>
-          <p:cNvPr id="180" name="Group 1"/>
-          <p:cNvGrpSpPr/>
-          <p:nvPr/>
-        </p:nvGrpSpPr>
-        <p:grpSpPr>
-          <a:xfrm>
-            <a:off x="1600200" y="304920"/>
-            <a:ext cx="9295920" cy="609120"/>
-            <a:chOff x="1600200" y="304920"/>
-            <a:chExt cx="9295920" cy="609120"/>
-          </a:xfrm>
-        </p:grpSpPr>
-        <p:sp>
-          <p:nvSpPr>
-            <p:cNvPr id="181" name="CustomShape 2"/>
-            <p:cNvSpPr/>
-            <p:nvPr/>
-          </p:nvSpPr>
-          <p:spPr>
-            <a:xfrm>
-              <a:off x="1600200" y="304920"/>
-              <a:ext cx="9295920" cy="609120"/>
-            </a:xfrm>
-            <a:prstGeom prst="roundRect">
-              <a:avLst>
-                <a:gd name="adj" fmla="val 16667"/>
-              </a:avLst>
-            </a:prstGeom>
-            <a:solidFill>
-              <a:schemeClr val="accent6">
-                <a:lumMod val="75000"/>
-              </a:schemeClr>
-            </a:solidFill>
-            <a:ln>
-              <a:round/>
-            </a:ln>
-            <a:effectLst>
-              <a:outerShdw blurRad="40000" dir="5400000" dist="20000" rotWithShape="0">
-                <a:srgbClr val="000000">
-                  <a:alpha val="38000"/>
-                </a:srgbClr>
-              </a:outerShdw>
-            </a:effectLst>
-          </p:spPr>
-          <p:style>
-            <a:lnRef idx="3">
-              <a:schemeClr val="lt1">
-                <a:hueOff val="0"/>
-                <a:satOff val="0"/>
-                <a:lumOff val="0"/>
-                <a:alphaOff val="0"/>
-              </a:schemeClr>
-            </a:lnRef>
-            <a:fillRef idx="0"/>
-            <a:effectRef idx="1">
-              <a:schemeClr val="accent3">
-                <a:hueOff val="5625132"/>
-                <a:satOff val="-8440"/>
-                <a:lumOff val="-1373"/>
-                <a:alphaOff val="0"/>
-              </a:schemeClr>
-            </a:effectRef>
-            <a:fontRef idx="minor"/>
-          </p:style>
-        </p:sp>
-        <p:sp>
-          <p:nvSpPr>
-            <p:cNvPr id="182" name="CustomShape 3"/>
-            <p:cNvSpPr/>
-            <p:nvPr/>
-          </p:nvSpPr>
-          <p:spPr>
-            <a:xfrm>
-              <a:off x="1664280" y="334440"/>
-              <a:ext cx="9168120" cy="549720"/>
-            </a:xfrm>
-            <a:prstGeom prst="rect">
-              <a:avLst/>
-            </a:prstGeom>
-            <a:noFill/>
-            <a:ln>
-              <a:noFill/>
-            </a:ln>
-          </p:spPr>
-          <p:style>
-            <a:lnRef idx="0"/>
-            <a:fillRef idx="0"/>
-            <a:effectRef idx="0"/>
-            <a:fontRef idx="minor"/>
-          </p:style>
-          <p:txBody>
-            <a:bodyPr lIns="213480" rIns="213480" tIns="213480" bIns="213480" anchor="ctr"/>
-            <a:p>
-              <a:pPr algn="ctr">
-                <a:lnSpc>
-                  <a:spcPct val="90000"/>
-                </a:lnSpc>
-                <a:spcAft>
-                  <a:spcPts val="981"/>
-                </a:spcAft>
-              </a:pPr>
-              <a:r>
-                <a:rPr b="1" lang="en-US" sz="2800" spc="-1" strike="noStrike">
-                  <a:solidFill>
-                    <a:srgbClr val="ffffff"/>
-                  </a:solidFill>
-                  <a:latin typeface="Times New Roman"/>
-                </a:rPr>
-                <a:t>Phần 2: Apache HBase</a:t>
-              </a:r>
-              <a:endParaRPr b="0" lang="en-US" sz="2800" spc="-1" strike="noStrike">
-                <a:latin typeface="Arial"/>
-              </a:endParaRPr>
-            </a:p>
-          </p:txBody>
-        </p:sp>
-      </p:grpSp>
       <p:sp>
         <p:nvSpPr>
-          <p:cNvPr id="183" name="CustomShape 4"/>
+          <p:cNvPr id="183" name="CustomShape 1"/>
           <p:cNvSpPr/>
           <p:nvPr/>
         </p:nvSpPr>
         <p:spPr>
           <a:xfrm>
-            <a:off x="609480" y="944280"/>
-            <a:ext cx="10515240" cy="577800"/>
+            <a:off x="1143000" y="380880"/>
+            <a:ext cx="9524520" cy="577800"/>
           </a:xfrm>
           <a:prstGeom prst="rect">
             <a:avLst/>
@@ -11976,15 +12350,10 @@
         <p:txBody>
           <a:bodyPr lIns="90000" rIns="90000" tIns="45000" bIns="45000"/>
           <a:p>
-            <a:pPr marL="457200" indent="-456840">
+            <a:pPr algn="ctr">
               <a:lnSpc>
                 <a:spcPct val="100000"/>
               </a:lnSpc>
-              <a:buClr>
-                <a:srgbClr val="ffffff"/>
-              </a:buClr>
-              <a:buFont typeface="Wingdings" charset="2"/>
-              <a:buChar char=""/>
             </a:pPr>
             <a:r>
               <a:rPr b="1" lang="en-US" sz="3200" spc="-1" strike="noStrike">
@@ -11993,7 +12362,7 @@
                 </a:solidFill>
                 <a:latin typeface="Times New Roman"/>
               </a:rPr>
-              <a:t>Tính chất</a:t>
+              <a:t>Phụ Lục</a:t>
             </a:r>
             <a:endParaRPr b="0" lang="en-US" sz="3200" spc="-1" strike="noStrike">
               <a:latin typeface="Arial"/>
@@ -12003,40 +12372,14 @@
       </p:sp>
       <p:sp>
         <p:nvSpPr>
-          <p:cNvPr id="184" name="CustomShape 5"/>
+          <p:cNvPr id="184" name="CustomShape 2"/>
           <p:cNvSpPr/>
           <p:nvPr/>
         </p:nvSpPr>
         <p:spPr>
           <a:xfrm>
-            <a:off x="990720" y="1624680"/>
-            <a:ext cx="10515240" cy="461160"/>
-          </a:xfrm>
-          <a:prstGeom prst="rect">
-            <a:avLst/>
-          </a:prstGeom>
-          <a:noFill/>
-          <a:ln>
-            <a:noFill/>
-          </a:ln>
-        </p:spPr>
-        <p:style>
-          <a:lnRef idx="0"/>
-          <a:fillRef idx="0"/>
-          <a:effectRef idx="0"/>
-          <a:fontRef idx="minor"/>
-        </p:style>
-      </p:sp>
-      <p:sp>
-        <p:nvSpPr>
-          <p:cNvPr id="185" name="CustomShape 6"/>
-          <p:cNvSpPr/>
-          <p:nvPr/>
-        </p:nvSpPr>
-        <p:spPr>
-          <a:xfrm>
-            <a:off x="990720" y="1440360"/>
-            <a:ext cx="10515240" cy="456120"/>
+            <a:off x="1447920" y="1371600"/>
+            <a:ext cx="9524520" cy="2650680"/>
           </a:xfrm>
           <a:prstGeom prst="rect">
             <a:avLst/>
@@ -12055,263 +12398,126 @@
         <p:txBody>
           <a:bodyPr lIns="90000" rIns="90000" tIns="45000" bIns="45000"/>
           <a:p>
-            <a:pPr marL="285840" indent="-285480">
-              <a:lnSpc>
-                <a:spcPct val="100000"/>
-              </a:lnSpc>
-              <a:buClr>
-                <a:srgbClr val="ffffff"/>
-              </a:buClr>
-              <a:buFont typeface="Arial"/>
-              <a:buChar char="•"/>
-            </a:pPr>
-            <a:r>
-              <a:rPr b="1" i="1" lang="en-US" sz="2400" spc="-1" strike="noStrike">
-                <a:solidFill>
-                  <a:srgbClr val="ffffff"/>
-                </a:solidFill>
-                <a:latin typeface="Times New Roman"/>
-              </a:rPr>
-              <a:t>Tính phân tán (Distributed): Có hai phương thức phân tán</a:t>
-            </a:r>
-            <a:endParaRPr b="0" lang="en-US" sz="2400" spc="-1" strike="noStrike">
-              <a:latin typeface="Arial"/>
-            </a:endParaRPr>
-          </a:p>
-        </p:txBody>
-      </p:sp>
-      <p:sp>
-        <p:nvSpPr>
-          <p:cNvPr id="186" name="CustomShape 7"/>
-          <p:cNvSpPr/>
-          <p:nvPr/>
-        </p:nvSpPr>
-        <p:spPr>
-          <a:xfrm>
-            <a:off x="1378800" y="1874520"/>
-            <a:ext cx="10515240" cy="2895120"/>
-          </a:xfrm>
-          <a:prstGeom prst="rect">
-            <a:avLst/>
-          </a:prstGeom>
-          <a:noFill/>
-          <a:ln>
-            <a:noFill/>
-          </a:ln>
-        </p:spPr>
-        <p:style>
-          <a:lnRef idx="0"/>
-          <a:fillRef idx="0"/>
-          <a:effectRef idx="0"/>
-          <a:fontRef idx="minor"/>
-        </p:style>
-        <p:txBody>
-          <a:bodyPr lIns="90000" rIns="90000" tIns="45000" bIns="45000"/>
-          <a:p>
-            <a:pPr marL="343080" indent="-342720">
-              <a:lnSpc>
-                <a:spcPct val="100000"/>
-              </a:lnSpc>
-              <a:buClr>
-                <a:srgbClr val="ffffff"/>
-              </a:buClr>
-              <a:buFont typeface="Wingdings" charset="2"/>
-              <a:buChar char=""/>
-            </a:pPr>
-            <a:r>
-              <a:rPr b="0" lang="en-US" sz="2200" spc="-1" strike="noStrike" u="sng">
-                <a:solidFill>
-                  <a:srgbClr val="ffffff"/>
-                </a:solidFill>
-                <a:uFillTx/>
-                <a:latin typeface="Times New Roman"/>
-              </a:rPr>
-              <a:t>Giả phân tán</a:t>
-            </a:r>
-            <a:r>
-              <a:rPr b="0" lang="en-US" sz="2200" spc="-1" strike="noStrike">
-                <a:solidFill>
-                  <a:srgbClr val="ffffff"/>
-                </a:solidFill>
-                <a:latin typeface="Times New Roman"/>
-              </a:rPr>
-              <a:t>:</a:t>
-            </a:r>
-            <a:endParaRPr b="0" lang="en-US" sz="2200" spc="-1" strike="noStrike">
-              <a:latin typeface="Arial"/>
-            </a:endParaRPr>
-          </a:p>
-          <a:p>
-            <a:pPr lvl="1" marL="800280" indent="-342720">
-              <a:lnSpc>
-                <a:spcPct val="100000"/>
-              </a:lnSpc>
-              <a:buClr>
-                <a:srgbClr val="ffffff"/>
-              </a:buClr>
-              <a:buFont typeface="Wingdings" charset="2"/>
-              <a:buChar char=""/>
-            </a:pPr>
-            <a:r>
-              <a:rPr b="0" lang="en-US" sz="2000" spc="-1" strike="noStrike">
-                <a:solidFill>
-                  <a:srgbClr val="ffffff"/>
-                </a:solidFill>
-                <a:latin typeface="Times New Roman"/>
-              </a:rPr>
-              <a:t>Mỗi thành phần của HBase là một process riêng lẻ, và đều chạy trên 1 node.</a:t>
-            </a:r>
-            <a:endParaRPr b="0" lang="en-US" sz="2000" spc="-1" strike="noStrike">
-              <a:latin typeface="Arial"/>
-            </a:endParaRPr>
-          </a:p>
-          <a:p>
-            <a:pPr lvl="1" marL="800280" indent="-342720">
-              <a:lnSpc>
-                <a:spcPct val="100000"/>
-              </a:lnSpc>
-              <a:buClr>
-                <a:srgbClr val="ffffff"/>
-              </a:buClr>
-              <a:buFont typeface="Wingdings" charset="2"/>
-              <a:buChar char=""/>
-            </a:pPr>
-            <a:r>
-              <a:rPr b="0" lang="en-US" sz="2000" spc="-1" strike="noStrike">
-                <a:solidFill>
-                  <a:srgbClr val="ffffff"/>
-                </a:solidFill>
-                <a:latin typeface="Times New Roman"/>
-              </a:rPr>
-              <a:t>Lưu file local hoặc lưu trên HDFS</a:t>
-            </a:r>
-            <a:endParaRPr b="0" lang="en-US" sz="2000" spc="-1" strike="noStrike">
-              <a:latin typeface="Arial"/>
-            </a:endParaRPr>
-          </a:p>
-          <a:p>
-            <a:pPr lvl="1" marL="800280" indent="-342720">
-              <a:lnSpc>
-                <a:spcPct val="100000"/>
-              </a:lnSpc>
-              <a:buClr>
-                <a:srgbClr val="ffffff"/>
-              </a:buClr>
-              <a:buFont typeface="Wingdings" charset="2"/>
-              <a:buChar char=""/>
-            </a:pPr>
-            <a:r>
-              <a:rPr b="0" lang="en-US" sz="2000" spc="-1" strike="noStrike">
-                <a:solidFill>
-                  <a:srgbClr val="ffffff"/>
-                </a:solidFill>
-                <a:latin typeface="Times New Roman"/>
-              </a:rPr>
-              <a:t>Nhươc điểm: khi node gặp sự cố, cả hệ thống sẽ bị ngưng.</a:t>
-            </a:r>
-            <a:endParaRPr b="0" lang="en-US" sz="2000" spc="-1" strike="noStrike">
-              <a:latin typeface="Arial"/>
-            </a:endParaRPr>
-          </a:p>
-          <a:p>
-            <a:pPr marL="457200">
+            <a:pPr>
               <a:lnSpc>
                 <a:spcPct val="100000"/>
               </a:lnSpc>
             </a:pPr>
-            <a:endParaRPr b="0" lang="en-US" sz="2000" spc="-1" strike="noStrike">
+            <a:r>
+              <a:rPr b="1" lang="en-US" sz="2400" spc="-1" strike="noStrike">
+                <a:solidFill>
+                  <a:srgbClr val="ffffff"/>
+                </a:solidFill>
+                <a:latin typeface="Times New Roman"/>
+              </a:rPr>
+              <a:t>D. Vohra, Apache HBase Primer 2016</a:t>
+            </a:r>
+            <a:endParaRPr b="0" lang="en-US" sz="2400" spc="-1" strike="noStrike">
               <a:latin typeface="Arial"/>
             </a:endParaRPr>
           </a:p>
           <a:p>
-            <a:pPr marL="343080" indent="-342720">
+            <a:pPr>
               <a:lnSpc>
                 <a:spcPct val="100000"/>
               </a:lnSpc>
-              <a:buClr>
-                <a:srgbClr val="ffffff"/>
-              </a:buClr>
-              <a:buFont typeface="Wingdings" charset="2"/>
-              <a:buChar char=""/>
             </a:pPr>
             <a:r>
-              <a:rPr b="0" lang="en-US" sz="2200" spc="-1" strike="noStrike" u="sng">
+              <a:rPr b="1" lang="en-US" sz="2400" spc="-1" strike="noStrike">
                 <a:solidFill>
                   <a:srgbClr val="ffffff"/>
                 </a:solidFill>
-                <a:uFillTx/>
                 <a:latin typeface="Times New Roman"/>
               </a:rPr>
-              <a:t>Phân tán hoàn toàn</a:t>
-            </a:r>
-            <a:r>
-              <a:rPr b="0" lang="en-US" sz="2200" spc="-1" strike="noStrike">
-                <a:solidFill>
-                  <a:srgbClr val="ffffff"/>
-                </a:solidFill>
-                <a:latin typeface="Times New Roman"/>
-              </a:rPr>
-              <a:t>:</a:t>
-            </a:r>
-            <a:endParaRPr b="0" lang="en-US" sz="2200" spc="-1" strike="noStrike">
+              <a:t>Nguồn ảnh: edureka.co</a:t>
+            </a:r>
+            <a:endParaRPr b="0" lang="en-US" sz="2400" spc="-1" strike="noStrike">
               <a:latin typeface="Arial"/>
             </a:endParaRPr>
           </a:p>
           <a:p>
-            <a:pPr lvl="1" marL="800280" indent="-342720">
+            <a:pPr>
               <a:lnSpc>
                 <a:spcPct val="100000"/>
               </a:lnSpc>
-              <a:buClr>
-                <a:srgbClr val="ffffff"/>
-              </a:buClr>
-              <a:buFont typeface="Wingdings" charset="2"/>
-              <a:buChar char=""/>
             </a:pPr>
             <a:r>
-              <a:rPr b="0" lang="en-US" sz="2000" spc="-1" strike="noStrike">
+              <a:rPr b="1" lang="en-US" sz="2400" spc="-1" strike="noStrike">
                 <a:solidFill>
                   <a:srgbClr val="ffffff"/>
                 </a:solidFill>
                 <a:latin typeface="Times New Roman"/>
               </a:rPr>
-              <a:t>Tự động chia tách và phân tán các bảng dữ liệu khi bảng quá lớn.</a:t>
-            </a:r>
-            <a:endParaRPr b="0" lang="en-US" sz="2000" spc="-1" strike="noStrike">
+              <a:t>hbase.apache.org/book.html</a:t>
+            </a:r>
+            <a:endParaRPr b="0" lang="en-US" sz="2400" spc="-1" strike="noStrike">
               <a:latin typeface="Arial"/>
             </a:endParaRPr>
           </a:p>
           <a:p>
-            <a:pPr lvl="1" marL="800280" indent="-342720">
+            <a:pPr>
               <a:lnSpc>
                 <a:spcPct val="100000"/>
               </a:lnSpc>
-              <a:buClr>
-                <a:srgbClr val="ffffff"/>
-              </a:buClr>
-              <a:buFont typeface="Wingdings" charset="2"/>
-              <a:buChar char=""/>
             </a:pPr>
             <a:r>
-              <a:rPr b="0" lang="en-US" sz="2000" spc="-1" strike="noStrike">
+              <a:rPr b="1" lang="en-US" sz="2400" spc="-1" strike="noStrike">
                 <a:solidFill>
                   <a:srgbClr val="ffffff"/>
                 </a:solidFill>
                 <a:latin typeface="Times New Roman"/>
               </a:rPr>
-              <a:t>Thường được dùng để vận hành sản phẩm thật vì được chạy trên một hệ</a:t>
-            </a:r>
-            <a:br/>
-            <a:r>
-              <a:rPr b="0" lang="en-US" sz="2000" spc="-1" strike="noStrike">
+              <a:t>blog.acolyer.org</a:t>
+            </a:r>
+            <a:endParaRPr b="0" lang="en-US" sz="2400" spc="-1" strike="noStrike">
+              <a:latin typeface="Arial"/>
+            </a:endParaRPr>
+          </a:p>
+          <a:p>
+            <a:pPr>
+              <a:lnSpc>
+                <a:spcPct val="100000"/>
+              </a:lnSpc>
+            </a:pPr>
+            <a:r>
+              <a:rPr b="1" lang="en-US" sz="2400" spc="-1" strike="noStrike">
                 <a:solidFill>
                   <a:srgbClr val="ffffff"/>
                 </a:solidFill>
                 <a:latin typeface="Times New Roman"/>
               </a:rPr>
-              <a:t>thống gồm nhiều node.</a:t>
-            </a:r>
-            <a:endParaRPr b="0" lang="en-US" sz="2000" spc="-1" strike="noStrike">
+              <a:t>appinventiv.com/blog/hbase-vs-cassandra</a:t>
+            </a:r>
+            <a:endParaRPr b="0" lang="en-US" sz="2400" spc="-1" strike="noStrike">
+              <a:latin typeface="Arial"/>
+            </a:endParaRPr>
+          </a:p>
+          <a:p>
+            <a:pPr>
+              <a:lnSpc>
+                <a:spcPct val="100000"/>
+              </a:lnSpc>
+            </a:pPr>
+            <a:r>
+              <a:rPr b="1" lang="en-US" sz="2400" spc="-1" strike="noStrike">
+                <a:solidFill>
+                  <a:srgbClr val="ffffff"/>
+                </a:solidFill>
+                <a:latin typeface="Times New Roman"/>
+              </a:rPr>
+              <a:t>www.scnsoft.com/blog/cassandra-vs-hbase</a:t>
+            </a:r>
+            <a:endParaRPr b="0" lang="en-US" sz="2400" spc="-1" strike="noStrike">
+              <a:latin typeface="Arial"/>
+            </a:endParaRPr>
+          </a:p>
+          <a:p>
+            <a:pPr>
+              <a:lnSpc>
+                <a:spcPct val="100000"/>
+              </a:lnSpc>
+            </a:pPr>
+            <a:endParaRPr b="0" lang="en-US" sz="2400" spc="-1" strike="noStrike">
               <a:latin typeface="Arial"/>
             </a:endParaRPr>
           </a:p>
@@ -12325,101 +12531,7 @@
         <p:cTn id="127" dur="indefinite" restart="never" nodeType="tmRoot">
           <p:childTnLst>
             <p:seq>
-              <p:cTn id="128" dur="indefinite" nodeType="mainSeq">
-                <p:childTnLst>
-                  <p:par>
-                    <p:cTn id="129" fill="hold">
-                      <p:stCondLst>
-                        <p:cond delay="0"/>
-                      </p:stCondLst>
-                      <p:childTnLst>
-                        <p:par>
-                          <p:cTn id="130" fill="hold">
-                            <p:stCondLst>
-                              <p:cond delay="0"/>
-                            </p:stCondLst>
-                            <p:childTnLst>
-                              <p:par>
-                                <p:cTn id="131" nodeType="afterEffect" fill="hold" presetClass="entr" presetID="2" presetSubtype="4">
-                                  <p:stCondLst>
-                                    <p:cond delay="0"/>
-                                  </p:stCondLst>
-                                  <p:childTnLst>
-                                    <p:set>
-                                      <p:cBhvr>
-                                        <p:cTn id="132" dur="1" fill="hold">
-                                          <p:stCondLst>
-                                            <p:cond delay="0"/>
-                                          </p:stCondLst>
-                                        </p:cTn>
-                                        <p:tgtEl>
-                                          <p:spTgt spid="186"/>
-                                        </p:tgtEl>
-                                        <p:attrNameLst>
-                                          <p:attrName>style.visibility</p:attrName>
-                                        </p:attrNameLst>
-                                      </p:cBhvr>
-                                      <p:to>
-                                        <p:strVal val="visible"/>
-                                      </p:to>
-                                    </p:set>
-                                    <p:anim calcmode="lin" valueType="num">
-                                      <p:cBhvr additive="repl">
-                                        <p:cTn id="133" dur="300" fill="hold"/>
-                                        <p:tgtEl>
-                                          <p:spTgt spid="186"/>
-                                        </p:tgtEl>
-                                        <p:attrNameLst>
-                                          <p:attrName>ppt_x</p:attrName>
-                                        </p:attrNameLst>
-                                      </p:cBhvr>
-                                      <p:tavLst>
-                                        <p:tav tm="0">
-                                          <p:val>
-                                            <p:strVal val="#ppt_x"/>
-                                          </p:val>
-                                        </p:tav>
-                                        <p:tav tm="100000">
-                                          <p:val>
-                                            <p:strVal val="#ppt_x"/>
-                                          </p:val>
-                                        </p:tav>
-                                      </p:tavLst>
-                                    </p:anim>
-                                    <p:anim calcmode="lin" valueType="num">
-                                      <p:cBhvr additive="repl">
-                                        <p:cTn id="134" dur="300" fill="hold"/>
-                                        <p:tgtEl>
-                                          <p:spTgt spid="186"/>
-                                        </p:tgtEl>
-                                        <p:attrNameLst>
-                                          <p:attrName>ppt_y</p:attrName>
-                                        </p:attrNameLst>
-                                      </p:cBhvr>
-                                      <p:tavLst>
-                                        <p:tav tm="0">
-                                          <p:val>
-                                            <p:strVal val="1+#ppt_h/2"/>
-                                          </p:val>
-                                        </p:tav>
-                                        <p:tav tm="100000">
-                                          <p:val>
-                                            <p:strVal val="#ppt_y"/>
-                                          </p:val>
-                                        </p:tav>
-                                      </p:tavLst>
-                                    </p:anim>
-                                  </p:childTnLst>
-                                </p:cTn>
-                              </p:par>
-                            </p:childTnLst>
-                          </p:cTn>
-                        </p:par>
-                      </p:childTnLst>
-                    </p:cTn>
-                  </p:par>
-                </p:childTnLst>
-              </p:cTn>
+              <p:cTn id="128" dur="indefinite" nodeType="mainSeq"/>
               <p:prevCondLst>
                 <p:cond delay="0" evt="onPrev">
                   <p:tgtEl>
@@ -12820,7 +12932,7 @@
       </p:grpSpPr>
       <p:grpSp>
         <p:nvGrpSpPr>
-          <p:cNvPr id="187" name="Group 1"/>
+          <p:cNvPr id="185" name="Group 1"/>
           <p:cNvGrpSpPr/>
           <p:nvPr/>
         </p:nvGrpSpPr>
@@ -12834,7 +12946,7 @@
         </p:grpSpPr>
         <p:sp>
           <p:nvSpPr>
-            <p:cNvPr id="188" name="CustomShape 2"/>
+            <p:cNvPr id="186" name="CustomShape 2"/>
             <p:cNvSpPr/>
             <p:nvPr/>
           </p:nvSpPr>
@@ -12887,7 +12999,7 @@
         </p:sp>
         <p:sp>
           <p:nvSpPr>
-            <p:cNvPr id="189" name="CustomShape 3"/>
+            <p:cNvPr id="187" name="CustomShape 3"/>
             <p:cNvSpPr/>
             <p:nvPr/>
           </p:nvSpPr>
@@ -12939,7 +13051,7 @@
       </p:grpSp>
       <p:sp>
         <p:nvSpPr>
-          <p:cNvPr id="190" name="CustomShape 4"/>
+          <p:cNvPr id="188" name="CustomShape 4"/>
           <p:cNvSpPr/>
           <p:nvPr/>
         </p:nvSpPr>
@@ -12992,7 +13104,7 @@
       </p:sp>
       <p:sp>
         <p:nvSpPr>
-          <p:cNvPr id="191" name="CustomShape 5"/>
+          <p:cNvPr id="189" name="CustomShape 5"/>
           <p:cNvSpPr/>
           <p:nvPr/>
         </p:nvSpPr>
@@ -13018,7 +13130,7 @@
       </p:sp>
       <p:sp>
         <p:nvSpPr>
-          <p:cNvPr id="192" name="CustomShape 6"/>
+          <p:cNvPr id="190" name="CustomShape 6"/>
           <p:cNvSpPr/>
           <p:nvPr/>
         </p:nvSpPr>
@@ -13061,7 +13173,7 @@
                 </a:solidFill>
                 <a:latin typeface="Times New Roman"/>
               </a:rPr>
-              <a:t>Tính mềm dẻo dữ liệu (Flexible Data)</a:t>
+              <a:t>Tính phân tán (Distributed): Có hai phương thức phân tán</a:t>
             </a:r>
             <a:endParaRPr b="0" lang="en-US" sz="2400" spc="-1" strike="noStrike">
               <a:latin typeface="Arial"/>
@@ -13071,14 +13183,14 @@
       </p:sp>
       <p:sp>
         <p:nvSpPr>
-          <p:cNvPr id="193" name="CustomShape 7"/>
+          <p:cNvPr id="191" name="CustomShape 7"/>
           <p:cNvSpPr/>
           <p:nvPr/>
         </p:nvSpPr>
         <p:spPr>
           <a:xfrm>
             <a:off x="1378800" y="1874520"/>
-            <a:ext cx="10515240" cy="1095840"/>
+            <a:ext cx="10515240" cy="2895120"/>
           </a:xfrm>
           <a:prstGeom prst="rect">
             <a:avLst/>
@@ -13108,15 +13220,107 @@
               <a:buChar char=""/>
             </a:pPr>
             <a:r>
+              <a:rPr b="0" lang="en-US" sz="2200" spc="-1" strike="noStrike" u="sng">
+                <a:solidFill>
+                  <a:srgbClr val="ffffff"/>
+                </a:solidFill>
+                <a:uFillTx/>
+                <a:latin typeface="Times New Roman"/>
+              </a:rPr>
+              <a:t>Giả phân tán</a:t>
+            </a:r>
+            <a:r>
               <a:rPr b="0" lang="en-US" sz="2200" spc="-1" strike="noStrike">
                 <a:solidFill>
                   <a:srgbClr val="ffffff"/>
                 </a:solidFill>
-                <a:latin typeface="Calibri"/>
-              </a:rPr>
-              <a:t>HBase được lấy ý tưởng từ Google BigTable và chạy trên nền Hadoop.</a:t>
+                <a:latin typeface="Times New Roman"/>
+              </a:rPr>
+              <a:t>:</a:t>
             </a:r>
             <a:endParaRPr b="0" lang="en-US" sz="2200" spc="-1" strike="noStrike">
+              <a:latin typeface="Arial"/>
+            </a:endParaRPr>
+          </a:p>
+          <a:p>
+            <a:pPr lvl="1" marL="800280" indent="-342720">
+              <a:lnSpc>
+                <a:spcPct val="100000"/>
+              </a:lnSpc>
+              <a:buClr>
+                <a:srgbClr val="ffffff"/>
+              </a:buClr>
+              <a:buFont typeface="Wingdings" charset="2"/>
+              <a:buChar char=""/>
+            </a:pPr>
+            <a:r>
+              <a:rPr b="0" lang="en-US" sz="2000" spc="-1" strike="noStrike">
+                <a:solidFill>
+                  <a:srgbClr val="ffffff"/>
+                </a:solidFill>
+                <a:latin typeface="Times New Roman"/>
+              </a:rPr>
+              <a:t>Mỗi thành phần của HBase là một process riêng lẻ, và đều chạy trên 1 node.</a:t>
+            </a:r>
+            <a:endParaRPr b="0" lang="en-US" sz="2000" spc="-1" strike="noStrike">
+              <a:latin typeface="Arial"/>
+            </a:endParaRPr>
+          </a:p>
+          <a:p>
+            <a:pPr lvl="1" marL="800280" indent="-342720">
+              <a:lnSpc>
+                <a:spcPct val="100000"/>
+              </a:lnSpc>
+              <a:buClr>
+                <a:srgbClr val="ffffff"/>
+              </a:buClr>
+              <a:buFont typeface="Wingdings" charset="2"/>
+              <a:buChar char=""/>
+            </a:pPr>
+            <a:r>
+              <a:rPr b="0" lang="en-US" sz="2000" spc="-1" strike="noStrike">
+                <a:solidFill>
+                  <a:srgbClr val="ffffff"/>
+                </a:solidFill>
+                <a:latin typeface="Times New Roman"/>
+              </a:rPr>
+              <a:t>Lưu file local hoặc lưu trên HDFS</a:t>
+            </a:r>
+            <a:endParaRPr b="0" lang="en-US" sz="2000" spc="-1" strike="noStrike">
+              <a:latin typeface="Arial"/>
+            </a:endParaRPr>
+          </a:p>
+          <a:p>
+            <a:pPr lvl="1" marL="800280" indent="-342720">
+              <a:lnSpc>
+                <a:spcPct val="100000"/>
+              </a:lnSpc>
+              <a:buClr>
+                <a:srgbClr val="ffffff"/>
+              </a:buClr>
+              <a:buFont typeface="Wingdings" charset="2"/>
+              <a:buChar char=""/>
+            </a:pPr>
+            <a:r>
+              <a:rPr b="0" lang="en-US" sz="2000" spc="-1" strike="noStrike">
+                <a:solidFill>
+                  <a:srgbClr val="ffffff"/>
+                </a:solidFill>
+                <a:latin typeface="Times New Roman"/>
+              </a:rPr>
+              <a:t>Nhươc điểm: khi node gặp sự cố, cả hệ thống sẽ bị ngưng.</a:t>
+            </a:r>
+            <a:endParaRPr b="0" lang="en-US" sz="2000" spc="-1" strike="noStrike">
+              <a:latin typeface="Arial"/>
+            </a:endParaRPr>
+          </a:p>
+          <a:p>
+            <a:pPr marL="457200">
+              <a:lnSpc>
+                <a:spcPct val="100000"/>
+              </a:lnSpc>
+            </a:pPr>
+            <a:endParaRPr b="0" lang="en-US" sz="2000" spc="-1" strike="noStrike">
               <a:latin typeface="Arial"/>
             </a:endParaRPr>
           </a:p>
@@ -13132,269 +13336,83 @@
               <a:buChar char=""/>
             </a:pPr>
             <a:r>
+              <a:rPr b="0" lang="en-US" sz="2200" spc="-1" strike="noStrike" u="sng">
+                <a:solidFill>
+                  <a:srgbClr val="ffffff"/>
+                </a:solidFill>
+                <a:uFillTx/>
+                <a:latin typeface="Times New Roman"/>
+              </a:rPr>
+              <a:t>Phân tán hoàn toàn</a:t>
+            </a:r>
+            <a:r>
               <a:rPr b="0" lang="en-US" sz="2200" spc="-1" strike="noStrike">
                 <a:solidFill>
                   <a:srgbClr val="ffffff"/>
                 </a:solidFill>
-                <a:latin typeface="Calibri"/>
-              </a:rPr>
-              <a:t>HBase không quy định trước kiểu dữ liệu, vì tất cả các loại dữ liệu đều được lưu dưới dạng ByteArray</a:t>
+                <a:latin typeface="Times New Roman"/>
+              </a:rPr>
+              <a:t>:</a:t>
             </a:r>
             <a:endParaRPr b="0" lang="en-US" sz="2200" spc="-1" strike="noStrike">
               <a:latin typeface="Arial"/>
             </a:endParaRPr>
           </a:p>
-        </p:txBody>
-      </p:sp>
-      <p:pic>
-        <p:nvPicPr>
-          <p:cNvPr id="194" name="Picture 1" descr=""/>
-          <p:cNvPicPr/>
-          <p:nvPr/>
-        </p:nvPicPr>
-        <p:blipFill>
-          <a:blip r:embed="rId1"/>
-          <a:stretch/>
-        </p:blipFill>
-        <p:spPr>
-          <a:xfrm>
-            <a:off x="3352680" y="3382920"/>
-            <a:ext cx="6810120" cy="2864880"/>
-          </a:xfrm>
-          <a:prstGeom prst="rect">
-            <a:avLst/>
-          </a:prstGeom>
-          <a:ln>
-            <a:noFill/>
-          </a:ln>
-        </p:spPr>
-      </p:pic>
-      <p:sp>
-        <p:nvSpPr>
-          <p:cNvPr id="195" name="CustomShape 8"/>
-          <p:cNvSpPr/>
-          <p:nvPr/>
-        </p:nvSpPr>
-        <p:spPr>
-          <a:xfrm rot="16200000">
-            <a:off x="1036440" y="3552120"/>
-            <a:ext cx="1126440" cy="2742120"/>
-          </a:xfrm>
-          <a:prstGeom prst="wedgeRoundRectCallout">
-            <a:avLst>
-              <a:gd name="adj1" fmla="val -20833"/>
-              <a:gd name="adj2" fmla="val 62500"/>
-              <a:gd name="adj3" fmla="val 16667"/>
-            </a:avLst>
-          </a:prstGeom>
-          <a:solidFill>
-            <a:srgbClr val="002060"/>
-          </a:solidFill>
-          <a:ln>
-            <a:noFill/>
-          </a:ln>
-        </p:spPr>
-        <p:style>
-          <a:lnRef idx="2">
-            <a:schemeClr val="accent1">
-              <a:shade val="50000"/>
-            </a:schemeClr>
-          </a:lnRef>
-          <a:fillRef idx="1">
-            <a:schemeClr val="accent1"/>
-          </a:fillRef>
-          <a:effectRef idx="0">
-            <a:schemeClr val="accent1"/>
-          </a:effectRef>
-          <a:fontRef idx="minor"/>
-        </p:style>
-      </p:sp>
-      <p:sp>
-        <p:nvSpPr>
-          <p:cNvPr id="196" name="CustomShape 9"/>
-          <p:cNvSpPr/>
-          <p:nvPr/>
-        </p:nvSpPr>
-        <p:spPr>
-          <a:xfrm>
-            <a:off x="228600" y="4409280"/>
-            <a:ext cx="2742120" cy="913320"/>
-          </a:xfrm>
-          <a:prstGeom prst="rect">
-            <a:avLst/>
-          </a:prstGeom>
-          <a:noFill/>
-          <a:ln>
-            <a:noFill/>
-          </a:ln>
-        </p:spPr>
-        <p:style>
-          <a:lnRef idx="0"/>
-          <a:fillRef idx="0"/>
-          <a:effectRef idx="0"/>
-          <a:fontRef idx="minor"/>
-        </p:style>
-        <p:txBody>
-          <a:bodyPr lIns="90000" rIns="90000" tIns="45000" bIns="45000"/>
-          <a:p>
-            <a:pPr>
+          <a:p>
+            <a:pPr lvl="1" marL="800280" indent="-342720">
               <a:lnSpc>
                 <a:spcPct val="100000"/>
               </a:lnSpc>
+              <a:buClr>
+                <a:srgbClr val="ffffff"/>
+              </a:buClr>
+              <a:buFont typeface="Wingdings" charset="2"/>
+              <a:buChar char=""/>
             </a:pPr>
             <a:r>
-              <a:rPr b="1" lang="en-US" sz="1800" spc="-1" strike="noStrike">
+              <a:rPr b="0" lang="en-US" sz="2000" spc="-1" strike="noStrike">
                 <a:solidFill>
                   <a:srgbClr val="ffffff"/>
                 </a:solidFill>
                 <a:latin typeface="Times New Roman"/>
               </a:rPr>
-              <a:t>* Đối tượng được lưu trữ là bảng(table)</a:t>
-            </a:r>
-            <a:endParaRPr b="0" lang="en-US" sz="1800" spc="-1" strike="noStrike">
+              <a:t>Tự động chia tách và phân tán các bảng dữ liệu khi bảng quá lớn.</a:t>
+            </a:r>
+            <a:endParaRPr b="0" lang="en-US" sz="2000" spc="-1" strike="noStrike">
               <a:latin typeface="Arial"/>
             </a:endParaRPr>
           </a:p>
           <a:p>
-            <a:pPr>
+            <a:pPr lvl="1" marL="800280" indent="-342720">
               <a:lnSpc>
                 <a:spcPct val="100000"/>
               </a:lnSpc>
+              <a:buClr>
+                <a:srgbClr val="ffffff"/>
+              </a:buClr>
+              <a:buFont typeface="Wingdings" charset="2"/>
+              <a:buChar char=""/>
             </a:pPr>
             <a:r>
-              <a:rPr b="1" lang="en-US" sz="1800" spc="-1" strike="noStrike">
+              <a:rPr b="0" lang="en-US" sz="2000" spc="-1" strike="noStrike">
                 <a:solidFill>
                   <a:srgbClr val="ffffff"/>
                 </a:solidFill>
                 <a:latin typeface="Times New Roman"/>
               </a:rPr>
-              <a:t>* Mỗi bảng có nhiều rows</a:t>
-            </a:r>
-            <a:endParaRPr b="0" lang="en-US" sz="1800" spc="-1" strike="noStrike">
-              <a:latin typeface="Arial"/>
-            </a:endParaRPr>
-          </a:p>
-        </p:txBody>
-      </p:sp>
-      <p:sp>
-        <p:nvSpPr>
-          <p:cNvPr id="197" name="CustomShape 10"/>
-          <p:cNvSpPr/>
-          <p:nvPr/>
-        </p:nvSpPr>
-        <p:spPr>
-          <a:xfrm>
-            <a:off x="4589280" y="2675520"/>
-            <a:ext cx="2430720" cy="753120"/>
-          </a:xfrm>
-          <a:prstGeom prst="wedgeRoundRectCallout">
-            <a:avLst>
-              <a:gd name="adj1" fmla="val -16060"/>
-              <a:gd name="adj2" fmla="val 93644"/>
-              <a:gd name="adj3" fmla="val 16667"/>
-            </a:avLst>
-          </a:prstGeom>
-          <a:solidFill>
-            <a:srgbClr val="00b050"/>
-          </a:solidFill>
-          <a:ln>
-            <a:noFill/>
-          </a:ln>
-        </p:spPr>
-        <p:style>
-          <a:lnRef idx="2">
-            <a:schemeClr val="accent1">
-              <a:shade val="50000"/>
-            </a:schemeClr>
-          </a:lnRef>
-          <a:fillRef idx="1">
-            <a:schemeClr val="accent1"/>
-          </a:fillRef>
-          <a:effectRef idx="0">
-            <a:schemeClr val="accent1"/>
-          </a:effectRef>
-          <a:fontRef idx="minor"/>
-        </p:style>
-        <p:txBody>
-          <a:bodyPr lIns="90000" rIns="90000" tIns="45000" bIns="45000" anchor="ctr"/>
-          <a:p>
-            <a:pPr>
-              <a:lnSpc>
-                <a:spcPct val="100000"/>
-              </a:lnSpc>
-            </a:pPr>
-            <a:r>
-              <a:rPr b="1" lang="en-US" sz="1800" spc="-1" strike="noStrike">
+              <a:t>Thường được dùng để vận hành sản phẩm thật vì được chạy trên một hệ</a:t>
+            </a:r>
+            <a:br/>
+            <a:r>
+              <a:rPr b="0" lang="en-US" sz="2000" spc="-1" strike="noStrike">
                 <a:solidFill>
                   <a:srgbClr val="ffffff"/>
                 </a:solidFill>
                 <a:latin typeface="Times New Roman"/>
               </a:rPr>
-              <a:t>* Mỗi bảng gồm nhiều column family</a:t>
-            </a:r>
-            <a:endParaRPr b="0" lang="en-US" sz="1800" spc="-1" strike="noStrike">
-              <a:latin typeface="Arial"/>
-            </a:endParaRPr>
-          </a:p>
-        </p:txBody>
-      </p:sp>
-      <p:sp>
-        <p:nvSpPr>
-          <p:cNvPr id="198" name="CustomShape 11"/>
-          <p:cNvSpPr/>
-          <p:nvPr/>
-        </p:nvSpPr>
-        <p:spPr>
-          <a:xfrm>
-            <a:off x="7732080" y="2998800"/>
-            <a:ext cx="2630880" cy="753120"/>
-          </a:xfrm>
-          <a:prstGeom prst="wedgeRoundRectCallout">
-            <a:avLst>
-              <a:gd name="adj1" fmla="val -16060"/>
-              <a:gd name="adj2" fmla="val 93644"/>
-              <a:gd name="adj3" fmla="val 16667"/>
-            </a:avLst>
-          </a:prstGeom>
-          <a:solidFill>
-            <a:srgbClr val="ad1757"/>
-          </a:solidFill>
-          <a:ln>
-            <a:noFill/>
-          </a:ln>
-        </p:spPr>
-        <p:style>
-          <a:lnRef idx="2">
-            <a:schemeClr val="accent1">
-              <a:shade val="50000"/>
-            </a:schemeClr>
-          </a:lnRef>
-          <a:fillRef idx="1">
-            <a:schemeClr val="accent1"/>
-          </a:fillRef>
-          <a:effectRef idx="0">
-            <a:schemeClr val="accent1"/>
-          </a:effectRef>
-          <a:fontRef idx="minor"/>
-        </p:style>
-        <p:txBody>
-          <a:bodyPr lIns="90000" rIns="90000" tIns="45000" bIns="45000" anchor="ctr"/>
-          <a:p>
-            <a:pPr>
-              <a:lnSpc>
-                <a:spcPct val="100000"/>
-              </a:lnSpc>
-            </a:pPr>
-            <a:r>
-              <a:rPr b="1" lang="en-US" sz="1800" spc="-1" strike="noStrike">
-                <a:solidFill>
-                  <a:srgbClr val="ffffff"/>
-                </a:solidFill>
-                <a:latin typeface="Times New Roman"/>
-              </a:rPr>
-              <a:t>* Mỗi column family gồm nhiều column con</a:t>
-            </a:r>
-            <a:endParaRPr b="0" lang="en-US" sz="1800" spc="-1" strike="noStrike">
+              <a:t>thống gồm nhiều node.</a:t>
+            </a:r>
+            <a:endParaRPr b="0" lang="en-US" sz="2000" spc="-1" strike="noStrike">
               <a:latin typeface="Arial"/>
             </a:endParaRPr>
           </a:p>
@@ -13405,38 +13423,38 @@
   <p:timing>
     <p:tnLst>
       <p:par>
-        <p:cTn id="135" dur="indefinite" restart="never" nodeType="tmRoot">
+        <p:cTn id="129" dur="indefinite" restart="never" nodeType="tmRoot">
           <p:childTnLst>
             <p:seq>
-              <p:cTn id="136" dur="indefinite" nodeType="mainSeq">
+              <p:cTn id="130" dur="indefinite" nodeType="mainSeq">
                 <p:childTnLst>
                   <p:par>
-                    <p:cTn id="137" fill="hold">
+                    <p:cTn id="131" fill="hold">
                       <p:stCondLst>
                         <p:cond delay="0"/>
                       </p:stCondLst>
                       <p:childTnLst>
                         <p:par>
-                          <p:cTn id="138" fill="hold">
+                          <p:cTn id="132" fill="hold">
                             <p:stCondLst>
                               <p:cond delay="0"/>
                             </p:stCondLst>
                             <p:childTnLst>
                               <p:par>
-                                <p:cTn id="139" nodeType="withEffect" fill="hold" presetClass="entr" presetID="10">
+                                <p:cTn id="133" nodeType="afterEffect" fill="hold" presetClass="entr" presetID="2" presetSubtype="4">
                                   <p:stCondLst>
                                     <p:cond delay="0"/>
                                   </p:stCondLst>
                                   <p:childTnLst>
                                     <p:set>
                                       <p:cBhvr>
-                                        <p:cTn id="140" dur="1" fill="hold">
+                                        <p:cTn id="134" dur="1" fill="hold">
                                           <p:stCondLst>
                                             <p:cond delay="0"/>
                                           </p:stCondLst>
                                         </p:cTn>
                                         <p:tgtEl>
-                                          <p:spTgt spid="193"/>
+                                          <p:spTgt spid="191"/>
                                         </p:tgtEl>
                                         <p:attrNameLst>
                                           <p:attrName>style.visibility</p:attrName>
@@ -13446,189 +13464,52 @@
                                         <p:strVal val="visible"/>
                                       </p:to>
                                     </p:set>
-                                    <p:animEffect filter="fade" transition="in">
+                                    <p:anim calcmode="lin" valueType="num">
                                       <p:cBhvr additive="repl">
-                                        <p:cTn id="141" dur="300"/>
+                                        <p:cTn id="135" dur="300" fill="hold"/>
                                         <p:tgtEl>
-                                          <p:spTgt spid="193"/>
-                                        </p:tgtEl>
-                                      </p:cBhvr>
-                                    </p:animEffect>
-                                  </p:childTnLst>
-                                </p:cTn>
-                              </p:par>
-                              <p:par>
-                                <p:cTn id="142" nodeType="withEffect" fill="hold" presetClass="entr" presetID="10">
-                                  <p:stCondLst>
-                                    <p:cond delay="0"/>
-                                  </p:stCondLst>
-                                  <p:childTnLst>
-                                    <p:set>
-                                      <p:cBhvr>
-                                        <p:cTn id="143" dur="1" fill="hold">
-                                          <p:stCondLst>
-                                            <p:cond delay="0"/>
-                                          </p:stCondLst>
-                                        </p:cTn>
-                                        <p:tgtEl>
-                                          <p:spTgt spid="194"/>
+                                          <p:spTgt spid="191"/>
                                         </p:tgtEl>
                                         <p:attrNameLst>
-                                          <p:attrName>style.visibility</p:attrName>
+                                          <p:attrName>ppt_x</p:attrName>
                                         </p:attrNameLst>
                                       </p:cBhvr>
-                                      <p:to>
-                                        <p:strVal val="visible"/>
-                                      </p:to>
-                                    </p:set>
-                                    <p:animEffect filter="fade" transition="in">
+                                      <p:tavLst>
+                                        <p:tav tm="0">
+                                          <p:val>
+                                            <p:strVal val="#ppt_x"/>
+                                          </p:val>
+                                        </p:tav>
+                                        <p:tav tm="100000">
+                                          <p:val>
+                                            <p:strVal val="#ppt_x"/>
+                                          </p:val>
+                                        </p:tav>
+                                      </p:tavLst>
+                                    </p:anim>
+                                    <p:anim calcmode="lin" valueType="num">
                                       <p:cBhvr additive="repl">
-                                        <p:cTn id="144" dur="300"/>
+                                        <p:cTn id="136" dur="300" fill="hold"/>
                                         <p:tgtEl>
-                                          <p:spTgt spid="194"/>
-                                        </p:tgtEl>
-                                      </p:cBhvr>
-                                    </p:animEffect>
-                                  </p:childTnLst>
-                                </p:cTn>
-                              </p:par>
-                              <p:par>
-                                <p:cTn id="145" nodeType="withEffect" fill="hold" presetClass="entr" presetID="10">
-                                  <p:stCondLst>
-                                    <p:cond delay="0"/>
-                                  </p:stCondLst>
-                                  <p:childTnLst>
-                                    <p:set>
-                                      <p:cBhvr>
-                                        <p:cTn id="146" dur="1" fill="hold">
-                                          <p:stCondLst>
-                                            <p:cond delay="0"/>
-                                          </p:stCondLst>
-                                        </p:cTn>
-                                        <p:tgtEl>
-                                          <p:spTgt spid="196"/>
+                                          <p:spTgt spid="191"/>
                                         </p:tgtEl>
                                         <p:attrNameLst>
-                                          <p:attrName>style.visibility</p:attrName>
+                                          <p:attrName>ppt_y</p:attrName>
                                         </p:attrNameLst>
                                       </p:cBhvr>
-                                      <p:to>
-                                        <p:strVal val="visible"/>
-                                      </p:to>
-                                    </p:set>
-                                    <p:animEffect filter="fade" transition="in">
-                                      <p:cBhvr additive="repl">
-                                        <p:cTn id="147" dur="500"/>
-                                        <p:tgtEl>
-                                          <p:spTgt spid="196"/>
-                                        </p:tgtEl>
-                                      </p:cBhvr>
-                                    </p:animEffect>
-                                  </p:childTnLst>
-                                </p:cTn>
-                              </p:par>
-                              <p:par>
-                                <p:cTn id="148" nodeType="withEffect" fill="hold" presetClass="entr" presetID="10">
-                                  <p:stCondLst>
-                                    <p:cond delay="0"/>
-                                  </p:stCondLst>
-                                  <p:childTnLst>
-                                    <p:set>
-                                      <p:cBhvr>
-                                        <p:cTn id="149" dur="1" fill="hold">
-                                          <p:stCondLst>
-                                            <p:cond delay="0"/>
-                                          </p:stCondLst>
-                                        </p:cTn>
-                                        <p:tgtEl>
-                                          <p:spTgt spid="195"/>
-                                        </p:tgtEl>
-                                        <p:attrNameLst>
-                                          <p:attrName>style.visibility</p:attrName>
-                                        </p:attrNameLst>
-                                      </p:cBhvr>
-                                      <p:to>
-                                        <p:strVal val="visible"/>
-                                      </p:to>
-                                    </p:set>
-                                    <p:animEffect filter="fade" transition="in">
-                                      <p:cBhvr additive="repl">
-                                        <p:cTn id="150" dur="500"/>
-                                        <p:tgtEl>
-                                          <p:spTgt spid="195"/>
-                                        </p:tgtEl>
-                                      </p:cBhvr>
-                                    </p:animEffect>
-                                  </p:childTnLst>
-                                </p:cTn>
-                              </p:par>
-                              <p:par>
-                                <p:cTn id="151" nodeType="withEffect" fill="hold" presetClass="entr" presetID="10">
-                                  <p:stCondLst>
-                                    <p:cond delay="0"/>
-                                  </p:stCondLst>
-                                  <p:childTnLst>
-                                    <p:set>
-                                      <p:cBhvr>
-                                        <p:cTn id="152" dur="1" fill="hold">
-                                          <p:stCondLst>
-                                            <p:cond delay="0"/>
-                                          </p:stCondLst>
-                                        </p:cTn>
-                                        <p:tgtEl>
-                                          <p:spTgt spid="197"/>
-                                        </p:tgtEl>
-                                        <p:attrNameLst>
-                                          <p:attrName>style.visibility</p:attrName>
-                                        </p:attrNameLst>
-                                      </p:cBhvr>
-                                      <p:to>
-                                        <p:strVal val="visible"/>
-                                      </p:to>
-                                    </p:set>
-                                    <p:animEffect filter="fade" transition="in">
-                                      <p:cBhvr additive="repl">
-                                        <p:cTn id="153" dur="500"/>
-                                        <p:tgtEl>
-                                          <p:spTgt spid="197"/>
-                                        </p:tgtEl>
-                                      </p:cBhvr>
-                                    </p:animEffect>
-                                  </p:childTnLst>
-                                </p:cTn>
-                              </p:par>
-                              <p:par>
-                                <p:cTn id="154" nodeType="withEffect" fill="hold" presetClass="entr" presetID="10">
-                                  <p:stCondLst>
-                                    <p:cond delay="0"/>
-                                  </p:stCondLst>
-                                  <p:childTnLst>
-                                    <p:set>
-                                      <p:cBhvr>
-                                        <p:cTn id="155" dur="1" fill="hold">
-                                          <p:stCondLst>
-                                            <p:cond delay="0"/>
-                                          </p:stCondLst>
-                                        </p:cTn>
-                                        <p:tgtEl>
-                                          <p:spTgt spid="198"/>
-                                        </p:tgtEl>
-                                        <p:attrNameLst>
-                                          <p:attrName>style.visibility</p:attrName>
-                                        </p:attrNameLst>
-                                      </p:cBhvr>
-                                      <p:to>
-                                        <p:strVal val="visible"/>
-                                      </p:to>
-                                    </p:set>
-                                    <p:animEffect filter="fade" transition="in">
-                                      <p:cBhvr additive="repl">
-                                        <p:cTn id="156" dur="500"/>
-                                        <p:tgtEl>
-                                          <p:spTgt spid="198"/>
-                                        </p:tgtEl>
-                                      </p:cBhvr>
-                                    </p:animEffect>
+                                      <p:tavLst>
+                                        <p:tav tm="0">
+                                          <p:val>
+                                            <p:strVal val="1+#ppt_h/2"/>
+                                          </p:val>
+                                        </p:tav>
+                                        <p:tav tm="100000">
+                                          <p:val>
+                                            <p:strVal val="#ppt_y"/>
+                                          </p:val>
+                                        </p:tav>
+                                      </p:tavLst>
+                                    </p:anim>
                                   </p:childTnLst>
                                 </p:cTn>
                               </p:par>
@@ -13682,7 +13563,7 @@
       </p:grpSpPr>
       <p:grpSp>
         <p:nvGrpSpPr>
-          <p:cNvPr id="199" name="Group 1"/>
+          <p:cNvPr id="192" name="Group 1"/>
           <p:cNvGrpSpPr/>
           <p:nvPr/>
         </p:nvGrpSpPr>
@@ -13696,7 +13577,7 @@
         </p:grpSpPr>
         <p:sp>
           <p:nvSpPr>
-            <p:cNvPr id="200" name="CustomShape 2"/>
+            <p:cNvPr id="193" name="CustomShape 2"/>
             <p:cNvSpPr/>
             <p:nvPr/>
           </p:nvSpPr>
@@ -13749,7 +13630,7 @@
         </p:sp>
         <p:sp>
           <p:nvSpPr>
-            <p:cNvPr id="201" name="CustomShape 3"/>
+            <p:cNvPr id="194" name="CustomShape 3"/>
             <p:cNvSpPr/>
             <p:nvPr/>
           </p:nvSpPr>
@@ -13801,7 +13682,7 @@
       </p:grpSp>
       <p:sp>
         <p:nvSpPr>
-          <p:cNvPr id="202" name="CustomShape 4"/>
+          <p:cNvPr id="195" name="CustomShape 4"/>
           <p:cNvSpPr/>
           <p:nvPr/>
         </p:nvSpPr>
@@ -13854,7 +13735,7 @@
       </p:sp>
       <p:sp>
         <p:nvSpPr>
-          <p:cNvPr id="203" name="CustomShape 5"/>
+          <p:cNvPr id="196" name="CustomShape 5"/>
           <p:cNvSpPr/>
           <p:nvPr/>
         </p:nvSpPr>
@@ -13880,7 +13761,7 @@
       </p:sp>
       <p:sp>
         <p:nvSpPr>
-          <p:cNvPr id="204" name="CustomShape 6"/>
+          <p:cNvPr id="197" name="CustomShape 6"/>
           <p:cNvSpPr/>
           <p:nvPr/>
         </p:nvSpPr>
@@ -13923,7 +13804,7 @@
                 </a:solidFill>
                 <a:latin typeface="Times New Roman"/>
               </a:rPr>
-              <a:t>Tính rời rạc (Non-Relational)</a:t>
+              <a:t>Tính mềm dẻo dữ liệu (Flexible Data)</a:t>
             </a:r>
             <a:endParaRPr b="0" lang="en-US" sz="2400" spc="-1" strike="noStrike">
               <a:latin typeface="Arial"/>
@@ -13933,14 +13814,14 @@
       </p:sp>
       <p:sp>
         <p:nvSpPr>
-          <p:cNvPr id="205" name="CustomShape 7"/>
+          <p:cNvPr id="198" name="CustomShape 7"/>
           <p:cNvSpPr/>
           <p:nvPr/>
         </p:nvSpPr>
         <p:spPr>
           <a:xfrm>
             <a:off x="1378800" y="1874520"/>
-            <a:ext cx="10515240" cy="700200"/>
+            <a:ext cx="10515240" cy="1095840"/>
           </a:xfrm>
           <a:prstGeom prst="rect">
             <a:avLst/>
@@ -13970,109 +13851,18 @@
               <a:buChar char=""/>
             </a:pPr>
             <a:r>
-              <a:rPr b="0" lang="en-US" sz="2000" spc="-1" strike="noStrike">
+              <a:rPr b="0" lang="en-US" sz="2200" spc="-1" strike="noStrike">
                 <a:solidFill>
                   <a:srgbClr val="ffffff"/>
                 </a:solidFill>
                 <a:latin typeface="Calibri"/>
               </a:rPr>
-              <a:t>NoSQL database vận hành theo cơ chế storage-and-query, nên sẽ không tồn tại các quan hệ giữa các bảng</a:t>
-            </a:r>
-            <a:r>
-              <a:rPr b="0" lang="en-US" sz="2000" spc="-1" strike="noStrike">
-                <a:solidFill>
-                  <a:srgbClr val="ffffff"/>
-                </a:solidFill>
-                <a:latin typeface="Calibri"/>
-              </a:rPr>
-              <a:t>.</a:t>
-            </a:r>
-            <a:endParaRPr b="0" lang="en-US" sz="2000" spc="-1" strike="noStrike">
+              <a:t>HBase được lấy ý tưởng từ Google BigTable và chạy trên nền Hadoop.</a:t>
+            </a:r>
+            <a:endParaRPr b="0" lang="en-US" sz="2200" spc="-1" strike="noStrike">
               <a:latin typeface="Arial"/>
             </a:endParaRPr>
           </a:p>
-        </p:txBody>
-      </p:sp>
-      <p:sp>
-        <p:nvSpPr>
-          <p:cNvPr id="206" name="CustomShape 8"/>
-          <p:cNvSpPr/>
-          <p:nvPr/>
-        </p:nvSpPr>
-        <p:spPr>
-          <a:xfrm>
-            <a:off x="990720" y="2689920"/>
-            <a:ext cx="10515240" cy="456120"/>
-          </a:xfrm>
-          <a:prstGeom prst="rect">
-            <a:avLst/>
-          </a:prstGeom>
-          <a:noFill/>
-          <a:ln>
-            <a:noFill/>
-          </a:ln>
-        </p:spPr>
-        <p:style>
-          <a:lnRef idx="0"/>
-          <a:fillRef idx="0"/>
-          <a:effectRef idx="0"/>
-          <a:fontRef idx="minor"/>
-        </p:style>
-        <p:txBody>
-          <a:bodyPr lIns="90000" rIns="90000" tIns="45000" bIns="45000"/>
-          <a:p>
-            <a:pPr marL="285840" indent="-285480">
-              <a:lnSpc>
-                <a:spcPct val="100000"/>
-              </a:lnSpc>
-              <a:buClr>
-                <a:srgbClr val="ffffff"/>
-              </a:buClr>
-              <a:buFont typeface="Arial"/>
-              <a:buChar char="•"/>
-            </a:pPr>
-            <a:r>
-              <a:rPr b="1" i="1" lang="en-US" sz="2400" spc="-1" strike="noStrike">
-                <a:solidFill>
-                  <a:srgbClr val="ffffff"/>
-                </a:solidFill>
-                <a:latin typeface="Times New Roman"/>
-              </a:rPr>
-              <a:t>Lữu trữ dữ liệu lớn (Big data storage)</a:t>
-            </a:r>
-            <a:endParaRPr b="0" lang="en-US" sz="2400" spc="-1" strike="noStrike">
-              <a:latin typeface="Arial"/>
-            </a:endParaRPr>
-          </a:p>
-        </p:txBody>
-      </p:sp>
-      <p:sp>
-        <p:nvSpPr>
-          <p:cNvPr id="207" name="CustomShape 9"/>
-          <p:cNvSpPr/>
-          <p:nvPr/>
-        </p:nvSpPr>
-        <p:spPr>
-          <a:xfrm>
-            <a:off x="1378800" y="3124080"/>
-            <a:ext cx="10515240" cy="1095840"/>
-          </a:xfrm>
-          <a:prstGeom prst="rect">
-            <a:avLst/>
-          </a:prstGeom>
-          <a:noFill/>
-          <a:ln>
-            <a:noFill/>
-          </a:ln>
-        </p:spPr>
-        <p:style>
-          <a:lnRef idx="0"/>
-          <a:fillRef idx="0"/>
-          <a:effectRef idx="0"/>
-          <a:fontRef idx="minor"/>
-        </p:style>
-        <p:txBody>
-          <a:bodyPr lIns="90000" rIns="90000" tIns="45000" bIns="45000"/>
           <a:p>
             <a:pPr marL="343080" indent="-342720">
               <a:lnSpc>
@@ -14089,50 +13879,89 @@
                 <a:solidFill>
                   <a:srgbClr val="ffffff"/>
                 </a:solidFill>
-                <a:latin typeface="Times New Roman"/>
-              </a:rPr>
-              <a:t>Thừa hưởng các đặc trưng của HDFS.</a:t>
+                <a:latin typeface="Calibri"/>
+              </a:rPr>
+              <a:t>HBase không quy định trước kiểu dữ liệu, vì tất cả các loại dữ liệu đều được lưu dưới dạng ByteArray</a:t>
             </a:r>
             <a:endParaRPr b="0" lang="en-US" sz="2200" spc="-1" strike="noStrike">
               <a:latin typeface="Arial"/>
             </a:endParaRPr>
           </a:p>
-          <a:p>
-            <a:pPr marL="343080" indent="-342720">
-              <a:lnSpc>
-                <a:spcPct val="100000"/>
-              </a:lnSpc>
-              <a:buClr>
-                <a:srgbClr val="ffffff"/>
-              </a:buClr>
-              <a:buFont typeface="Wingdings" charset="2"/>
-              <a:buChar char=""/>
-            </a:pPr>
-            <a:r>
-              <a:rPr b="0" lang="en-US" sz="2200" spc="-1" strike="noStrike">
-                <a:solidFill>
-                  <a:srgbClr val="ffffff"/>
-                </a:solidFill>
-                <a:latin typeface="Times New Roman"/>
-              </a:rPr>
-              <a:t>Xử lý hàng PB dữ liệu với độ trễ thấp, real-time. HBase được thiết kế để có thể truy vấn được các table lớn với tốc độ nhanh.</a:t>
-            </a:r>
-            <a:endParaRPr b="0" lang="en-US" sz="2200" spc="-1" strike="noStrike">
-              <a:latin typeface="Arial"/>
-            </a:endParaRPr>
-          </a:p>
         </p:txBody>
+      </p:sp>
+      <p:pic>
+        <p:nvPicPr>
+          <p:cNvPr id="199" name="Picture 1" descr=""/>
+          <p:cNvPicPr/>
+          <p:nvPr/>
+        </p:nvPicPr>
+        <p:blipFill>
+          <a:blip r:embed="rId1"/>
+          <a:stretch/>
+        </p:blipFill>
+        <p:spPr>
+          <a:xfrm>
+            <a:off x="3352680" y="3382920"/>
+            <a:ext cx="6810120" cy="2864880"/>
+          </a:xfrm>
+          <a:prstGeom prst="rect">
+            <a:avLst/>
+          </a:prstGeom>
+          <a:ln>
+            <a:noFill/>
+          </a:ln>
+        </p:spPr>
+      </p:pic>
+      <p:sp>
+        <p:nvSpPr>
+          <p:cNvPr id="200" name="CustomShape 8"/>
+          <p:cNvSpPr/>
+          <p:nvPr/>
+        </p:nvSpPr>
+        <p:spPr>
+          <a:xfrm rot="16200000">
+            <a:off x="1036440" y="3552120"/>
+            <a:ext cx="1126440" cy="2742120"/>
+          </a:xfrm>
+          <a:prstGeom prst="wedgeRoundRectCallout">
+            <a:avLst>
+              <a:gd name="adj1" fmla="val -20833"/>
+              <a:gd name="adj2" fmla="val 62500"/>
+              <a:gd name="adj3" fmla="val 16667"/>
+            </a:avLst>
+          </a:prstGeom>
+          <a:solidFill>
+            <a:srgbClr val="002060"/>
+          </a:solidFill>
+          <a:ln>
+            <a:noFill/>
+          </a:ln>
+        </p:spPr>
+        <p:style>
+          <a:lnRef idx="2">
+            <a:schemeClr val="accent1">
+              <a:shade val="50000"/>
+            </a:schemeClr>
+          </a:lnRef>
+          <a:fillRef idx="1">
+            <a:schemeClr val="accent1"/>
+          </a:fillRef>
+          <a:effectRef idx="0">
+            <a:schemeClr val="accent1"/>
+          </a:effectRef>
+          <a:fontRef idx="minor"/>
+        </p:style>
       </p:sp>
       <p:sp>
         <p:nvSpPr>
-          <p:cNvPr id="208" name="CustomShape 10"/>
+          <p:cNvPr id="201" name="CustomShape 9"/>
           <p:cNvSpPr/>
           <p:nvPr/>
         </p:nvSpPr>
         <p:spPr>
           <a:xfrm>
-            <a:off x="990720" y="4339800"/>
-            <a:ext cx="10515240" cy="456120"/>
+            <a:off x="228600" y="4409280"/>
+            <a:ext cx="2742120" cy="913320"/>
           </a:xfrm>
           <a:prstGeom prst="rect">
             <a:avLst/>
@@ -14151,26 +13980,40 @@
         <p:txBody>
           <a:bodyPr lIns="90000" rIns="90000" tIns="45000" bIns="45000"/>
           <a:p>
-            <a:pPr marL="285840" indent="-285480">
+            <a:pPr>
               <a:lnSpc>
                 <a:spcPct val="100000"/>
               </a:lnSpc>
-              <a:buClr>
-                <a:srgbClr val="ffffff"/>
-              </a:buClr>
-              <a:buFont typeface="Arial"/>
-              <a:buChar char="•"/>
             </a:pPr>
             <a:r>
-              <a:rPr b="1" i="1" lang="en-US" sz="2400" spc="-1" strike="noStrike">
+              <a:rPr b="1" lang="en-US" sz="1800" spc="-1" strike="noStrike">
                 <a:solidFill>
                   <a:srgbClr val="ffffff"/>
                 </a:solidFill>
                 <a:latin typeface="Times New Roman"/>
               </a:rPr>
-              <a:t>Khả năng mở rộng (Scalable)</a:t>
-            </a:r>
-            <a:endParaRPr b="0" lang="en-US" sz="2400" spc="-1" strike="noStrike">
+              <a:t>* Đối tượng được lưu trữ là bảng(table)</a:t>
+            </a:r>
+            <a:endParaRPr b="0" lang="en-US" sz="1800" spc="-1" strike="noStrike">
+              <a:latin typeface="Arial"/>
+            </a:endParaRPr>
+          </a:p>
+          <a:p>
+            <a:pPr>
+              <a:lnSpc>
+                <a:spcPct val="100000"/>
+              </a:lnSpc>
+            </a:pPr>
+            <a:r>
+              <a:rPr b="1" lang="en-US" sz="1800" spc="-1" strike="noStrike">
+                <a:solidFill>
+                  <a:srgbClr val="ffffff"/>
+                </a:solidFill>
+                <a:latin typeface="Times New Roman"/>
+              </a:rPr>
+              <a:t>* Mỗi bảng có nhiều rows</a:t>
+            </a:r>
+            <a:endParaRPr b="0" lang="en-US" sz="1800" spc="-1" strike="noStrike">
               <a:latin typeface="Arial"/>
             </a:endParaRPr>
           </a:p>
@@ -14178,52 +14021,123 @@
       </p:sp>
       <p:sp>
         <p:nvSpPr>
-          <p:cNvPr id="209" name="CustomShape 11"/>
+          <p:cNvPr id="202" name="CustomShape 10"/>
           <p:cNvSpPr/>
           <p:nvPr/>
         </p:nvSpPr>
         <p:spPr>
           <a:xfrm>
-            <a:off x="1378800" y="4773960"/>
-            <a:ext cx="10515240" cy="760680"/>
-          </a:xfrm>
-          <a:prstGeom prst="rect">
-            <a:avLst/>
-          </a:prstGeom>
-          <a:noFill/>
+            <a:off x="4589280" y="2675520"/>
+            <a:ext cx="2430720" cy="753120"/>
+          </a:xfrm>
+          <a:prstGeom prst="wedgeRoundRectCallout">
+            <a:avLst>
+              <a:gd name="adj1" fmla="val -16060"/>
+              <a:gd name="adj2" fmla="val 93644"/>
+              <a:gd name="adj3" fmla="val 16667"/>
+            </a:avLst>
+          </a:prstGeom>
+          <a:solidFill>
+            <a:srgbClr val="00b050"/>
+          </a:solidFill>
           <a:ln>
             <a:noFill/>
           </a:ln>
         </p:spPr>
         <p:style>
-          <a:lnRef idx="0"/>
-          <a:fillRef idx="0"/>
-          <a:effectRef idx="0"/>
+          <a:lnRef idx="2">
+            <a:schemeClr val="accent1">
+              <a:shade val="50000"/>
+            </a:schemeClr>
+          </a:lnRef>
+          <a:fillRef idx="1">
+            <a:schemeClr val="accent1"/>
+          </a:fillRef>
+          <a:effectRef idx="0">
+            <a:schemeClr val="accent1"/>
+          </a:effectRef>
           <a:fontRef idx="minor"/>
         </p:style>
         <p:txBody>
-          <a:bodyPr lIns="90000" rIns="90000" tIns="45000" bIns="45000"/>
-          <a:p>
-            <a:pPr marL="343080" indent="-342720">
+          <a:bodyPr lIns="90000" rIns="90000" tIns="45000" bIns="45000" anchor="ctr"/>
+          <a:p>
+            <a:pPr>
               <a:lnSpc>
                 <a:spcPct val="100000"/>
               </a:lnSpc>
-              <a:buClr>
-                <a:srgbClr val="ffffff"/>
-              </a:buClr>
-              <a:buFont typeface="Wingdings" charset="2"/>
-              <a:buChar char=""/>
             </a:pPr>
             <a:r>
-              <a:rPr b="0" lang="en-US" sz="2200" spc="-1" strike="noStrike">
+              <a:rPr b="1" lang="en-US" sz="1800" spc="-1" strike="noStrike">
                 <a:solidFill>
                   <a:srgbClr val="ffffff"/>
                 </a:solidFill>
                 <a:latin typeface="Times New Roman"/>
               </a:rPr>
-              <a:t>Gắn thêm nhiều node mới,sau đó các Region (nơi lưu trữ các table) tự động chia tách và tạo ra nhiều Region mới, tích hợp vào hệ thống.</a:t>
-            </a:r>
-            <a:endParaRPr b="0" lang="en-US" sz="2200" spc="-1" strike="noStrike">
+              <a:t>* Mỗi bảng gồm nhiều column family</a:t>
+            </a:r>
+            <a:endParaRPr b="0" lang="en-US" sz="1800" spc="-1" strike="noStrike">
+              <a:latin typeface="Arial"/>
+            </a:endParaRPr>
+          </a:p>
+        </p:txBody>
+      </p:sp>
+      <p:sp>
+        <p:nvSpPr>
+          <p:cNvPr id="203" name="CustomShape 11"/>
+          <p:cNvSpPr/>
+          <p:nvPr/>
+        </p:nvSpPr>
+        <p:spPr>
+          <a:xfrm>
+            <a:off x="7732080" y="2998800"/>
+            <a:ext cx="2630880" cy="753120"/>
+          </a:xfrm>
+          <a:prstGeom prst="wedgeRoundRectCallout">
+            <a:avLst>
+              <a:gd name="adj1" fmla="val -16060"/>
+              <a:gd name="adj2" fmla="val 93644"/>
+              <a:gd name="adj3" fmla="val 16667"/>
+            </a:avLst>
+          </a:prstGeom>
+          <a:solidFill>
+            <a:srgbClr val="ad1757"/>
+          </a:solidFill>
+          <a:ln>
+            <a:noFill/>
+          </a:ln>
+        </p:spPr>
+        <p:style>
+          <a:lnRef idx="2">
+            <a:schemeClr val="accent1">
+              <a:shade val="50000"/>
+            </a:schemeClr>
+          </a:lnRef>
+          <a:fillRef idx="1">
+            <a:schemeClr val="accent1"/>
+          </a:fillRef>
+          <a:effectRef idx="0">
+            <a:schemeClr val="accent1"/>
+          </a:effectRef>
+          <a:fontRef idx="minor"/>
+        </p:style>
+        <p:txBody>
+          <a:bodyPr lIns="90000" rIns="90000" tIns="45000" bIns="45000" anchor="ctr"/>
+          <a:p>
+            <a:pPr>
+              <a:lnSpc>
+                <a:spcPct val="100000"/>
+              </a:lnSpc>
+            </a:pPr>
+            <a:r>
+              <a:rPr b="1" lang="en-US" sz="1800" spc="-1" strike="noStrike">
+                <a:solidFill>
+                  <a:srgbClr val="ffffff"/>
+                </a:solidFill>
+                <a:latin typeface="Times New Roman"/>
+              </a:rPr>
+              <a:t>* Mỗi column family gồm nhiều column con</a:t>
+            </a:r>
+            <a:endParaRPr b="0" lang="en-US" sz="1800" spc="-1" strike="noStrike">
               <a:latin typeface="Arial"/>
             </a:endParaRPr>
           </a:p>
@@ -14234,38 +14148,38 @@
   <p:timing>
     <p:tnLst>
       <p:par>
-        <p:cTn id="157" dur="indefinite" restart="never" nodeType="tmRoot">
+        <p:cTn id="137" dur="indefinite" restart="never" nodeType="tmRoot">
           <p:childTnLst>
             <p:seq>
-              <p:cTn id="158" dur="indefinite" nodeType="mainSeq">
+              <p:cTn id="138" dur="indefinite" nodeType="mainSeq">
                 <p:childTnLst>
                   <p:par>
-                    <p:cTn id="159" fill="hold">
+                    <p:cTn id="139" fill="hold">
                       <p:stCondLst>
                         <p:cond delay="0"/>
                       </p:stCondLst>
                       <p:childTnLst>
                         <p:par>
-                          <p:cTn id="160" fill="hold">
+                          <p:cTn id="140" fill="hold">
                             <p:stCondLst>
                               <p:cond delay="0"/>
                             </p:stCondLst>
                             <p:childTnLst>
                               <p:par>
-                                <p:cTn id="161" nodeType="afterEffect" fill="hold" presetClass="entr" presetID="10">
+                                <p:cTn id="141" nodeType="withEffect" fill="hold" presetClass="entr" presetID="10">
                                   <p:stCondLst>
                                     <p:cond delay="0"/>
                                   </p:stCondLst>
                                   <p:childTnLst>
                                     <p:set>
                                       <p:cBhvr>
-                                        <p:cTn id="162" dur="1" fill="hold">
+                                        <p:cTn id="142" dur="1" fill="hold">
                                           <p:stCondLst>
                                             <p:cond delay="0"/>
                                           </p:stCondLst>
                                         </p:cTn>
                                         <p:tgtEl>
-                                          <p:spTgt spid="205"/>
+                                          <p:spTgt spid="198"/>
                                         </p:tgtEl>
                                         <p:attrNameLst>
                                           <p:attrName>style.visibility</p:attrName>
@@ -14277,75 +14191,30 @@
                                     </p:set>
                                     <p:animEffect filter="fade" transition="in">
                                       <p:cBhvr additive="repl">
-                                        <p:cTn id="163" dur="300"/>
+                                        <p:cTn id="143" dur="300"/>
                                         <p:tgtEl>
-                                          <p:spTgt spid="205"/>
+                                          <p:spTgt spid="198"/>
                                         </p:tgtEl>
                                       </p:cBhvr>
                                     </p:animEffect>
                                   </p:childTnLst>
                                 </p:cTn>
                               </p:par>
-                            </p:childTnLst>
-                          </p:cTn>
-                        </p:par>
-                      </p:childTnLst>
-                    </p:cTn>
-                  </p:par>
-                  <p:par>
-                    <p:cTn id="164" fill="hold">
-                      <p:stCondLst>
-                        <p:cond delay="indefinite"/>
-                      </p:stCondLst>
-                      <p:childTnLst>
-                        <p:par>
-                          <p:cTn id="165" fill="hold">
-                            <p:stCondLst>
-                              <p:cond delay="0"/>
-                            </p:stCondLst>
-                            <p:childTnLst>
                               <p:par>
-                                <p:cTn id="166" nodeType="clickEffect" fill="hold" presetClass="entr" presetID="1">
+                                <p:cTn id="144" nodeType="withEffect" fill="hold" presetClass="entr" presetID="10">
                                   <p:stCondLst>
                                     <p:cond delay="0"/>
                                   </p:stCondLst>
                                   <p:childTnLst>
                                     <p:set>
                                       <p:cBhvr>
-                                        <p:cTn id="167" dur="1" fill="hold">
+                                        <p:cTn id="145" dur="1" fill="hold">
                                           <p:stCondLst>
                                             <p:cond delay="0"/>
                                           </p:stCondLst>
                                         </p:cTn>
                                         <p:tgtEl>
-                                          <p:spTgt spid="206"/>
-                                        </p:tgtEl>
-                                        <p:attrNameLst>
-                                          <p:attrName>style.visibility</p:attrName>
-                                        </p:attrNameLst>
-                                      </p:cBhvr>
-                                      <p:to>
-                                        <p:strVal val="visible"/>
-                                      </p:to>
-                                    </p:set>
-                                  </p:childTnLst>
-                                </p:cTn>
-                              </p:par>
-                              <p:par>
-                                <p:cTn id="168" nodeType="withEffect" fill="hold" presetClass="entr" presetID="10">
-                                  <p:stCondLst>
-                                    <p:cond delay="0"/>
-                                  </p:stCondLst>
-                                  <p:childTnLst>
-                                    <p:set>
-                                      <p:cBhvr>
-                                        <p:cTn id="169" dur="1" fill="hold">
-                                          <p:stCondLst>
-                                            <p:cond delay="0"/>
-                                          </p:stCondLst>
-                                        </p:cTn>
-                                        <p:tgtEl>
-                                          <p:spTgt spid="207"/>
+                                          <p:spTgt spid="199"/>
                                         </p:tgtEl>
                                         <p:attrNameLst>
                                           <p:attrName>style.visibility</p:attrName>
@@ -14357,84 +14226,30 @@
                                     </p:set>
                                     <p:animEffect filter="fade" transition="in">
                                       <p:cBhvr additive="repl">
-                                        <p:cTn id="170" dur="300"/>
+                                        <p:cTn id="146" dur="300"/>
                                         <p:tgtEl>
-                                          <p:spTgt spid="207"/>
+                                          <p:spTgt spid="199"/>
                                         </p:tgtEl>
                                       </p:cBhvr>
                                     </p:animEffect>
                                   </p:childTnLst>
                                 </p:cTn>
                               </p:par>
-                            </p:childTnLst>
-                          </p:cTn>
-                        </p:par>
-                      </p:childTnLst>
-                    </p:cTn>
-                  </p:par>
-                  <p:par>
-                    <p:cTn id="171" fill="hold">
-                      <p:stCondLst>
-                        <p:cond delay="indefinite"/>
-                      </p:stCondLst>
-                      <p:childTnLst>
-                        <p:par>
-                          <p:cTn id="172" fill="hold">
-                            <p:stCondLst>
-                              <p:cond delay="0"/>
-                            </p:stCondLst>
-                            <p:childTnLst>
                               <p:par>
-                                <p:cTn id="173" nodeType="clickEffect" fill="hold" presetClass="entr" presetID="1">
+                                <p:cTn id="147" nodeType="withEffect" fill="hold" presetClass="entr" presetID="10">
                                   <p:stCondLst>
                                     <p:cond delay="0"/>
                                   </p:stCondLst>
                                   <p:childTnLst>
                                     <p:set>
                                       <p:cBhvr>
-                                        <p:cTn id="174" dur="1" fill="hold">
+                                        <p:cTn id="148" dur="1" fill="hold">
                                           <p:stCondLst>
                                             <p:cond delay="0"/>
                                           </p:stCondLst>
                                         </p:cTn>
                                         <p:tgtEl>
-                                          <p:spTgt spid="208"/>
-                                        </p:tgtEl>
-                                        <p:attrNameLst>
-                                          <p:attrName>style.visibility</p:attrName>
-                                        </p:attrNameLst>
-                                      </p:cBhvr>
-                                      <p:to>
-                                        <p:strVal val="visible"/>
-                                      </p:to>
-                                    </p:set>
-                                  </p:childTnLst>
-                                </p:cTn>
-                              </p:par>
-                            </p:childTnLst>
-                          </p:cTn>
-                        </p:par>
-                        <p:par>
-                          <p:cTn id="175" fill="hold">
-                            <p:stCondLst>
-                              <p:cond delay="0"/>
-                            </p:stCondLst>
-                            <p:childTnLst>
-                              <p:par>
-                                <p:cTn id="176" nodeType="afterEffect" fill="hold" presetClass="entr" presetID="10">
-                                  <p:stCondLst>
-                                    <p:cond delay="0"/>
-                                  </p:stCondLst>
-                                  <p:childTnLst>
-                                    <p:set>
-                                      <p:cBhvr>
-                                        <p:cTn id="177" dur="1" fill="hold">
-                                          <p:stCondLst>
-                                            <p:cond delay="0"/>
-                                          </p:stCondLst>
-                                        </p:cTn>
-                                        <p:tgtEl>
-                                          <p:spTgt spid="209"/>
+                                          <p:spTgt spid="201"/>
                                         </p:tgtEl>
                                         <p:attrNameLst>
                                           <p:attrName>style.visibility</p:attrName>
@@ -14446,9 +14261,114 @@
                                     </p:set>
                                     <p:animEffect filter="fade" transition="in">
                                       <p:cBhvr additive="repl">
-                                        <p:cTn id="178" dur="300"/>
+                                        <p:cTn id="149" dur="500"/>
                                         <p:tgtEl>
-                                          <p:spTgt spid="209"/>
+                                          <p:spTgt spid="201"/>
+                                        </p:tgtEl>
+                                      </p:cBhvr>
+                                    </p:animEffect>
+                                  </p:childTnLst>
+                                </p:cTn>
+                              </p:par>
+                              <p:par>
+                                <p:cTn id="150" nodeType="withEffect" fill="hold" presetClass="entr" presetID="10">
+                                  <p:stCondLst>
+                                    <p:cond delay="0"/>
+                                  </p:stCondLst>
+                                  <p:childTnLst>
+                                    <p:set>
+                                      <p:cBhvr>
+                                        <p:cTn id="151" dur="1" fill="hold">
+                                          <p:stCondLst>
+                                            <p:cond delay="0"/>
+                                          </p:stCondLst>
+                                        </p:cTn>
+                                        <p:tgtEl>
+                                          <p:spTgt spid="200"/>
+                                        </p:tgtEl>
+                                        <p:attrNameLst>
+                                          <p:attrName>style.visibility</p:attrName>
+                                        </p:attrNameLst>
+                                      </p:cBhvr>
+                                      <p:to>
+                                        <p:strVal val="visible"/>
+                                      </p:to>
+                                    </p:set>
+                                    <p:animEffect filter="fade" transition="in">
+                                      <p:cBhvr additive="repl">
+                                        <p:cTn id="152" dur="500"/>
+                                        <p:tgtEl>
+                                          <p:spTgt spid="200"/>
+                                        </p:tgtEl>
+                                      </p:cBhvr>
+                                    </p:animEffect>
+                                  </p:childTnLst>
+                                </p:cTn>
+                              </p:par>
+                              <p:par>
+                                <p:cTn id="153" nodeType="withEffect" fill="hold" presetClass="entr" presetID="10">
+                                  <p:stCondLst>
+                                    <p:cond delay="0"/>
+                                  </p:stCondLst>
+                                  <p:childTnLst>
+                                    <p:set>
+                                      <p:cBhvr>
+                                        <p:cTn id="154" dur="1" fill="hold">
+                                          <p:stCondLst>
+                                            <p:cond delay="0"/>
+                                          </p:stCondLst>
+                                        </p:cTn>
+                                        <p:tgtEl>
+                                          <p:spTgt spid="202"/>
+                                        </p:tgtEl>
+                                        <p:attrNameLst>
+                                          <p:attrName>style.visibility</p:attrName>
+                                        </p:attrNameLst>
+                                      </p:cBhvr>
+                                      <p:to>
+                                        <p:strVal val="visible"/>
+                                      </p:to>
+                                    </p:set>
+                                    <p:animEffect filter="fade" transition="in">
+                                      <p:cBhvr additive="repl">
+                                        <p:cTn id="155" dur="500"/>
+                                        <p:tgtEl>
+                                          <p:spTgt spid="202"/>
+                                        </p:tgtEl>
+                                      </p:cBhvr>
+                                    </p:animEffect>
+                                  </p:childTnLst>
+                                </p:cTn>
+                              </p:par>
+                              <p:par>
+                                <p:cTn id="156" nodeType="withEffect" fill="hold" presetClass="entr" presetID="10">
+                                  <p:stCondLst>
+                                    <p:cond delay="0"/>
+                                  </p:stCondLst>
+                                  <p:childTnLst>
+                                    <p:set>
+                                      <p:cBhvr>
+                                        <p:cTn id="157" dur="1" fill="hold">
+                                          <p:stCondLst>
+                                            <p:cond delay="0"/>
+                                          </p:stCondLst>
+                                        </p:cTn>
+                                        <p:tgtEl>
+                                          <p:spTgt spid="203"/>
+                                        </p:tgtEl>
+                                        <p:attrNameLst>
+                                          <p:attrName>style.visibility</p:attrName>
+                                        </p:attrNameLst>
+                                      </p:cBhvr>
+                                      <p:to>
+                                        <p:strVal val="visible"/>
+                                      </p:to>
+                                    </p:set>
+                                    <p:animEffect filter="fade" transition="in">
+                                      <p:cBhvr additive="repl">
+                                        <p:cTn id="158" dur="500"/>
+                                        <p:tgtEl>
+                                          <p:spTgt spid="203"/>
                                         </p:tgtEl>
                                       </p:cBhvr>
                                     </p:animEffect>
@@ -14505,7 +14425,7 @@
       </p:grpSpPr>
       <p:grpSp>
         <p:nvGrpSpPr>
-          <p:cNvPr id="210" name="Group 1"/>
+          <p:cNvPr id="204" name="Group 1"/>
           <p:cNvGrpSpPr/>
           <p:nvPr/>
         </p:nvGrpSpPr>
@@ -14519,7 +14439,7 @@
         </p:grpSpPr>
         <p:sp>
           <p:nvSpPr>
-            <p:cNvPr id="211" name="CustomShape 2"/>
+            <p:cNvPr id="205" name="CustomShape 2"/>
             <p:cNvSpPr/>
             <p:nvPr/>
           </p:nvSpPr>
@@ -14572,7 +14492,7 @@
         </p:sp>
         <p:sp>
           <p:nvSpPr>
-            <p:cNvPr id="212" name="CustomShape 3"/>
+            <p:cNvPr id="206" name="CustomShape 3"/>
             <p:cNvSpPr/>
             <p:nvPr/>
           </p:nvSpPr>
@@ -14624,7 +14544,7 @@
       </p:grpSp>
       <p:sp>
         <p:nvSpPr>
-          <p:cNvPr id="213" name="CustomShape 4"/>
+          <p:cNvPr id="207" name="CustomShape 4"/>
           <p:cNvSpPr/>
           <p:nvPr/>
         </p:nvSpPr>
@@ -14667,7 +14587,7 @@
                 </a:solidFill>
                 <a:latin typeface="Times New Roman"/>
               </a:rPr>
-              <a:t>So sánh HBase vs RDBMS</a:t>
+              <a:t>Tính chất</a:t>
             </a:r>
             <a:endParaRPr b="0" lang="en-US" sz="3200" spc="-1" strike="noStrike">
               <a:latin typeface="Arial"/>
@@ -14675,38 +14595,617 @@
           </a:p>
         </p:txBody>
       </p:sp>
-      <p:pic>
-        <p:nvPicPr>
-          <p:cNvPr id="214" name="Picture 1" descr=""/>
-          <p:cNvPicPr/>
+      <p:sp>
+        <p:nvSpPr>
+          <p:cNvPr id="208" name="CustomShape 5"/>
+          <p:cNvSpPr/>
           <p:nvPr/>
-        </p:nvPicPr>
-        <p:blipFill>
-          <a:blip r:embed="rId1"/>
-          <a:stretch/>
-        </p:blipFill>
-        <p:spPr>
-          <a:xfrm>
-            <a:off x="1547640" y="1558800"/>
-            <a:ext cx="9299880" cy="3028680"/>
-          </a:xfrm>
-          <a:prstGeom prst="rect">
-            <a:avLst/>
-          </a:prstGeom>
+        </p:nvSpPr>
+        <p:spPr>
+          <a:xfrm>
+            <a:off x="990720" y="1624680"/>
+            <a:ext cx="10515240" cy="461160"/>
+          </a:xfrm>
+          <a:prstGeom prst="rect">
+            <a:avLst/>
+          </a:prstGeom>
+          <a:noFill/>
           <a:ln>
             <a:noFill/>
           </a:ln>
         </p:spPr>
-      </p:pic>
+        <p:style>
+          <a:lnRef idx="0"/>
+          <a:fillRef idx="0"/>
+          <a:effectRef idx="0"/>
+          <a:fontRef idx="minor"/>
+        </p:style>
+      </p:sp>
+      <p:sp>
+        <p:nvSpPr>
+          <p:cNvPr id="209" name="CustomShape 6"/>
+          <p:cNvSpPr/>
+          <p:nvPr/>
+        </p:nvSpPr>
+        <p:spPr>
+          <a:xfrm>
+            <a:off x="990720" y="1440360"/>
+            <a:ext cx="10515240" cy="456120"/>
+          </a:xfrm>
+          <a:prstGeom prst="rect">
+            <a:avLst/>
+          </a:prstGeom>
+          <a:noFill/>
+          <a:ln>
+            <a:noFill/>
+          </a:ln>
+        </p:spPr>
+        <p:style>
+          <a:lnRef idx="0"/>
+          <a:fillRef idx="0"/>
+          <a:effectRef idx="0"/>
+          <a:fontRef idx="minor"/>
+        </p:style>
+        <p:txBody>
+          <a:bodyPr lIns="90000" rIns="90000" tIns="45000" bIns="45000"/>
+          <a:p>
+            <a:pPr marL="285840" indent="-285480">
+              <a:lnSpc>
+                <a:spcPct val="100000"/>
+              </a:lnSpc>
+              <a:buClr>
+                <a:srgbClr val="ffffff"/>
+              </a:buClr>
+              <a:buFont typeface="Arial"/>
+              <a:buChar char="•"/>
+            </a:pPr>
+            <a:r>
+              <a:rPr b="1" i="1" lang="en-US" sz="2400" spc="-1" strike="noStrike">
+                <a:solidFill>
+                  <a:srgbClr val="ffffff"/>
+                </a:solidFill>
+                <a:latin typeface="Times New Roman"/>
+              </a:rPr>
+              <a:t>Tính rời rạc (Non-Relational)</a:t>
+            </a:r>
+            <a:endParaRPr b="0" lang="en-US" sz="2400" spc="-1" strike="noStrike">
+              <a:latin typeface="Arial"/>
+            </a:endParaRPr>
+          </a:p>
+        </p:txBody>
+      </p:sp>
+      <p:sp>
+        <p:nvSpPr>
+          <p:cNvPr id="210" name="CustomShape 7"/>
+          <p:cNvSpPr/>
+          <p:nvPr/>
+        </p:nvSpPr>
+        <p:spPr>
+          <a:xfrm>
+            <a:off x="1378800" y="1874520"/>
+            <a:ext cx="10515240" cy="700200"/>
+          </a:xfrm>
+          <a:prstGeom prst="rect">
+            <a:avLst/>
+          </a:prstGeom>
+          <a:noFill/>
+          <a:ln>
+            <a:noFill/>
+          </a:ln>
+        </p:spPr>
+        <p:style>
+          <a:lnRef idx="0"/>
+          <a:fillRef idx="0"/>
+          <a:effectRef idx="0"/>
+          <a:fontRef idx="minor"/>
+        </p:style>
+        <p:txBody>
+          <a:bodyPr lIns="90000" rIns="90000" tIns="45000" bIns="45000"/>
+          <a:p>
+            <a:pPr marL="343080" indent="-342720">
+              <a:lnSpc>
+                <a:spcPct val="100000"/>
+              </a:lnSpc>
+              <a:buClr>
+                <a:srgbClr val="ffffff"/>
+              </a:buClr>
+              <a:buFont typeface="Wingdings" charset="2"/>
+              <a:buChar char=""/>
+            </a:pPr>
+            <a:r>
+              <a:rPr b="0" lang="en-US" sz="2000" spc="-1" strike="noStrike">
+                <a:solidFill>
+                  <a:srgbClr val="ffffff"/>
+                </a:solidFill>
+                <a:latin typeface="Calibri"/>
+              </a:rPr>
+              <a:t>NoSQL database vận hành theo cơ chế storage-and-query, nên sẽ không tồn tại các quan hệ giữa các bảng</a:t>
+            </a:r>
+            <a:r>
+              <a:rPr b="0" lang="en-US" sz="2000" spc="-1" strike="noStrike">
+                <a:solidFill>
+                  <a:srgbClr val="ffffff"/>
+                </a:solidFill>
+                <a:latin typeface="Calibri"/>
+              </a:rPr>
+              <a:t>.</a:t>
+            </a:r>
+            <a:endParaRPr b="0" lang="en-US" sz="2000" spc="-1" strike="noStrike">
+              <a:latin typeface="Arial"/>
+            </a:endParaRPr>
+          </a:p>
+        </p:txBody>
+      </p:sp>
+      <p:sp>
+        <p:nvSpPr>
+          <p:cNvPr id="211" name="CustomShape 8"/>
+          <p:cNvSpPr/>
+          <p:nvPr/>
+        </p:nvSpPr>
+        <p:spPr>
+          <a:xfrm>
+            <a:off x="990720" y="2689920"/>
+            <a:ext cx="10515240" cy="456120"/>
+          </a:xfrm>
+          <a:prstGeom prst="rect">
+            <a:avLst/>
+          </a:prstGeom>
+          <a:noFill/>
+          <a:ln>
+            <a:noFill/>
+          </a:ln>
+        </p:spPr>
+        <p:style>
+          <a:lnRef idx="0"/>
+          <a:fillRef idx="0"/>
+          <a:effectRef idx="0"/>
+          <a:fontRef idx="minor"/>
+        </p:style>
+        <p:txBody>
+          <a:bodyPr lIns="90000" rIns="90000" tIns="45000" bIns="45000"/>
+          <a:p>
+            <a:pPr marL="285840" indent="-285480">
+              <a:lnSpc>
+                <a:spcPct val="100000"/>
+              </a:lnSpc>
+              <a:buClr>
+                <a:srgbClr val="ffffff"/>
+              </a:buClr>
+              <a:buFont typeface="Arial"/>
+              <a:buChar char="•"/>
+            </a:pPr>
+            <a:r>
+              <a:rPr b="1" i="1" lang="en-US" sz="2400" spc="-1" strike="noStrike">
+                <a:solidFill>
+                  <a:srgbClr val="ffffff"/>
+                </a:solidFill>
+                <a:latin typeface="Times New Roman"/>
+              </a:rPr>
+              <a:t>Lữu trữ dữ liệu lớn (Big data storage)</a:t>
+            </a:r>
+            <a:endParaRPr b="0" lang="en-US" sz="2400" spc="-1" strike="noStrike">
+              <a:latin typeface="Arial"/>
+            </a:endParaRPr>
+          </a:p>
+        </p:txBody>
+      </p:sp>
+      <p:sp>
+        <p:nvSpPr>
+          <p:cNvPr id="212" name="CustomShape 9"/>
+          <p:cNvSpPr/>
+          <p:nvPr/>
+        </p:nvSpPr>
+        <p:spPr>
+          <a:xfrm>
+            <a:off x="1378800" y="3124080"/>
+            <a:ext cx="10515240" cy="1095840"/>
+          </a:xfrm>
+          <a:prstGeom prst="rect">
+            <a:avLst/>
+          </a:prstGeom>
+          <a:noFill/>
+          <a:ln>
+            <a:noFill/>
+          </a:ln>
+        </p:spPr>
+        <p:style>
+          <a:lnRef idx="0"/>
+          <a:fillRef idx="0"/>
+          <a:effectRef idx="0"/>
+          <a:fontRef idx="minor"/>
+        </p:style>
+        <p:txBody>
+          <a:bodyPr lIns="90000" rIns="90000" tIns="45000" bIns="45000"/>
+          <a:p>
+            <a:pPr marL="343080" indent="-342720">
+              <a:lnSpc>
+                <a:spcPct val="100000"/>
+              </a:lnSpc>
+              <a:buClr>
+                <a:srgbClr val="ffffff"/>
+              </a:buClr>
+              <a:buFont typeface="Wingdings" charset="2"/>
+              <a:buChar char=""/>
+            </a:pPr>
+            <a:r>
+              <a:rPr b="0" lang="en-US" sz="2200" spc="-1" strike="noStrike">
+                <a:solidFill>
+                  <a:srgbClr val="ffffff"/>
+                </a:solidFill>
+                <a:latin typeface="Times New Roman"/>
+              </a:rPr>
+              <a:t>Thừa hưởng các đặc trưng của HDFS.</a:t>
+            </a:r>
+            <a:endParaRPr b="0" lang="en-US" sz="2200" spc="-1" strike="noStrike">
+              <a:latin typeface="Arial"/>
+            </a:endParaRPr>
+          </a:p>
+          <a:p>
+            <a:pPr marL="343080" indent="-342720">
+              <a:lnSpc>
+                <a:spcPct val="100000"/>
+              </a:lnSpc>
+              <a:buClr>
+                <a:srgbClr val="ffffff"/>
+              </a:buClr>
+              <a:buFont typeface="Wingdings" charset="2"/>
+              <a:buChar char=""/>
+            </a:pPr>
+            <a:r>
+              <a:rPr b="0" lang="en-US" sz="2200" spc="-1" strike="noStrike">
+                <a:solidFill>
+                  <a:srgbClr val="ffffff"/>
+                </a:solidFill>
+                <a:latin typeface="Times New Roman"/>
+              </a:rPr>
+              <a:t>Xử lý hàng PB dữ liệu với độ trễ thấp, real-time. HBase được thiết kế để có thể truy vấn được các table lớn với tốc độ nhanh.</a:t>
+            </a:r>
+            <a:endParaRPr b="0" lang="en-US" sz="2200" spc="-1" strike="noStrike">
+              <a:latin typeface="Arial"/>
+            </a:endParaRPr>
+          </a:p>
+        </p:txBody>
+      </p:sp>
+      <p:sp>
+        <p:nvSpPr>
+          <p:cNvPr id="213" name="CustomShape 10"/>
+          <p:cNvSpPr/>
+          <p:nvPr/>
+        </p:nvSpPr>
+        <p:spPr>
+          <a:xfrm>
+            <a:off x="990720" y="4339800"/>
+            <a:ext cx="10515240" cy="456120"/>
+          </a:xfrm>
+          <a:prstGeom prst="rect">
+            <a:avLst/>
+          </a:prstGeom>
+          <a:noFill/>
+          <a:ln>
+            <a:noFill/>
+          </a:ln>
+        </p:spPr>
+        <p:style>
+          <a:lnRef idx="0"/>
+          <a:fillRef idx="0"/>
+          <a:effectRef idx="0"/>
+          <a:fontRef idx="minor"/>
+        </p:style>
+        <p:txBody>
+          <a:bodyPr lIns="90000" rIns="90000" tIns="45000" bIns="45000"/>
+          <a:p>
+            <a:pPr marL="285840" indent="-285480">
+              <a:lnSpc>
+                <a:spcPct val="100000"/>
+              </a:lnSpc>
+              <a:buClr>
+                <a:srgbClr val="ffffff"/>
+              </a:buClr>
+              <a:buFont typeface="Arial"/>
+              <a:buChar char="•"/>
+            </a:pPr>
+            <a:r>
+              <a:rPr b="1" i="1" lang="en-US" sz="2400" spc="-1" strike="noStrike">
+                <a:solidFill>
+                  <a:srgbClr val="ffffff"/>
+                </a:solidFill>
+                <a:latin typeface="Times New Roman"/>
+              </a:rPr>
+              <a:t>Khả năng mở rộng (Scalable)</a:t>
+            </a:r>
+            <a:endParaRPr b="0" lang="en-US" sz="2400" spc="-1" strike="noStrike">
+              <a:latin typeface="Arial"/>
+            </a:endParaRPr>
+          </a:p>
+        </p:txBody>
+      </p:sp>
+      <p:sp>
+        <p:nvSpPr>
+          <p:cNvPr id="214" name="CustomShape 11"/>
+          <p:cNvSpPr/>
+          <p:nvPr/>
+        </p:nvSpPr>
+        <p:spPr>
+          <a:xfrm>
+            <a:off x="1378800" y="4773960"/>
+            <a:ext cx="10515240" cy="760680"/>
+          </a:xfrm>
+          <a:prstGeom prst="rect">
+            <a:avLst/>
+          </a:prstGeom>
+          <a:noFill/>
+          <a:ln>
+            <a:noFill/>
+          </a:ln>
+        </p:spPr>
+        <p:style>
+          <a:lnRef idx="0"/>
+          <a:fillRef idx="0"/>
+          <a:effectRef idx="0"/>
+          <a:fontRef idx="minor"/>
+        </p:style>
+        <p:txBody>
+          <a:bodyPr lIns="90000" rIns="90000" tIns="45000" bIns="45000"/>
+          <a:p>
+            <a:pPr marL="343080" indent="-342720">
+              <a:lnSpc>
+                <a:spcPct val="100000"/>
+              </a:lnSpc>
+              <a:buClr>
+                <a:srgbClr val="ffffff"/>
+              </a:buClr>
+              <a:buFont typeface="Wingdings" charset="2"/>
+              <a:buChar char=""/>
+            </a:pPr>
+            <a:r>
+              <a:rPr b="0" lang="en-US" sz="2200" spc="-1" strike="noStrike">
+                <a:solidFill>
+                  <a:srgbClr val="ffffff"/>
+                </a:solidFill>
+                <a:latin typeface="Times New Roman"/>
+              </a:rPr>
+              <a:t>Gắn thêm nhiều node mới,sau đó các Region (nơi lưu trữ các table) tự động chia tách và tạo ra nhiều Region mới, tích hợp vào hệ thống.</a:t>
+            </a:r>
+            <a:endParaRPr b="0" lang="en-US" sz="2200" spc="-1" strike="noStrike">
+              <a:latin typeface="Arial"/>
+            </a:endParaRPr>
+          </a:p>
+        </p:txBody>
+      </p:sp>
     </p:spTree>
   </p:cSld>
   <p:timing>
     <p:tnLst>
       <p:par>
-        <p:cTn id="179" dur="indefinite" restart="never" nodeType="tmRoot">
+        <p:cTn id="159" dur="indefinite" restart="never" nodeType="tmRoot">
           <p:childTnLst>
             <p:seq>
-              <p:cTn id="180" dur="indefinite" nodeType="mainSeq"/>
+              <p:cTn id="160" dur="indefinite" nodeType="mainSeq">
+                <p:childTnLst>
+                  <p:par>
+                    <p:cTn id="161" fill="hold">
+                      <p:stCondLst>
+                        <p:cond delay="0"/>
+                      </p:stCondLst>
+                      <p:childTnLst>
+                        <p:par>
+                          <p:cTn id="162" fill="hold">
+                            <p:stCondLst>
+                              <p:cond delay="0"/>
+                            </p:stCondLst>
+                            <p:childTnLst>
+                              <p:par>
+                                <p:cTn id="163" nodeType="afterEffect" fill="hold" presetClass="entr" presetID="10">
+                                  <p:stCondLst>
+                                    <p:cond delay="0"/>
+                                  </p:stCondLst>
+                                  <p:childTnLst>
+                                    <p:set>
+                                      <p:cBhvr>
+                                        <p:cTn id="164" dur="1" fill="hold">
+                                          <p:stCondLst>
+                                            <p:cond delay="0"/>
+                                          </p:stCondLst>
+                                        </p:cTn>
+                                        <p:tgtEl>
+                                          <p:spTgt spid="210"/>
+                                        </p:tgtEl>
+                                        <p:attrNameLst>
+                                          <p:attrName>style.visibility</p:attrName>
+                                        </p:attrNameLst>
+                                      </p:cBhvr>
+                                      <p:to>
+                                        <p:strVal val="visible"/>
+                                      </p:to>
+                                    </p:set>
+                                    <p:animEffect filter="fade" transition="in">
+                                      <p:cBhvr additive="repl">
+                                        <p:cTn id="165" dur="300"/>
+                                        <p:tgtEl>
+                                          <p:spTgt spid="210"/>
+                                        </p:tgtEl>
+                                      </p:cBhvr>
+                                    </p:animEffect>
+                                  </p:childTnLst>
+                                </p:cTn>
+                              </p:par>
+                            </p:childTnLst>
+                          </p:cTn>
+                        </p:par>
+                      </p:childTnLst>
+                    </p:cTn>
+                  </p:par>
+                  <p:par>
+                    <p:cTn id="166" fill="hold">
+                      <p:stCondLst>
+                        <p:cond delay="indefinite"/>
+                      </p:stCondLst>
+                      <p:childTnLst>
+                        <p:par>
+                          <p:cTn id="167" fill="hold">
+                            <p:stCondLst>
+                              <p:cond delay="0"/>
+                            </p:stCondLst>
+                            <p:childTnLst>
+                              <p:par>
+                                <p:cTn id="168" nodeType="clickEffect" fill="hold" presetClass="entr" presetID="1">
+                                  <p:stCondLst>
+                                    <p:cond delay="0"/>
+                                  </p:stCondLst>
+                                  <p:childTnLst>
+                                    <p:set>
+                                      <p:cBhvr>
+                                        <p:cTn id="169" dur="1" fill="hold">
+                                          <p:stCondLst>
+                                            <p:cond delay="0"/>
+                                          </p:stCondLst>
+                                        </p:cTn>
+                                        <p:tgtEl>
+                                          <p:spTgt spid="211"/>
+                                        </p:tgtEl>
+                                        <p:attrNameLst>
+                                          <p:attrName>style.visibility</p:attrName>
+                                        </p:attrNameLst>
+                                      </p:cBhvr>
+                                      <p:to>
+                                        <p:strVal val="visible"/>
+                                      </p:to>
+                                    </p:set>
+                                  </p:childTnLst>
+                                </p:cTn>
+                              </p:par>
+                              <p:par>
+                                <p:cTn id="170" nodeType="withEffect" fill="hold" presetClass="entr" presetID="10">
+                                  <p:stCondLst>
+                                    <p:cond delay="0"/>
+                                  </p:stCondLst>
+                                  <p:childTnLst>
+                                    <p:set>
+                                      <p:cBhvr>
+                                        <p:cTn id="171" dur="1" fill="hold">
+                                          <p:stCondLst>
+                                            <p:cond delay="0"/>
+                                          </p:stCondLst>
+                                        </p:cTn>
+                                        <p:tgtEl>
+                                          <p:spTgt spid="212"/>
+                                        </p:tgtEl>
+                                        <p:attrNameLst>
+                                          <p:attrName>style.visibility</p:attrName>
+                                        </p:attrNameLst>
+                                      </p:cBhvr>
+                                      <p:to>
+                                        <p:strVal val="visible"/>
+                                      </p:to>
+                                    </p:set>
+                                    <p:animEffect filter="fade" transition="in">
+                                      <p:cBhvr additive="repl">
+                                        <p:cTn id="172" dur="300"/>
+                                        <p:tgtEl>
+                                          <p:spTgt spid="212"/>
+                                        </p:tgtEl>
+                                      </p:cBhvr>
+                                    </p:animEffect>
+                                  </p:childTnLst>
+                                </p:cTn>
+                              </p:par>
+                            </p:childTnLst>
+                          </p:cTn>
+                        </p:par>
+                      </p:childTnLst>
+                    </p:cTn>
+                  </p:par>
+                  <p:par>
+                    <p:cTn id="173" fill="hold">
+                      <p:stCondLst>
+                        <p:cond delay="indefinite"/>
+                      </p:stCondLst>
+                      <p:childTnLst>
+                        <p:par>
+                          <p:cTn id="174" fill="hold">
+                            <p:stCondLst>
+                              <p:cond delay="0"/>
+                            </p:stCondLst>
+                            <p:childTnLst>
+                              <p:par>
+                                <p:cTn id="175" nodeType="clickEffect" fill="hold" presetClass="entr" presetID="1">
+                                  <p:stCondLst>
+                                    <p:cond delay="0"/>
+                                  </p:stCondLst>
+                                  <p:childTnLst>
+                                    <p:set>
+                                      <p:cBhvr>
+                                        <p:cTn id="176" dur="1" fill="hold">
+                                          <p:stCondLst>
+                                            <p:cond delay="0"/>
+                                          </p:stCondLst>
+                                        </p:cTn>
+                                        <p:tgtEl>
+                                          <p:spTgt spid="213"/>
+                                        </p:tgtEl>
+                                        <p:attrNameLst>
+                                          <p:attrName>style.visibility</p:attrName>
+                                        </p:attrNameLst>
+                                      </p:cBhvr>
+                                      <p:to>
+                                        <p:strVal val="visible"/>
+                                      </p:to>
+                                    </p:set>
+                                  </p:childTnLst>
+                                </p:cTn>
+                              </p:par>
+                            </p:childTnLst>
+                          </p:cTn>
+                        </p:par>
+                        <p:par>
+                          <p:cTn id="177" fill="hold">
+                            <p:stCondLst>
+                              <p:cond delay="0"/>
+                            </p:stCondLst>
+                            <p:childTnLst>
+                              <p:par>
+                                <p:cTn id="178" nodeType="afterEffect" fill="hold" presetClass="entr" presetID="10">
+                                  <p:stCondLst>
+                                    <p:cond delay="0"/>
+                                  </p:stCondLst>
+                                  <p:childTnLst>
+                                    <p:set>
+                                      <p:cBhvr>
+                                        <p:cTn id="179" dur="1" fill="hold">
+                                          <p:stCondLst>
+                                            <p:cond delay="0"/>
+                                          </p:stCondLst>
+                                        </p:cTn>
+                                        <p:tgtEl>
+                                          <p:spTgt spid="214"/>
+                                        </p:tgtEl>
+                                        <p:attrNameLst>
+                                          <p:attrName>style.visibility</p:attrName>
+                                        </p:attrNameLst>
+                                      </p:cBhvr>
+                                      <p:to>
+                                        <p:strVal val="visible"/>
+                                      </p:to>
+                                    </p:set>
+                                    <p:animEffect filter="fade" transition="in">
+                                      <p:cBhvr additive="repl">
+                                        <p:cTn id="180" dur="300"/>
+                                        <p:tgtEl>
+                                          <p:spTgt spid="214"/>
+                                        </p:tgtEl>
+                                      </p:cBhvr>
+                                    </p:animEffect>
+                                  </p:childTnLst>
+                                </p:cTn>
+                              </p:par>
+                            </p:childTnLst>
+                          </p:cTn>
+                        </p:par>
+                      </p:childTnLst>
+                    </p:cTn>
+                  </p:par>
+                </p:childTnLst>
+              </p:cTn>
               <p:prevCondLst>
                 <p:cond delay="0" evt="onPrev">
                   <p:tgtEl>
@@ -14747,9 +15246,253 @@
           <a:chExt cx="0" cy="0"/>
         </a:xfrm>
       </p:grpSpPr>
+      <p:grpSp>
+        <p:nvGrpSpPr>
+          <p:cNvPr id="215" name="Group 1"/>
+          <p:cNvGrpSpPr/>
+          <p:nvPr/>
+        </p:nvGrpSpPr>
+        <p:grpSpPr>
+          <a:xfrm>
+            <a:off x="1600200" y="304920"/>
+            <a:ext cx="9295920" cy="609120"/>
+            <a:chOff x="1600200" y="304920"/>
+            <a:chExt cx="9295920" cy="609120"/>
+          </a:xfrm>
+        </p:grpSpPr>
+        <p:sp>
+          <p:nvSpPr>
+            <p:cNvPr id="216" name="CustomShape 2"/>
+            <p:cNvSpPr/>
+            <p:nvPr/>
+          </p:nvSpPr>
+          <p:spPr>
+            <a:xfrm>
+              <a:off x="1600200" y="304920"/>
+              <a:ext cx="9295920" cy="609120"/>
+            </a:xfrm>
+            <a:prstGeom prst="roundRect">
+              <a:avLst>
+                <a:gd name="adj" fmla="val 16667"/>
+              </a:avLst>
+            </a:prstGeom>
+            <a:solidFill>
+              <a:schemeClr val="accent6">
+                <a:lumMod val="75000"/>
+              </a:schemeClr>
+            </a:solidFill>
+            <a:ln>
+              <a:round/>
+            </a:ln>
+            <a:effectLst>
+              <a:outerShdw blurRad="40000" dir="5400000" dist="20000" rotWithShape="0">
+                <a:srgbClr val="000000">
+                  <a:alpha val="38000"/>
+                </a:srgbClr>
+              </a:outerShdw>
+            </a:effectLst>
+          </p:spPr>
+          <p:style>
+            <a:lnRef idx="3">
+              <a:schemeClr val="lt1">
+                <a:hueOff val="0"/>
+                <a:satOff val="0"/>
+                <a:lumOff val="0"/>
+                <a:alphaOff val="0"/>
+              </a:schemeClr>
+            </a:lnRef>
+            <a:fillRef idx="0"/>
+            <a:effectRef idx="1">
+              <a:schemeClr val="accent3">
+                <a:hueOff val="5625132"/>
+                <a:satOff val="-8440"/>
+                <a:lumOff val="-1373"/>
+                <a:alphaOff val="0"/>
+              </a:schemeClr>
+            </a:effectRef>
+            <a:fontRef idx="minor"/>
+          </p:style>
+        </p:sp>
+        <p:sp>
+          <p:nvSpPr>
+            <p:cNvPr id="217" name="CustomShape 3"/>
+            <p:cNvSpPr/>
+            <p:nvPr/>
+          </p:nvSpPr>
+          <p:spPr>
+            <a:xfrm>
+              <a:off x="1664280" y="334440"/>
+              <a:ext cx="9168120" cy="549720"/>
+            </a:xfrm>
+            <a:prstGeom prst="rect">
+              <a:avLst/>
+            </a:prstGeom>
+            <a:noFill/>
+            <a:ln>
+              <a:noFill/>
+            </a:ln>
+          </p:spPr>
+          <p:style>
+            <a:lnRef idx="0"/>
+            <a:fillRef idx="0"/>
+            <a:effectRef idx="0"/>
+            <a:fontRef idx="minor"/>
+          </p:style>
+          <p:txBody>
+            <a:bodyPr lIns="213480" rIns="213480" tIns="213480" bIns="213480" anchor="ctr"/>
+            <a:p>
+              <a:pPr algn="ctr">
+                <a:lnSpc>
+                  <a:spcPct val="90000"/>
+                </a:lnSpc>
+                <a:spcAft>
+                  <a:spcPts val="981"/>
+                </a:spcAft>
+              </a:pPr>
+              <a:r>
+                <a:rPr b="1" lang="en-US" sz="2800" spc="-1" strike="noStrike">
+                  <a:solidFill>
+                    <a:srgbClr val="ffffff"/>
+                  </a:solidFill>
+                  <a:latin typeface="Times New Roman"/>
+                </a:rPr>
+                <a:t>Phần 2: Apache HBase</a:t>
+              </a:r>
+              <a:endParaRPr b="0" lang="en-US" sz="2800" spc="-1" strike="noStrike">
+                <a:latin typeface="Arial"/>
+              </a:endParaRPr>
+            </a:p>
+          </p:txBody>
+        </p:sp>
+      </p:grpSp>
       <p:sp>
         <p:nvSpPr>
-          <p:cNvPr id="215" name="TextShape 1"/>
+          <p:cNvPr id="218" name="CustomShape 4"/>
+          <p:cNvSpPr/>
+          <p:nvPr/>
+        </p:nvSpPr>
+        <p:spPr>
+          <a:xfrm>
+            <a:off x="609480" y="944280"/>
+            <a:ext cx="10515240" cy="577800"/>
+          </a:xfrm>
+          <a:prstGeom prst="rect">
+            <a:avLst/>
+          </a:prstGeom>
+          <a:noFill/>
+          <a:ln>
+            <a:noFill/>
+          </a:ln>
+        </p:spPr>
+        <p:style>
+          <a:lnRef idx="0"/>
+          <a:fillRef idx="0"/>
+          <a:effectRef idx="0"/>
+          <a:fontRef idx="minor"/>
+        </p:style>
+        <p:txBody>
+          <a:bodyPr lIns="90000" rIns="90000" tIns="45000" bIns="45000"/>
+          <a:p>
+            <a:pPr marL="457200" indent="-456840">
+              <a:lnSpc>
+                <a:spcPct val="100000"/>
+              </a:lnSpc>
+              <a:buClr>
+                <a:srgbClr val="ffffff"/>
+              </a:buClr>
+              <a:buFont typeface="Wingdings" charset="2"/>
+              <a:buChar char=""/>
+            </a:pPr>
+            <a:r>
+              <a:rPr b="1" lang="en-US" sz="3200" spc="-1" strike="noStrike">
+                <a:solidFill>
+                  <a:srgbClr val="ffffff"/>
+                </a:solidFill>
+                <a:latin typeface="Times New Roman"/>
+              </a:rPr>
+              <a:t>So sánh HBase vs RDBMS</a:t>
+            </a:r>
+            <a:endParaRPr b="0" lang="en-US" sz="3200" spc="-1" strike="noStrike">
+              <a:latin typeface="Arial"/>
+            </a:endParaRPr>
+          </a:p>
+        </p:txBody>
+      </p:sp>
+      <p:pic>
+        <p:nvPicPr>
+          <p:cNvPr id="219" name="Picture 1" descr=""/>
+          <p:cNvPicPr/>
+          <p:nvPr/>
+        </p:nvPicPr>
+        <p:blipFill>
+          <a:blip r:embed="rId1"/>
+          <a:stretch/>
+        </p:blipFill>
+        <p:spPr>
+          <a:xfrm>
+            <a:off x="1547640" y="1558800"/>
+            <a:ext cx="9299880" cy="3028680"/>
+          </a:xfrm>
+          <a:prstGeom prst="rect">
+            <a:avLst/>
+          </a:prstGeom>
+          <a:ln>
+            <a:noFill/>
+          </a:ln>
+        </p:spPr>
+      </p:pic>
+    </p:spTree>
+  </p:cSld>
+  <p:timing>
+    <p:tnLst>
+      <p:par>
+        <p:cTn id="181" dur="indefinite" restart="never" nodeType="tmRoot">
+          <p:childTnLst>
+            <p:seq>
+              <p:cTn id="182" dur="indefinite" nodeType="mainSeq"/>
+              <p:prevCondLst>
+                <p:cond delay="0" evt="onPrev">
+                  <p:tgtEl>
+                    <p:sldTgt/>
+                  </p:tgtEl>
+                </p:cond>
+              </p:prevCondLst>
+              <p:nextCondLst>
+                <p:cond delay="0" evt="onNext">
+                  <p:tgtEl>
+                    <p:sldTgt/>
+                  </p:tgtEl>
+                </p:cond>
+              </p:nextCondLst>
+            </p:seq>
+          </p:childTnLst>
+        </p:cTn>
+      </p:par>
+    </p:tnLst>
+  </p:timing>
+</p:sld>
+</file>
+
+<file path=ppt/slides/slide24.xml><?xml version="1.0" encoding="utf-8"?>
+<p:sld xmlns:a="http://schemas.openxmlformats.org/drawingml/2006/main" xmlns:p="http://schemas.openxmlformats.org/presentationml/2006/main" xmlns:r="http://schemas.openxmlformats.org/officeDocument/2006/relationships" xmlns:p14="http://schemas.microsoft.com/office/powerpoint/2010/main" xmlns:p15="http://schemas.microsoft.com/office/powerpoint/2012/main" xmlns:mc="http://schemas.openxmlformats.org/markup-compatibility/2006">
+  <p:cSld>
+    <p:spTree>
+      <p:nvGrpSpPr>
+        <p:cNvPr id="1" name=""/>
+        <p:cNvGrpSpPr/>
+        <p:nvPr/>
+      </p:nvGrpSpPr>
+      <p:grpSpPr>
+        <a:xfrm>
+          <a:off x="0" y="0"/>
+          <a:ext cx="0" cy="0"/>
+          <a:chOff x="0" y="0"/>
+          <a:chExt cx="0" cy="0"/>
+        </a:xfrm>
+      </p:grpSpPr>
+      <p:sp>
+        <p:nvSpPr>
+          <p:cNvPr id="220" name="TextShape 1"/>
           <p:cNvSpPr txBox="1"/>
           <p:nvPr/>
         </p:nvSpPr>
@@ -14780,7 +15523,7 @@
       </p:sp>
       <p:sp>
         <p:nvSpPr>
-          <p:cNvPr id="216" name="TextShape 2"/>
+          <p:cNvPr id="221" name="TextShape 2"/>
           <p:cNvSpPr txBox="1"/>
           <p:nvPr/>
         </p:nvSpPr>
@@ -14813,7 +15556,7 @@
       </p:sp>
       <p:sp>
         <p:nvSpPr>
-          <p:cNvPr id="217" name="TextShape 3"/>
+          <p:cNvPr id="222" name="TextShape 3"/>
           <p:cNvSpPr txBox="1"/>
           <p:nvPr/>
         </p:nvSpPr>
@@ -14846,7 +15589,7 @@
       </p:sp>
       <p:sp>
         <p:nvSpPr>
-          <p:cNvPr id="218" name="TextShape 4"/>
+          <p:cNvPr id="223" name="TextShape 4"/>
           <p:cNvSpPr txBox="1"/>
           <p:nvPr/>
         </p:nvSpPr>
@@ -14879,7 +15622,7 @@
       </p:sp>
       <p:sp>
         <p:nvSpPr>
-          <p:cNvPr id="219" name="TextShape 5"/>
+          <p:cNvPr id="224" name="TextShape 5"/>
           <p:cNvSpPr txBox="1"/>
           <p:nvPr/>
         </p:nvSpPr>
@@ -14912,7 +15655,7 @@
       </p:sp>
       <p:sp>
         <p:nvSpPr>
-          <p:cNvPr id="220" name="TextShape 6"/>
+          <p:cNvPr id="225" name="TextShape 6"/>
           <p:cNvSpPr txBox="1"/>
           <p:nvPr/>
         </p:nvSpPr>
@@ -14945,7 +15688,7 @@
       </p:sp>
       <p:sp>
         <p:nvSpPr>
-          <p:cNvPr id="221" name="TextShape 7"/>
+          <p:cNvPr id="226" name="TextShape 7"/>
           <p:cNvSpPr txBox="1"/>
           <p:nvPr/>
         </p:nvSpPr>
